--- a/TEO/TP3/TP3A Arreglos/08-A.pptx
+++ b/TEO/TP3/TP3A Arreglos/08-A.pptx
@@ -257,7 +257,7 @@
           <a:p>
             <a:fld id="{71BD4573-58E7-4156-A133-2731F5F8D1A6}" type="datetimeFigureOut">
               <a:rPr lang="en-US" smtClean="0"/>
-              <a:t>3/25/2024</a:t>
+              <a:t>5/7/24</a:t>
             </a:fld>
             <a:endParaRPr lang="en-US"/>
           </a:p>
@@ -415,7 +415,7 @@
           <a:p>
             <a:fld id="{893B0CF2-7F87-4E02-A248-870047730F99}" type="slidenum">
               <a:rPr lang="en-US" smtClean="0"/>
-              <a:t>‹Nº›</a:t>
+              <a:t>‹#›</a:t>
             </a:fld>
             <a:endParaRPr lang="en-US"/>
           </a:p>
@@ -927,7 +927,7 @@
           <a:p>
             <a:fld id="{714250E0-0183-4A43-B30F-191EAF882E72}" type="datetime1">
               <a:rPr lang="en-US" smtClean="0"/>
-              <a:t>3/25/2024</a:t>
+              <a:t>5/7/24</a:t>
             </a:fld>
             <a:endParaRPr lang="en-US"/>
           </a:p>
@@ -972,7 +972,7 @@
           <a:p>
             <a:fld id="{401CF334-2D5C-4859-84A6-CA7E6E43FAEB}" type="slidenum">
               <a:rPr lang="en-US" smtClean="0"/>
-              <a:t>‹Nº›</a:t>
+              <a:t>‹#›</a:t>
             </a:fld>
             <a:endParaRPr lang="en-US"/>
           </a:p>
@@ -1111,7 +1111,7 @@
           <a:p>
             <a:fld id="{C53C2434-7F20-4B60-B96A-E1D7DEF2E488}" type="datetime1">
               <a:rPr lang="en-US" smtClean="0"/>
-              <a:t>3/25/2024</a:t>
+              <a:t>5/7/24</a:t>
             </a:fld>
             <a:endParaRPr lang="en-US"/>
           </a:p>
@@ -1156,7 +1156,7 @@
           <a:p>
             <a:fld id="{401CF334-2D5C-4859-84A6-CA7E6E43FAEB}" type="slidenum">
               <a:rPr lang="en-US" smtClean="0"/>
-              <a:t>‹Nº›</a:t>
+              <a:t>‹#›</a:t>
             </a:fld>
             <a:endParaRPr lang="en-US"/>
           </a:p>
@@ -1305,7 +1305,7 @@
           <a:p>
             <a:fld id="{6D10A639-1C2B-4790-8325-E24190B00FA2}" type="datetime1">
               <a:rPr lang="en-US" smtClean="0"/>
-              <a:t>3/25/2024</a:t>
+              <a:t>5/7/24</a:t>
             </a:fld>
             <a:endParaRPr lang="en-US"/>
           </a:p>
@@ -1350,7 +1350,7 @@
           <a:p>
             <a:fld id="{401CF334-2D5C-4859-84A6-CA7E6E43FAEB}" type="slidenum">
               <a:rPr lang="en-US" smtClean="0"/>
-              <a:t>‹Nº›</a:t>
+              <a:t>‹#›</a:t>
             </a:fld>
             <a:endParaRPr lang="en-US"/>
           </a:p>
@@ -1489,7 +1489,7 @@
           <a:p>
             <a:fld id="{F0927B2C-0F50-4628-A04C-A7E93ED5BBD2}" type="datetime1">
               <a:rPr lang="en-US" smtClean="0"/>
-              <a:t>3/25/2024</a:t>
+              <a:t>5/7/24</a:t>
             </a:fld>
             <a:endParaRPr lang="en-US"/>
           </a:p>
@@ -1534,7 +1534,7 @@
           <a:p>
             <a:fld id="{401CF334-2D5C-4859-84A6-CA7E6E43FAEB}" type="slidenum">
               <a:rPr lang="en-US" smtClean="0"/>
-              <a:t>‹Nº›</a:t>
+              <a:t>‹#›</a:t>
             </a:fld>
             <a:endParaRPr lang="en-US"/>
           </a:p>
@@ -1736,7 +1736,7 @@
           <a:p>
             <a:fld id="{E1D941C6-C9BB-406F-8C4D-1F0AACCFB235}" type="datetime1">
               <a:rPr lang="en-US" smtClean="0"/>
-              <a:t>3/25/2024</a:t>
+              <a:t>5/7/24</a:t>
             </a:fld>
             <a:endParaRPr lang="en-US"/>
           </a:p>
@@ -1781,7 +1781,7 @@
           <a:p>
             <a:fld id="{401CF334-2D5C-4859-84A6-CA7E6E43FAEB}" type="slidenum">
               <a:rPr lang="en-US" smtClean="0"/>
-              <a:t>‹Nº›</a:t>
+              <a:t>‹#›</a:t>
             </a:fld>
             <a:endParaRPr lang="en-US"/>
           </a:p>
@@ -2019,7 +2019,7 @@
           <a:p>
             <a:fld id="{5103D6A6-3579-421E-B989-831875D1C281}" type="datetime1">
               <a:rPr lang="en-US" smtClean="0"/>
-              <a:t>3/25/2024</a:t>
+              <a:t>5/7/24</a:t>
             </a:fld>
             <a:endParaRPr lang="en-US"/>
           </a:p>
@@ -2064,7 +2064,7 @@
           <a:p>
             <a:fld id="{401CF334-2D5C-4859-84A6-CA7E6E43FAEB}" type="slidenum">
               <a:rPr lang="en-US" smtClean="0"/>
-              <a:t>‹Nº›</a:t>
+              <a:t>‹#›</a:t>
             </a:fld>
             <a:endParaRPr lang="en-US"/>
           </a:p>
@@ -2416,7 +2416,7 @@
           <a:p>
             <a:fld id="{77ACAF0A-25B3-40BB-8894-04D54A01A46F}" type="datetime1">
               <a:rPr lang="en-US" smtClean="0"/>
-              <a:t>3/25/2024</a:t>
+              <a:t>5/7/24</a:t>
             </a:fld>
             <a:endParaRPr lang="en-US"/>
           </a:p>
@@ -2461,7 +2461,7 @@
           <a:p>
             <a:fld id="{401CF334-2D5C-4859-84A6-CA7E6E43FAEB}" type="slidenum">
               <a:rPr lang="en-US" smtClean="0"/>
-              <a:t>‹Nº›</a:t>
+              <a:t>‹#›</a:t>
             </a:fld>
             <a:endParaRPr lang="en-US"/>
           </a:p>
@@ -2585,7 +2585,7 @@
           <a:p>
             <a:fld id="{1E14DF0A-A700-4CC9-9AF1-9170DFEDEE54}" type="datetime1">
               <a:rPr lang="en-US" smtClean="0"/>
-              <a:t>3/25/2024</a:t>
+              <a:t>5/7/24</a:t>
             </a:fld>
             <a:endParaRPr lang="en-US"/>
           </a:p>
@@ -2630,7 +2630,7 @@
           <a:p>
             <a:fld id="{401CF334-2D5C-4859-84A6-CA7E6E43FAEB}" type="slidenum">
               <a:rPr lang="en-US" smtClean="0"/>
-              <a:t>‹Nº›</a:t>
+              <a:t>‹#›</a:t>
             </a:fld>
             <a:endParaRPr lang="en-US"/>
           </a:p>
@@ -2695,7 +2695,7 @@
           <a:p>
             <a:fld id="{3BA2BB12-4EAE-483D-801F-00AB37965B56}" type="datetime1">
               <a:rPr lang="en-US" smtClean="0"/>
-              <a:t>3/25/2024</a:t>
+              <a:t>5/7/24</a:t>
             </a:fld>
             <a:endParaRPr lang="en-US"/>
           </a:p>
@@ -2740,7 +2740,7 @@
           <a:p>
             <a:fld id="{401CF334-2D5C-4859-84A6-CA7E6E43FAEB}" type="slidenum">
               <a:rPr lang="en-US" smtClean="0"/>
-              <a:t>‹Nº›</a:t>
+              <a:t>‹#›</a:t>
             </a:fld>
             <a:endParaRPr lang="en-US"/>
           </a:p>
@@ -2975,7 +2975,7 @@
           <a:p>
             <a:fld id="{12BB9995-96A4-4841-89CD-C4B4BDA6548A}" type="datetime1">
               <a:rPr lang="en-US" smtClean="0"/>
-              <a:t>3/25/2024</a:t>
+              <a:t>5/7/24</a:t>
             </a:fld>
             <a:endParaRPr lang="en-US"/>
           </a:p>
@@ -3020,7 +3020,7 @@
           <a:p>
             <a:fld id="{401CF334-2D5C-4859-84A6-CA7E6E43FAEB}" type="slidenum">
               <a:rPr lang="en-US" smtClean="0"/>
-              <a:t>‹Nº›</a:t>
+              <a:t>‹#›</a:t>
             </a:fld>
             <a:endParaRPr lang="en-US"/>
           </a:p>
@@ -3328,7 +3328,7 @@
           <a:p>
             <a:fld id="{DFA30472-5641-42B3-84CB-F7EFC1149CC4}" type="datetime1">
               <a:rPr lang="en-US" smtClean="0"/>
-              <a:t>3/25/2024</a:t>
+              <a:t>5/7/24</a:t>
             </a:fld>
             <a:endParaRPr lang="en-US"/>
           </a:p>
@@ -3378,7 +3378,7 @@
           <a:p>
             <a:fld id="{401CF334-2D5C-4859-84A6-CA7E6E43FAEB}" type="slidenum">
               <a:rPr lang="en-US" smtClean="0"/>
-              <a:t>‹Nº›</a:t>
+              <a:t>‹#›</a:t>
             </a:fld>
             <a:endParaRPr lang="en-US"/>
           </a:p>
@@ -4361,7 +4361,7 @@
           <a:p>
             <a:fld id="{A38378BB-B8FB-411A-A427-1389FDA6DBD3}" type="datetime1">
               <a:rPr lang="en-US" smtClean="0"/>
-              <a:t>3/25/2024</a:t>
+              <a:t>5/7/24</a:t>
             </a:fld>
             <a:endParaRPr lang="en-US" dirty="0"/>
           </a:p>
@@ -4439,7 +4439,7 @@
             <a:fld id="{401CF334-2D5C-4859-84A6-CA7E6E43FAEB}" type="slidenum">
               <a:rPr lang="en-US" smtClean="0"/>
               <a:pPr/>
-              <a:t>‹Nº›</a:t>
+              <a:t>‹#›</a:t>
             </a:fld>
             <a:endParaRPr lang="en-US"/>
           </a:p>
@@ -4843,15 +4843,7 @@
                   <a:schemeClr val="tx2"/>
                 </a:solidFill>
               </a:rPr>
-              <a:t>ITBA     </a:t>
-            </a:r>
-            <a:r>
-              <a:rPr lang="es-AR" sz="3600" dirty="0" smtClean="0">
-                <a:solidFill>
-                  <a:schemeClr val="tx2"/>
-                </a:solidFill>
-              </a:rPr>
-              <a:t>2024-Q1</a:t>
+              <a:t>ITBA     2024-Q1</a:t>
             </a:r>
             <a:endParaRPr lang="en-US" sz="3600" dirty="0">
               <a:solidFill>
@@ -4906,13 +4898,6 @@
       </p:transition>
     </mc:Fallback>
   </mc:AlternateContent>
-  <p:timing>
-    <p:tnLst>
-      <p:par>
-        <p:cTn id="1" dur="indefinite" restart="never" nodeType="tmRoot"/>
-      </p:par>
-    </p:tnLst>
-  </p:timing>
 </p:sld>
 </file>
 
@@ -5435,18 +5420,13 @@
                 <a:defRPr/>
               </a:pPr>
               <a:r>
-                <a:rPr lang="en-US" sz="1400" b="1" dirty="0" smtClean="0">
+                <a:rPr lang="en-US" sz="1400" b="1" dirty="0">
                   <a:solidFill>
                     <a:srgbClr val="1EA907"/>
                   </a:solidFill>
                 </a:rPr>
                 <a:t>58622</a:t>
               </a:r>
-              <a:endParaRPr lang="en-US" sz="1400" b="1" dirty="0">
-                <a:solidFill>
-                  <a:srgbClr val="1EA907"/>
-                </a:solidFill>
-              </a:endParaRPr>
             </a:p>
             <a:p>
               <a:pPr>
@@ -6258,17 +6238,15 @@
           <a:lstStyle/>
           <a:p>
             <a:r>
-              <a:rPr lang="en-US" dirty="0" smtClean="0"/>
+              <a:rPr lang="en-US" dirty="0"/>
               <a:t>20</a:t>
             </a:r>
-            <a:endParaRPr lang="en-US" dirty="0"/>
-          </a:p>
-          <a:p>
-            <a:r>
-              <a:rPr lang="en-US" dirty="0" smtClean="0"/>
+          </a:p>
+          <a:p>
+            <a:r>
+              <a:rPr lang="en-US" dirty="0"/>
               <a:t>19</a:t>
             </a:r>
-            <a:endParaRPr lang="en-US" dirty="0"/>
           </a:p>
           <a:p>
             <a:r>
@@ -6278,10 +6256,9 @@
           </a:p>
           <a:p>
             <a:r>
-              <a:rPr lang="en-US" dirty="0" smtClean="0"/>
+              <a:rPr lang="en-US" dirty="0"/>
               <a:t>20 </a:t>
             </a:r>
-            <a:endParaRPr lang="en-US" dirty="0"/>
           </a:p>
           <a:p>
             <a:endParaRPr lang="en-US" dirty="0"/>
@@ -6409,15 +6386,7 @@
           <a:p>
             <a:r>
               <a:rPr lang="en-US" dirty="0"/>
-              <a:t>&lt;</a:t>
-            </a:r>
-            <a:r>
-              <a:rPr lang="en-US" dirty="0" smtClean="0"/>
-              <a:t>58622, Ana </a:t>
-            </a:r>
-            <a:r>
-              <a:rPr lang="en-US" dirty="0"/>
-              <a:t>Garcia, 20, </a:t>
+              <a:t>&lt;58622, Ana Garcia, 20, </a:t>
             </a:r>
             <a:r>
               <a:rPr lang="en-US" dirty="0">
@@ -6433,15 +6402,7 @@
           <a:p>
             <a:r>
               <a:rPr lang="en-US" dirty="0"/>
-              <a:t>&lt;</a:t>
-            </a:r>
-            <a:r>
-              <a:rPr lang="en-US" dirty="0" smtClean="0"/>
-              <a:t>58333, Pablo </a:t>
-            </a:r>
-            <a:r>
-              <a:rPr lang="en-US" dirty="0"/>
-              <a:t>Conte, 19, </a:t>
+              <a:t>&lt;58333, Pablo Conte, 19, </a:t>
             </a:r>
             <a:r>
               <a:rPr lang="en-US" dirty="0">
@@ -6463,11 +6424,7 @@
           <a:p>
             <a:r>
               <a:rPr lang="en-US" dirty="0"/>
-              <a:t>&lt;</a:t>
-            </a:r>
-            <a:r>
-              <a:rPr lang="en-US" dirty="0" smtClean="0"/>
-              <a:t>45382, Leo </a:t>
+              <a:t>&lt;45382, Leo </a:t>
             </a:r>
             <a:r>
               <a:rPr lang="en-US" dirty="0" err="1"/>
@@ -6478,16 +6435,15 @@
               <a:t>, 20, </a:t>
             </a:r>
             <a:r>
-              <a:rPr lang="en-US" dirty="0" smtClean="0">
+              <a:rPr lang="en-US" dirty="0">
                 <a:hlinkClick r:id="rId5"/>
               </a:rPr>
               <a:t>lnilo@gmail.com</a:t>
             </a:r>
             <a:r>
-              <a:rPr lang="en-US" dirty="0" smtClean="0"/>
+              <a:rPr lang="en-US" dirty="0"/>
               <a:t>&gt;</a:t>
             </a:r>
-            <a:endParaRPr lang="en-US" dirty="0"/>
           </a:p>
           <a:p>
             <a:pPr algn="ctr"/>
@@ -6982,20 +6938,18 @@
           <a:lstStyle/>
           <a:p>
             <a:r>
-              <a:rPr lang="en-US" dirty="0" smtClean="0"/>
+              <a:rPr lang="en-US" dirty="0"/>
               <a:t>20</a:t>
             </a:r>
+          </a:p>
+          <a:p>
             <a:endParaRPr lang="en-US" dirty="0"/>
           </a:p>
           <a:p>
-            <a:endParaRPr lang="en-US" dirty="0"/>
-          </a:p>
-          <a:p>
-            <a:r>
-              <a:rPr lang="en-US" dirty="0" smtClean="0"/>
+            <a:r>
+              <a:rPr lang="en-US" dirty="0"/>
               <a:t>19</a:t>
             </a:r>
-            <a:endParaRPr lang="en-US" dirty="0"/>
           </a:p>
           <a:p>
             <a:r>
@@ -7073,12 +7027,8 @@
               <a:t>agarcia@gmail.com</a:t>
             </a:r>
             <a:r>
-              <a:rPr lang="en-US" dirty="0" smtClean="0"/>
-              <a:t>&gt;,…,&lt;</a:t>
-            </a:r>
-            <a:r>
               <a:rPr lang="en-US" dirty="0"/>
-              <a:t>45382, Leo </a:t>
+              <a:t>&gt;,…,&lt;45382, Leo </a:t>
             </a:r>
             <a:r>
               <a:rPr lang="en-US" dirty="0" err="1"/>
@@ -7089,25 +7039,20 @@
               <a:t>, 20, </a:t>
             </a:r>
             <a:r>
-              <a:rPr lang="en-US" dirty="0" smtClean="0">
+              <a:rPr lang="en-US" dirty="0">
                 <a:hlinkClick r:id="rId3"/>
               </a:rPr>
               <a:t>lnilo@gmail.com</a:t>
             </a:r>
             <a:r>
-              <a:rPr lang="en-US" dirty="0" smtClean="0"/>
+              <a:rPr lang="en-US" dirty="0"/>
               <a:t>&gt;</a:t>
             </a:r>
-            <a:endParaRPr lang="en-US" dirty="0"/>
-          </a:p>
-          <a:p>
-            <a:r>
-              <a:rPr lang="en-US" dirty="0" smtClean="0"/>
-              <a:t>&lt;</a:t>
-            </a:r>
+          </a:p>
+          <a:p>
             <a:r>
               <a:rPr lang="en-US" dirty="0"/>
-              <a:t>58333, Pablo Conte, 19, </a:t>
+              <a:t>&lt;58333, Pablo Conte, 19, </a:t>
             </a:r>
             <a:r>
               <a:rPr lang="en-US" dirty="0">
@@ -7116,17 +7061,15 @@
               <a:t>pconte@gmail.com</a:t>
             </a:r>
             <a:r>
-              <a:rPr lang="en-US" dirty="0" smtClean="0"/>
+              <a:rPr lang="en-US" dirty="0"/>
               <a:t>&gt;,...</a:t>
             </a:r>
-            <a:endParaRPr lang="en-US" dirty="0"/>
-          </a:p>
-          <a:p>
-            <a:r>
-              <a:rPr lang="en-US" dirty="0" smtClean="0"/>
+          </a:p>
+          <a:p>
+            <a:r>
+              <a:rPr lang="en-US" dirty="0"/>
               <a:t>…</a:t>
             </a:r>
-            <a:endParaRPr lang="en-US" dirty="0"/>
           </a:p>
           <a:p>
             <a:pPr algn="ctr"/>
@@ -7596,18 +7539,13 @@
                 <a:defRPr/>
               </a:pPr>
               <a:r>
-                <a:rPr lang="en-US" sz="1400" b="1" dirty="0" smtClean="0">
+                <a:rPr lang="en-US" sz="1400" b="1" dirty="0">
                   <a:solidFill>
                     <a:srgbClr val="1EA907"/>
                   </a:solidFill>
                 </a:rPr>
                 <a:t>58622</a:t>
               </a:r>
-              <a:endParaRPr lang="en-US" sz="1400" b="1" dirty="0">
-                <a:solidFill>
-                  <a:srgbClr val="1EA907"/>
-                </a:solidFill>
-              </a:endParaRPr>
             </a:p>
             <a:p>
               <a:pPr>
@@ -8633,26 +8571,22 @@
             </a:r>
             <a:r>
               <a:rPr lang="en-US" dirty="0"/>
-              <a:t>. </a:t>
-            </a:r>
-            <a:r>
-              <a:rPr lang="en-US" dirty="0" smtClean="0"/>
-              <a:t>Si </a:t>
-            </a:r>
-            <a:r>
-              <a:rPr lang="en-US" dirty="0" err="1" smtClean="0"/>
+              <a:t>. Si </a:t>
+            </a:r>
+            <a:r>
+              <a:rPr lang="en-US" dirty="0" err="1"/>
               <a:t>puede</a:t>
             </a:r>
             <a:r>
-              <a:rPr lang="en-US" dirty="0" smtClean="0"/>
+              <a:rPr lang="en-US" dirty="0"/>
               <a:t> </a:t>
             </a:r>
             <a:r>
-              <a:rPr lang="en-US" dirty="0" err="1" smtClean="0"/>
+              <a:rPr lang="en-US" dirty="0" err="1"/>
               <a:t>repetirse</a:t>
             </a:r>
             <a:r>
-              <a:rPr lang="en-US" dirty="0" smtClean="0"/>
+              <a:rPr lang="en-US" dirty="0"/>
               <a:t>,  </a:t>
             </a:r>
             <a:r>
@@ -8672,11 +8606,11 @@
               <a:t> la info </a:t>
             </a:r>
             <a:r>
-              <a:rPr lang="en-US" dirty="0" err="1" smtClean="0"/>
+              <a:rPr lang="en-US" dirty="0" err="1"/>
               <a:t>asociada</a:t>
             </a:r>
             <a:r>
-              <a:rPr lang="en-US" dirty="0" smtClean="0"/>
+              <a:rPr lang="en-US" dirty="0"/>
               <a:t> </a:t>
             </a:r>
             <a:r>
@@ -8794,13 +8728,6 @@
       </p:transition>
     </mc:Fallback>
   </mc:AlternateContent>
-  <p:timing>
-    <p:tnLst>
-      <p:par>
-        <p:cTn id="1" dur="indefinite" restart="never" nodeType="tmRoot"/>
-      </p:par>
-    </p:tnLst>
-  </p:timing>
 </p:sld>
 </file>
 
@@ -9859,54 +9786,45 @@
               <a:t> no se </a:t>
             </a:r>
             <a:r>
-              <a:rPr lang="en-US" b="1" dirty="0" err="1" smtClean="0"/>
+              <a:rPr lang="en-US" b="1" dirty="0" err="1"/>
               <a:t>compactan</a:t>
+            </a:r>
+            <a:r>
+              <a:rPr lang="en-US" b="1" dirty="0"/>
+              <a:t> y que hay </a:t>
+            </a:r>
+            <a:r>
+              <a:rPr lang="en-US" b="1" dirty="0" err="1"/>
+              <a:t>espacio</a:t>
             </a:r>
             <a:r>
               <a:rPr lang="en-US" b="1" dirty="0"/>
               <a:t> </a:t>
             </a:r>
             <a:r>
-              <a:rPr lang="en-US" b="1" dirty="0" smtClean="0"/>
-              <a:t>y que hay </a:t>
-            </a:r>
-            <a:r>
-              <a:rPr lang="en-US" b="1" dirty="0" err="1" smtClean="0"/>
-              <a:t>espacio</a:t>
-            </a:r>
-            <a:r>
-              <a:rPr lang="en-US" b="1" dirty="0" smtClean="0"/>
-              <a:t> </a:t>
-            </a:r>
-            <a:r>
-              <a:rPr lang="en-US" b="1" dirty="0" err="1" smtClean="0"/>
+              <a:rPr lang="en-US" b="1" dirty="0" err="1"/>
               <a:t>prealocado</a:t>
-            </a:r>
-            <a:r>
-              <a:rPr lang="en-US" b="1" dirty="0" smtClean="0"/>
-              <a:t> </a:t>
-            </a:r>
-            <a:r>
-              <a:rPr lang="en-US" b="1" dirty="0" err="1" smtClean="0"/>
-              <a:t>suficiente</a:t>
             </a:r>
             <a:r>
               <a:rPr lang="en-US" b="1" dirty="0"/>
               <a:t> </a:t>
             </a:r>
             <a:r>
-              <a:rPr lang="en-US" b="1" dirty="0" smtClean="0"/>
-              <a:t>para las </a:t>
-            </a:r>
-            <a:r>
-              <a:rPr lang="en-US" b="1" dirty="0" err="1" smtClean="0"/>
+              <a:rPr lang="en-US" b="1" dirty="0" err="1"/>
+              <a:t>suficiente</a:t>
+            </a:r>
+            <a:r>
+              <a:rPr lang="en-US" b="1" dirty="0"/>
+              <a:t> para las </a:t>
+            </a:r>
+            <a:r>
+              <a:rPr lang="en-US" b="1" dirty="0" err="1"/>
               <a:t>inserciones</a:t>
             </a:r>
             <a:r>
-              <a:rPr lang="en-US" b="1" dirty="0" smtClean="0"/>
+              <a:rPr lang="en-US" b="1" dirty="0"/>
               <a:t>.</a:t>
             </a:r>
-            <a:endParaRPr lang="en-US" b="1" dirty="0"/>
           </a:p>
           <a:p>
             <a:pPr marL="0" indent="0" algn="just">
@@ -10140,26 +10058,22 @@
                       </a:r>
                       <a:r>
                         <a:rPr lang="en-US" dirty="0"/>
-                        <a:t> </a:t>
+                        <a:t> (</a:t>
                       </a:r>
                       <a:r>
-                        <a:rPr lang="en-US" dirty="0" smtClean="0"/>
-                        <a:t>(</a:t>
-                      </a:r>
-                      <a:r>
-                        <a:rPr lang="en-US" dirty="0" err="1" smtClean="0"/>
+                        <a:rPr lang="en-US" dirty="0" err="1"/>
                         <a:t>cualquiera</a:t>
                       </a:r>
                       <a:r>
-                        <a:rPr lang="en-US" dirty="0" smtClean="0"/>
+                        <a:rPr lang="en-US" dirty="0"/>
                         <a:t>, </a:t>
                       </a:r>
                       <a:r>
-                        <a:rPr lang="en-US" dirty="0" err="1" smtClean="0"/>
+                        <a:rPr lang="en-US" dirty="0" err="1"/>
                         <a:t>desordenado</a:t>
                       </a:r>
                       <a:r>
-                        <a:rPr lang="en-US" dirty="0" smtClean="0"/>
+                        <a:rPr lang="en-US" dirty="0"/>
                         <a:t>)</a:t>
                       </a:r>
                       <a:endParaRPr lang="es-AR" dirty="0"/>
@@ -10542,7 +10456,7 @@
                         <a:defRPr/>
                       </a:pPr>
                       <a:r>
-                        <a:rPr lang="es-AR" dirty="0" smtClean="0">
+                        <a:rPr lang="es-AR" dirty="0">
                           <a:solidFill>
                             <a:schemeClr val="accent1">
                               <a:lumMod val="75000"/>
@@ -10748,11 +10662,11 @@
               <a:t> </a:t>
             </a:r>
             <a:r>
-              <a:rPr lang="en-US" dirty="0" err="1" smtClean="0"/>
+              <a:rPr lang="en-US" dirty="0" err="1"/>
               <a:t>clasificación</a:t>
             </a:r>
             <a:r>
-              <a:rPr lang="en-US" dirty="0" smtClean="0"/>
+              <a:rPr lang="en-US" dirty="0"/>
               <a:t>… </a:t>
             </a:r>
             <a:r>
@@ -10788,28 +10702,24 @@
               <a:t> </a:t>
             </a:r>
             <a:r>
-              <a:rPr lang="en-US" dirty="0" err="1" smtClean="0"/>
+              <a:rPr lang="en-US" dirty="0" err="1"/>
               <a:t>caso</a:t>
             </a:r>
             <a:r>
-              <a:rPr lang="en-US" dirty="0" smtClean="0"/>
+              <a:rPr lang="en-US" dirty="0"/>
               <a:t> (</a:t>
             </a:r>
             <a:r>
-              <a:rPr lang="en-US" dirty="0" err="1" smtClean="0"/>
+              <a:rPr lang="en-US" dirty="0" err="1"/>
               <a:t>asumimos</a:t>
             </a:r>
             <a:r>
-              <a:rPr lang="en-US" dirty="0" smtClean="0"/>
+              <a:rPr lang="en-US" dirty="0"/>
               <a:t> </a:t>
             </a:r>
             <a:r>
-              <a:rPr lang="en-US" b="1" dirty="0" smtClean="0"/>
-              <a:t>que </a:t>
-            </a:r>
-            <a:r>
               <a:rPr lang="en-US" b="1" dirty="0"/>
-              <a:t>hay </a:t>
+              <a:t>que hay </a:t>
             </a:r>
             <a:r>
               <a:rPr lang="en-US" b="1" dirty="0" err="1"/>
@@ -10836,11 +10746,11 @@
               <a:t> para las </a:t>
             </a:r>
             <a:r>
-              <a:rPr lang="en-US" b="1" dirty="0" err="1" smtClean="0"/>
+              <a:rPr lang="en-US" b="1" dirty="0" err="1"/>
               <a:t>inserciones</a:t>
             </a:r>
             <a:r>
-              <a:rPr lang="en-US" b="1" dirty="0" smtClean="0"/>
+              <a:rPr lang="en-US" b="1" dirty="0"/>
               <a:t>)</a:t>
             </a:r>
           </a:p>
@@ -10884,14 +10794,14 @@
             <a:pPr marL="0" indent="0" algn="just">
               <a:buNone/>
             </a:pPr>
-            <a:endParaRPr lang="en-US" sz="1900" dirty="0" smtClean="0"/>
+            <a:endParaRPr lang="en-US" sz="1900" dirty="0"/>
           </a:p>
           <a:p>
             <a:pPr marL="0" indent="0" algn="just">
               <a:buNone/>
             </a:pPr>
             <a:r>
-              <a:rPr lang="en-US" sz="1900" dirty="0" smtClean="0"/>
+              <a:rPr lang="en-US" sz="1900" dirty="0"/>
               <a:t>El </a:t>
             </a:r>
             <a:r>
@@ -10984,11 +10894,11 @@
               <a:t> </a:t>
             </a:r>
             <a:r>
-              <a:rPr lang="en-US" sz="1900" dirty="0" err="1" smtClean="0"/>
+              <a:rPr lang="en-US" sz="1900" dirty="0" err="1"/>
               <a:t>si</a:t>
             </a:r>
             <a:r>
-              <a:rPr lang="en-US" sz="1900" dirty="0" smtClean="0"/>
+              <a:rPr lang="en-US" sz="1900" dirty="0"/>
               <a:t> </a:t>
             </a:r>
             <a:r>
@@ -11045,76 +10955,71 @@
             </a:r>
             <a:r>
               <a:rPr lang="en-US" sz="1900" dirty="0"/>
-              <a:t> ideal</a:t>
-            </a:r>
-            <a:r>
-              <a:rPr lang="en-US" sz="1900" dirty="0" smtClean="0"/>
-              <a:t>…</a:t>
+              <a:t> ideal…</a:t>
             </a:r>
           </a:p>
           <a:p>
             <a:pPr marL="0" indent="0" algn="just">
               <a:buNone/>
             </a:pPr>
-            <a:endParaRPr lang="en-US" sz="1900" dirty="0" smtClean="0"/>
+            <a:endParaRPr lang="en-US" sz="1900" dirty="0"/>
           </a:p>
           <a:p>
             <a:pPr marL="0" indent="0" algn="just">
               <a:buNone/>
             </a:pPr>
             <a:r>
-              <a:rPr lang="en-US" sz="1900" dirty="0" smtClean="0"/>
+              <a:rPr lang="en-US" sz="1900" dirty="0"/>
               <a:t>Los 3 </a:t>
             </a:r>
             <a:r>
-              <a:rPr lang="en-US" sz="1900" dirty="0" err="1" smtClean="0"/>
+              <a:rPr lang="en-US" sz="1900" dirty="0" err="1"/>
               <a:t>casos</a:t>
             </a:r>
             <a:r>
-              <a:rPr lang="en-US" sz="1900" dirty="0" smtClean="0"/>
+              <a:rPr lang="en-US" sz="1900" dirty="0"/>
               <a:t> se </a:t>
             </a:r>
             <a:r>
-              <a:rPr lang="en-US" sz="1900" dirty="0" err="1" smtClean="0"/>
+              <a:rPr lang="en-US" sz="1900" dirty="0" err="1"/>
               <a:t>penalizan</a:t>
             </a:r>
             <a:r>
-              <a:rPr lang="en-US" sz="1900" dirty="0" smtClean="0"/>
+              <a:rPr lang="en-US" sz="1900" dirty="0"/>
               <a:t> </a:t>
             </a:r>
             <a:r>
-              <a:rPr lang="en-US" sz="1900" dirty="0" err="1" smtClean="0"/>
+              <a:rPr lang="en-US" sz="1900" dirty="0" err="1"/>
               <a:t>si</a:t>
             </a:r>
             <a:r>
-              <a:rPr lang="en-US" sz="1900" dirty="0" smtClean="0"/>
+              <a:rPr lang="en-US" sz="1900" dirty="0"/>
               <a:t> “se </a:t>
             </a:r>
             <a:r>
-              <a:rPr lang="en-US" sz="1900" dirty="0" err="1" smtClean="0"/>
+              <a:rPr lang="en-US" sz="1900" dirty="0" err="1"/>
               <a:t>acaba</a:t>
             </a:r>
             <a:r>
-              <a:rPr lang="en-US" sz="1900" dirty="0" smtClean="0"/>
+              <a:rPr lang="en-US" sz="1900" dirty="0"/>
               <a:t> el </a:t>
             </a:r>
             <a:r>
-              <a:rPr lang="en-US" sz="1900" dirty="0" err="1" smtClean="0"/>
+              <a:rPr lang="en-US" sz="1900" dirty="0" err="1"/>
               <a:t>espacio</a:t>
             </a:r>
             <a:r>
-              <a:rPr lang="en-US" sz="1900" dirty="0" smtClean="0"/>
+              <a:rPr lang="en-US" sz="1900" dirty="0"/>
               <a:t> </a:t>
             </a:r>
             <a:r>
-              <a:rPr lang="en-US" sz="1900" dirty="0" err="1" smtClean="0"/>
+              <a:rPr lang="en-US" sz="1900" dirty="0" err="1"/>
               <a:t>prealocado</a:t>
             </a:r>
             <a:r>
-              <a:rPr lang="en-US" sz="1900" dirty="0" smtClean="0"/>
+              <a:rPr lang="en-US" sz="1900" dirty="0"/>
               <a:t>”</a:t>
             </a:r>
-            <a:endParaRPr lang="en-US" sz="1900" dirty="0"/>
           </a:p>
         </p:txBody>
       </p:sp>
@@ -11268,30 +11173,26 @@
                           </a:r>
                           <a:r>
                             <a:rPr lang="en-US" dirty="0"/>
+                            <a:t> (</a:t>
+                          </a:r>
+                          <a:r>
+                            <a:rPr lang="en-US" dirty="0" err="1"/>
+                            <a:t>cualquiera</a:t>
+                          </a:r>
+                          <a:r>
+                            <a:rPr lang="en-US" dirty="0"/>
+                            <a:t>,</a:t>
+                          </a:r>
+                          <a:r>
+                            <a:rPr lang="en-US" baseline="0" dirty="0"/>
                             <a:t> </a:t>
                           </a:r>
                           <a:r>
-                            <a:rPr lang="en-US" dirty="0" smtClean="0"/>
-                            <a:t>(</a:t>
-                          </a:r>
-                          <a:r>
-                            <a:rPr lang="en-US" dirty="0" err="1" smtClean="0"/>
-                            <a:t>cualquiera</a:t>
-                          </a:r>
-                          <a:r>
-                            <a:rPr lang="en-US" dirty="0" smtClean="0"/>
-                            <a:t>,</a:t>
-                          </a:r>
-                          <a:r>
-                            <a:rPr lang="en-US" baseline="0" dirty="0" smtClean="0"/>
-                            <a:t> </a:t>
-                          </a:r>
-                          <a:r>
-                            <a:rPr lang="en-US" baseline="0" dirty="0" err="1" smtClean="0"/>
+                            <a:rPr lang="en-US" baseline="0" dirty="0" err="1"/>
                             <a:t>desordenado</a:t>
                           </a:r>
                           <a:r>
-                            <a:rPr lang="en-US" baseline="0" dirty="0" smtClean="0"/>
+                            <a:rPr lang="en-US" baseline="0" dirty="0"/>
                             <a:t>)</a:t>
                           </a:r>
                           <a:endParaRPr lang="es-AR" dirty="0"/>
@@ -11351,22 +11252,13 @@
                             <a:defRPr/>
                           </a:pPr>
                           <a:r>
-                            <a:rPr lang="es-AR" dirty="0" smtClean="0">
-                              <a:solidFill>
-                                <a:srgbClr val="00B050"/>
-                              </a:solidFill>
-                              <a:sym typeface="Wingdings" panose="05000000000000000000" pitchFamily="2" charset="2"/>
-                            </a:rPr>
-                            <a:t> O(1</a:t>
-                          </a:r>
-                          <a:r>
                             <a:rPr lang="es-AR" dirty="0">
                               <a:solidFill>
                                 <a:srgbClr val="00B050"/>
                               </a:solidFill>
                               <a:sym typeface="Wingdings" panose="05000000000000000000" pitchFamily="2" charset="2"/>
                             </a:rPr>
-                            <a:t>)</a:t>
+                            <a:t> O(1)</a:t>
                           </a:r>
                           <a:endParaRPr lang="es-AR" dirty="0">
                             <a:solidFill>
@@ -11474,7 +11366,7 @@
                             <a:buChar char="ü"/>
                           </a:pPr>
                           <a:r>
-                            <a:rPr lang="es-AR" dirty="0" smtClean="0">
+                            <a:rPr lang="es-AR" dirty="0">
                               <a:solidFill>
                                 <a:schemeClr val="accent1">
                                   <a:lumMod val="75000"/>
@@ -11566,7 +11458,7 @@
                             </m:oMath>
                           </a14:m>
                           <a:r>
-                            <a:rPr lang="es-AR" baseline="0" dirty="0" smtClean="0">
+                            <a:rPr lang="es-AR" baseline="0" dirty="0">
                               <a:solidFill>
                                 <a:schemeClr val="accent1">
                                   <a:lumMod val="75000"/>
@@ -13003,11 +12895,11 @@
               <a:t> se </a:t>
             </a:r>
             <a:r>
-              <a:rPr lang="en-US" dirty="0" err="1" smtClean="0"/>
+              <a:rPr lang="en-US" dirty="0" err="1"/>
               <a:t>comportaría</a:t>
             </a:r>
             <a:r>
-              <a:rPr lang="en-US" dirty="0" smtClean="0"/>
+              <a:rPr lang="en-US" dirty="0"/>
               <a:t> </a:t>
             </a:r>
             <a:r>
@@ -13043,34 +12935,29 @@
               <a:t> </a:t>
             </a:r>
             <a:r>
-              <a:rPr lang="en-US" dirty="0" err="1" smtClean="0"/>
+              <a:rPr lang="en-US" dirty="0" err="1"/>
               <a:t>típicas</a:t>
             </a:r>
             <a:r>
-              <a:rPr lang="en-US" dirty="0" smtClean="0"/>
+              <a:rPr lang="en-US" dirty="0"/>
               <a:t> </a:t>
             </a:r>
             <a:r>
-              <a:rPr lang="en-US" dirty="0" err="1" smtClean="0"/>
+              <a:rPr lang="en-US" dirty="0" err="1"/>
               <a:t>operaciones</a:t>
             </a:r>
             <a:r>
-              <a:rPr lang="en-US" dirty="0" smtClean="0"/>
-              <a:t> </a:t>
-            </a:r>
-            <a:r>
               <a:rPr lang="en-US" dirty="0"/>
-              <a:t>de un </a:t>
-            </a:r>
-            <a:r>
-              <a:rPr lang="en-US" dirty="0" err="1" smtClean="0"/>
+              <a:t> de un </a:t>
+            </a:r>
+            <a:r>
+              <a:rPr lang="en-US" dirty="0" err="1"/>
               <a:t>índice</a:t>
             </a:r>
             <a:r>
-              <a:rPr lang="en-US" dirty="0" smtClean="0"/>
+              <a:rPr lang="en-US" dirty="0"/>
               <a:t>: </a:t>
             </a:r>
-            <a:endParaRPr lang="en-US" dirty="0"/>
           </a:p>
           <a:p>
             <a:pPr marL="0" indent="0" algn="just">
@@ -13985,13 +13872,6 @@
       </p:transition>
     </mc:Fallback>
   </mc:AlternateContent>
-  <p:timing>
-    <p:tnLst>
-      <p:par>
-        <p:cTn id="1" dur="indefinite" restart="never" nodeType="tmRoot"/>
-      </p:par>
-    </p:tnLst>
-  </p:timing>
 </p:sld>
 </file>
 
@@ -14071,7 +13951,7 @@
                   <a:buNone/>
                 </a:pPr>
                 <a:r>
-                  <a:rPr lang="en-US" sz="2400" dirty="0" smtClean="0"/>
+                  <a:rPr lang="en-US" sz="2400" dirty="0"/>
                   <a:t>¿</a:t>
                 </a:r>
                 <a:r>
@@ -14123,7 +14003,7 @@
                   <a:t> </a:t>
                 </a:r>
                 <a:r>
-                  <a:rPr lang="en-US" sz="2400" dirty="0" smtClean="0">
+                  <a:rPr lang="en-US" sz="2400" dirty="0">
                     <a:solidFill>
                       <a:schemeClr val="accent1"/>
                     </a:solidFill>
@@ -14197,7 +14077,7 @@
                   </m:oMath>
                 </a14:m>
                 <a:r>
-                  <a:rPr lang="en-US" sz="2400" dirty="0" smtClean="0">
+                  <a:rPr lang="en-US" sz="2400" dirty="0">
                     <a:solidFill>
                       <a:schemeClr val="accent1"/>
                     </a:solidFill>
@@ -14205,10 +14085,9 @@
                   <a:t>)</a:t>
                 </a:r>
                 <a:r>
-                  <a:rPr lang="en-US" sz="2400" dirty="0" smtClean="0"/>
+                  <a:rPr lang="en-US" sz="2400" dirty="0"/>
                   <a:t>?</a:t>
                 </a:r>
-                <a:endParaRPr lang="en-US" sz="2400" dirty="0"/>
               </a:p>
               <a:p>
                 <a:pPr marL="0" indent="0" algn="just">
@@ -14427,13 +14306,6 @@
       </p:transition>
     </mc:Fallback>
   </mc:AlternateContent>
-  <p:timing>
-    <p:tnLst>
-      <p:par>
-        <p:cTn id="1" dur="indefinite" restart="never" nodeType="tmRoot"/>
-      </p:par>
-    </p:tnLst>
-  </p:timing>
 </p:sld>
 </file>
 
@@ -15771,11 +15643,11 @@
               <a:t> se </a:t>
             </a:r>
             <a:r>
-              <a:rPr lang="en-US" dirty="0" err="1" smtClean="0"/>
+              <a:rPr lang="en-US" dirty="0" err="1"/>
               <a:t>busca</a:t>
             </a:r>
             <a:r>
-              <a:rPr lang="en-US" dirty="0" smtClean="0"/>
+              <a:rPr lang="en-US" dirty="0"/>
               <a:t> </a:t>
             </a:r>
             <a:r>
@@ -16639,18 +16511,17 @@
               <a:buNone/>
             </a:pPr>
             <a:r>
-              <a:rPr lang="es-AR" smtClean="0"/>
+              <a:rPr lang="es-AR"/>
               <a:t>¿Cómo </a:t>
             </a:r>
             <a:r>
-              <a:rPr lang="es-AR" dirty="0" smtClean="0"/>
+              <a:rPr lang="es-AR" dirty="0"/>
               <a:t>calcular complejidades en </a:t>
             </a:r>
             <a:r>
-              <a:rPr lang="es-AR" smtClean="0"/>
+              <a:rPr lang="es-AR"/>
               <a:t>algoritmos recursivos?</a:t>
             </a:r>
-            <a:endParaRPr lang="es-AR"/>
           </a:p>
         </p:txBody>
       </p:sp>
@@ -16699,13 +16570,6 @@
       </p:transition>
     </mc:Fallback>
   </mc:AlternateContent>
-  <p:timing>
-    <p:tnLst>
-      <p:par>
-        <p:cTn id="1" dur="indefinite" restart="never" nodeType="tmRoot"/>
-      </p:par>
-    </p:tnLst>
-  </p:timing>
 </p:sld>
 </file>
 
@@ -16766,31 +16630,31 @@
               <a:buNone/>
             </a:pPr>
             <a:r>
-              <a:rPr lang="es-AR" dirty="0" smtClean="0"/>
+              <a:rPr lang="es-AR" dirty="0"/>
               <a:t>En </a:t>
             </a:r>
             <a:r>
-              <a:rPr lang="es-AR" dirty="0" err="1" smtClean="0"/>
+              <a:rPr lang="es-AR" dirty="0" err="1"/>
               <a:t>Pgm</a:t>
             </a:r>
             <a:r>
-              <a:rPr lang="es-AR" dirty="0" smtClean="0"/>
+              <a:rPr lang="es-AR" dirty="0"/>
               <a:t> imperativa y POO han usado la técnica de programación </a:t>
             </a:r>
             <a:r>
-              <a:rPr lang="es-AR" b="1" dirty="0" smtClean="0"/>
+              <a:rPr lang="es-AR" b="1" dirty="0"/>
               <a:t>Divide y Triunfarás (Divide and </a:t>
             </a:r>
             <a:r>
-              <a:rPr lang="es-AR" b="1" dirty="0" err="1" smtClean="0"/>
+              <a:rPr lang="es-AR" b="1" dirty="0" err="1"/>
               <a:t>Conquer</a:t>
             </a:r>
             <a:r>
-              <a:rPr lang="es-AR" b="1" dirty="0" smtClean="0"/>
+              <a:rPr lang="es-AR" b="1" dirty="0"/>
               <a:t>)</a:t>
             </a:r>
             <a:r>
-              <a:rPr lang="es-AR" dirty="0" smtClean="0"/>
+              <a:rPr lang="es-AR" dirty="0"/>
               <a:t>:</a:t>
             </a:r>
           </a:p>
@@ -16805,23 +16669,23 @@
               <a:buNone/>
             </a:pPr>
             <a:r>
-              <a:rPr lang="es-AR" dirty="0" smtClean="0"/>
+              <a:rPr lang="es-AR" dirty="0"/>
               <a:t>La solución de un problema de tamaño de entrada N se </a:t>
             </a:r>
             <a:r>
-              <a:rPr lang="es-AR" b="1" dirty="0" smtClean="0"/>
+              <a:rPr lang="es-AR" b="1" dirty="0"/>
               <a:t>divide en problemas de tamaño menor </a:t>
             </a:r>
             <a:r>
-              <a:rPr lang="es-AR" dirty="0" smtClean="0"/>
+              <a:rPr lang="es-AR" dirty="0"/>
               <a:t>hasta que la solución es trivial. Finalmente, </a:t>
             </a:r>
             <a:r>
-              <a:rPr lang="es-AR" b="1" dirty="0" smtClean="0"/>
+              <a:rPr lang="es-AR" b="1" dirty="0"/>
               <a:t>se combinan los resultados parciales </a:t>
             </a:r>
             <a:r>
-              <a:rPr lang="es-AR" dirty="0" smtClean="0"/>
+              <a:rPr lang="es-AR" dirty="0"/>
               <a:t>para dar solución al problema original.</a:t>
             </a:r>
           </a:p>
@@ -16829,7 +16693,7 @@
             <a:pPr marL="0" indent="0">
               <a:buNone/>
             </a:pPr>
-            <a:endParaRPr lang="es-AR" dirty="0" smtClean="0"/>
+            <a:endParaRPr lang="es-AR" dirty="0"/>
           </a:p>
         </p:txBody>
       </p:sp>
@@ -16878,13 +16742,6 @@
       </p:transition>
     </mc:Fallback>
   </mc:AlternateContent>
-  <p:timing>
-    <p:tnLst>
-      <p:par>
-        <p:cTn id="1" dur="indefinite" restart="never" nodeType="tmRoot"/>
-      </p:par>
-    </p:tnLst>
-  </p:timing>
 </p:sld>
 </file>
 
@@ -16945,7 +16802,7 @@
               <a:buNone/>
             </a:pPr>
             <a:r>
-              <a:rPr lang="es-AR" dirty="0" smtClean="0"/>
+              <a:rPr lang="es-AR" dirty="0"/>
               <a:t>Típicamente, puede plantearse con un algoritmo recursivo. </a:t>
             </a:r>
           </a:p>
@@ -16953,14 +16810,14 @@
             <a:pPr marL="0" indent="0">
               <a:buNone/>
             </a:pPr>
-            <a:endParaRPr lang="es-AR" dirty="0" smtClean="0"/>
+            <a:endParaRPr lang="es-AR" dirty="0"/>
           </a:p>
           <a:p>
             <a:pPr marL="0" indent="0">
               <a:buNone/>
             </a:pPr>
             <a:r>
-              <a:rPr lang="es-AR" dirty="0" smtClean="0"/>
+              <a:rPr lang="es-AR" dirty="0"/>
               <a:t>¿Ejemplos? </a:t>
             </a:r>
           </a:p>
@@ -16969,25 +16826,16 @@
               <a:buNone/>
             </a:pPr>
             <a:r>
-              <a:rPr lang="es-AR" dirty="0" smtClean="0"/>
-              <a:t>Los números de </a:t>
-            </a:r>
-            <a:r>
               <a:rPr lang="es-AR" dirty="0"/>
-              <a:t>F</a:t>
-            </a:r>
-            <a:r>
-              <a:rPr lang="es-AR" dirty="0" smtClean="0"/>
-              <a:t>ibonacci para  N &gt;= 0</a:t>
-            </a:r>
-            <a:endParaRPr lang="es-AR" dirty="0"/>
+              <a:t>Los números de Fibonacci para  N &gt;= 0</a:t>
+            </a:r>
           </a:p>
           <a:p>
             <a:pPr marL="0" indent="0">
               <a:buNone/>
             </a:pPr>
             <a:r>
-              <a:rPr lang="es-AR" dirty="0" smtClean="0"/>
+              <a:rPr lang="es-AR" dirty="0"/>
               <a:t>		N 				si  N &lt;= 1  </a:t>
             </a:r>
           </a:p>
@@ -17009,23 +16857,23 @@
               <a:buNone/>
             </a:pPr>
             <a:r>
-              <a:rPr lang="es-AR" dirty="0" smtClean="0"/>
+              <a:rPr lang="es-AR" dirty="0"/>
               <a:t>		</a:t>
             </a:r>
             <a:r>
-              <a:rPr lang="es-AR" dirty="0" err="1" smtClean="0"/>
+              <a:rPr lang="es-AR" dirty="0" err="1"/>
               <a:t>Fibo</a:t>
             </a:r>
             <a:r>
-              <a:rPr lang="es-AR" dirty="0" smtClean="0"/>
+              <a:rPr lang="es-AR" dirty="0"/>
               <a:t>(N-1) + </a:t>
             </a:r>
             <a:r>
-              <a:rPr lang="es-AR" dirty="0" err="1" smtClean="0"/>
+              <a:rPr lang="es-AR" dirty="0" err="1"/>
               <a:t>Fibo</a:t>
             </a:r>
             <a:r>
-              <a:rPr lang="es-AR" dirty="0" smtClean="0"/>
+              <a:rPr lang="es-AR" dirty="0"/>
               <a:t>(N-2) 	si N &gt; 1</a:t>
             </a:r>
           </a:p>
@@ -17114,13 +16962,6 @@
       </p:transition>
     </mc:Fallback>
   </mc:AlternateContent>
-  <p:timing>
-    <p:tnLst>
-      <p:par>
-        <p:cTn id="1" dur="indefinite" restart="never" nodeType="tmRoot"/>
-      </p:par>
-    </p:tnLst>
-  </p:timing>
 </p:sld>
 </file>
 
@@ -17157,10 +16998,9 @@
           <a:lstStyle/>
           <a:p>
             <a:r>
-              <a:rPr lang="es-AR" dirty="0" smtClean="0"/>
+              <a:rPr lang="es-AR" dirty="0"/>
               <a:t>Teorema Maestro</a:t>
             </a:r>
-            <a:endParaRPr lang="es-AR" dirty="0"/>
           </a:p>
         </p:txBody>
       </p:sp>
@@ -17187,7 +17027,7 @@
                   <a:buNone/>
                 </a:pPr>
                 <a:r>
-                  <a:rPr lang="es-AR" dirty="0" smtClean="0"/>
+                  <a:rPr lang="es-AR" dirty="0"/>
                   <a:t>Si una fórmula recurrente puede expresarse genéricamente así:</a:t>
                 </a:r>
               </a:p>
@@ -17202,12 +17042,8 @@
                   <a:buNone/>
                 </a:pPr>
                 <a:r>
-                  <a:rPr lang="es-AR" dirty="0" smtClean="0"/>
-                  <a:t>T(N) = </a:t>
-                </a:r>
-                <a:r>
                   <a:rPr lang="es-AR" dirty="0"/>
-                  <a:t>a  *  T (</a:t>
+                  <a:t>T(N) = a  *  T (</a:t>
                 </a:r>
                 <a14:m>
                   <m:oMath xmlns:m="http://schemas.openxmlformats.org/officeDocument/2006/math">
@@ -17240,15 +17076,7 @@
                 </a14:m>
                 <a:r>
                   <a:rPr lang="es-AR" dirty="0"/>
-                  <a:t>)       </a:t>
-                </a:r>
-                <a:r>
-                  <a:rPr lang="es-AR" dirty="0" smtClean="0"/>
-                  <a:t>   +      </a:t>
-                </a:r>
-                <a:r>
-                  <a:rPr lang="es-AR" dirty="0"/>
-                  <a:t>c  *   </a:t>
+                  <a:t>)          +      c  *   </a:t>
                 </a:r>
                 <a14:m>
                   <m:oMath xmlns:m="http://schemas.openxmlformats.org/officeDocument/2006/math">
@@ -17282,7 +17110,7 @@
                     </m:sSup>
                   </m:oMath>
                 </a14:m>
-                <a:endParaRPr lang="es-AR" dirty="0" smtClean="0"/>
+                <a:endParaRPr lang="es-AR" dirty="0"/>
               </a:p>
               <a:p>
                 <a:pPr marL="0" indent="0">
@@ -17295,7 +17123,7 @@
                   <a:buNone/>
                 </a:pPr>
                 <a:r>
-                  <a:rPr lang="es-AR" dirty="0" smtClean="0"/>
+                  <a:rPr lang="es-AR" dirty="0"/>
                   <a:t>Donde:</a:t>
                 </a:r>
               </a:p>
@@ -17304,7 +17132,7 @@
                   <a:buNone/>
                 </a:pPr>
                 <a:r>
-                  <a:rPr lang="es-AR" dirty="0" smtClean="0"/>
+                  <a:rPr lang="es-AR" dirty="0"/>
                   <a:t>N es el tamaño de entrada del problema</a:t>
                 </a:r>
               </a:p>
@@ -17313,11 +17141,11 @@
                   <a:buNone/>
                 </a:pPr>
                 <a:r>
-                  <a:rPr lang="es-AR" dirty="0" smtClean="0"/>
+                  <a:rPr lang="es-AR" dirty="0"/>
                   <a:t>a </a:t>
                 </a:r>
                 <a:r>
-                  <a:rPr lang="es-AR" dirty="0" smtClean="0">
+                  <a:rPr lang="es-AR" dirty="0">
                     <a:sym typeface="Symbol" panose="05050102010706020507" pitchFamily="18" charset="2"/>
                   </a:rPr>
                   <a:t></a:t>
@@ -17362,7 +17190,7 @@
                   </m:oMath>
                 </a14:m>
                 <a:r>
-                  <a:rPr lang="es-AR" dirty="0" smtClean="0"/>
+                  <a:rPr lang="es-AR" dirty="0"/>
                   <a:t>     (¿cuántas invocaciones recursivas realiza ese paso?)</a:t>
                 </a:r>
               </a:p>
@@ -17371,7 +17199,7 @@
                   <a:buNone/>
                 </a:pPr>
                 <a:r>
-                  <a:rPr lang="es-AR" dirty="0" smtClean="0"/>
+                  <a:rPr lang="es-AR" dirty="0"/>
                   <a:t>b </a:t>
                 </a:r>
                 <a:r>
@@ -17420,7 +17248,7 @@
                   </m:oMath>
                 </a14:m>
                 <a:r>
-                  <a:rPr lang="es-AR" dirty="0" smtClean="0">
+                  <a:rPr lang="es-AR" dirty="0">
                     <a:sym typeface="Symbol" panose="05050102010706020507" pitchFamily="18" charset="2"/>
                   </a:rPr>
                   <a:t>     (mide tasa en que se reduce el tamaño del input)</a:t>
@@ -17431,7 +17259,7 @@
                   <a:buNone/>
                 </a:pPr>
                 <a:r>
-                  <a:rPr lang="es-AR" dirty="0" smtClean="0"/>
+                  <a:rPr lang="es-AR" dirty="0"/>
                   <a:t>c </a:t>
                 </a:r>
                 <a:r>
@@ -17489,14 +17317,14 @@
                     </m:r>
                   </m:oMath>
                 </a14:m>
-                <a:endParaRPr lang="es-AR" dirty="0" smtClean="0"/>
+                <a:endParaRPr lang="es-AR" dirty="0"/>
               </a:p>
               <a:p>
                 <a:pPr marL="0" indent="0">
                   <a:buNone/>
                 </a:pPr>
                 <a:r>
-                  <a:rPr lang="es-AR" dirty="0" smtClean="0"/>
+                  <a:rPr lang="es-AR" dirty="0"/>
                   <a:t>d </a:t>
                 </a:r>
                 <a:r>
@@ -17548,10 +17376,9 @@
                   </m:oMath>
                 </a14:m>
                 <a:r>
-                  <a:rPr lang="es-AR" dirty="0" smtClean="0"/>
+                  <a:rPr lang="es-AR" dirty="0"/>
                   <a:t>      </a:t>
                 </a:r>
-                <a:endParaRPr lang="es-AR" dirty="0"/>
               </a:p>
             </p:txBody>
           </p:sp>
@@ -17648,11 +17475,11 @@
           <a:p>
             <a:pPr algn="ctr"/>
             <a:r>
-              <a:rPr lang="es-AR" dirty="0" smtClean="0"/>
+              <a:rPr lang="es-AR" dirty="0"/>
               <a:t>Invocación recursiva que divide en </a:t>
             </a:r>
             <a:r>
-              <a:rPr lang="es-AR" dirty="0" err="1" smtClean="0"/>
+              <a:rPr lang="es-AR" dirty="0" err="1"/>
               <a:t>subproblemas</a:t>
             </a:r>
             <a:endParaRPr lang="es-AR" dirty="0"/>
@@ -17694,10 +17521,9 @@
           <a:p>
             <a:pPr algn="ctr"/>
             <a:r>
-              <a:rPr lang="es-AR" dirty="0" smtClean="0"/>
+              <a:rPr lang="es-AR" dirty="0"/>
               <a:t>Combinación de soluciones parciales</a:t>
             </a:r>
-            <a:endParaRPr lang="es-AR" dirty="0"/>
           </a:p>
         </p:txBody>
       </p:sp>
@@ -17728,7 +17554,7 @@
           </a:bodyPr>
           <a:lstStyle/>
           <a:p>
-            <a:endParaRPr lang="es-AR" dirty="0" err="1" smtClean="0"/>
+            <a:endParaRPr lang="es-AR" dirty="0" err="1"/>
           </a:p>
         </p:txBody>
       </p:sp>
@@ -17956,7 +17782,7 @@
                   <a:buNone/>
                 </a:pPr>
                 <a:r>
-                  <a:rPr lang="es-AR" dirty="0" smtClean="0"/>
+                  <a:rPr lang="es-AR" dirty="0"/>
                   <a:t>Si una fórmula recurrente puede expresarse genéricamente así:</a:t>
                 </a:r>
               </a:p>
@@ -17971,7 +17797,7 @@
                   <a:buNone/>
                 </a:pPr>
                 <a:r>
-                  <a:rPr lang="es-AR" dirty="0" smtClean="0"/>
+                  <a:rPr lang="es-AR" dirty="0"/>
                   <a:t>T(N) = a  *  T (</a:t>
                 </a:r>
                 <a14:m>
@@ -18004,7 +17830,7 @@
                   </m:oMath>
                 </a14:m>
                 <a:r>
-                  <a:rPr lang="es-AR" dirty="0" smtClean="0"/>
+                  <a:rPr lang="es-AR" dirty="0"/>
                   <a:t>)       +      c  *   </a:t>
                 </a:r>
                 <a14:m>
@@ -18039,7 +17865,7 @@
                     </m:sSup>
                   </m:oMath>
                 </a14:m>
-                <a:endParaRPr lang="es-AR" dirty="0" smtClean="0"/>
+                <a:endParaRPr lang="es-AR" dirty="0"/>
               </a:p>
               <a:p>
                 <a:pPr marL="0" indent="0">
@@ -18052,7 +17878,7 @@
                   <a:buNone/>
                 </a:pPr>
                 <a:r>
-                  <a:rPr lang="es-AR" dirty="0" smtClean="0">
+                  <a:rPr lang="es-AR" dirty="0">
                     <a:solidFill>
                       <a:srgbClr val="00B050"/>
                     </a:solidFill>
@@ -18062,7 +17888,7 @@
               </a:p>
               <a:p>
                 <a:r>
-                  <a:rPr lang="es-AR" dirty="0" smtClean="0">
+                  <a:rPr lang="es-AR" dirty="0">
                     <a:solidFill>
                       <a:srgbClr val="00B050"/>
                     </a:solidFill>
@@ -18108,7 +17934,7 @@
                   </m:oMath>
                 </a14:m>
                 <a:r>
-                  <a:rPr lang="es-AR" dirty="0" smtClean="0">
+                  <a:rPr lang="es-AR" dirty="0">
                     <a:solidFill>
                       <a:srgbClr val="00B050"/>
                     </a:solidFill>
@@ -18157,7 +17983,7 @@
                   </m:oMath>
                 </a14:m>
                 <a:r>
-                  <a:rPr lang="es-AR" dirty="0" smtClean="0">
+                  <a:rPr lang="es-AR" dirty="0">
                     <a:solidFill>
                       <a:srgbClr val="00B050"/>
                     </a:solidFill>
@@ -18167,28 +17993,12 @@
               </a:p>
               <a:p>
                 <a:r>
-                  <a:rPr lang="es-AR" dirty="0" smtClean="0">
-                    <a:solidFill>
-                      <a:srgbClr val="00B050"/>
-                    </a:solidFill>
-                  </a:rPr>
-                  <a:t>Si  </a:t>
-                </a:r>
-                <a:r>
                   <a:rPr lang="es-AR" dirty="0">
                     <a:solidFill>
                       <a:srgbClr val="00B050"/>
                     </a:solidFill>
                   </a:rPr>
-                  <a:t>a </a:t>
-                </a:r>
-                <a:r>
-                  <a:rPr lang="es-AR" dirty="0" smtClean="0">
-                    <a:solidFill>
-                      <a:srgbClr val="00B050"/>
-                    </a:solidFill>
-                  </a:rPr>
-                  <a:t>= </a:t>
+                  <a:t>Si  a = </a:t>
                 </a:r>
                 <a14:m>
                   <m:oMath xmlns:m="http://schemas.openxmlformats.org/officeDocument/2006/math">
@@ -18278,43 +18088,22 @@
                   </m:oMath>
                 </a14:m>
                 <a:r>
-                  <a:rPr lang="es-AR" dirty="0" smtClean="0">
+                  <a:rPr lang="es-AR" dirty="0">
                     <a:solidFill>
                       <a:srgbClr val="00B050"/>
                     </a:solidFill>
                   </a:rPr>
                   <a:t> *  log N)</a:t>
                 </a:r>
-                <a:endParaRPr lang="es-AR" dirty="0">
-                  <a:solidFill>
-                    <a:srgbClr val="00B050"/>
-                  </a:solidFill>
-                </a:endParaRPr>
               </a:p>
               <a:p>
-                <a:r>
-                  <a:rPr lang="es-AR" dirty="0" smtClean="0">
-                    <a:solidFill>
-                      <a:srgbClr val="00B050"/>
-                    </a:solidFill>
-                  </a:rPr>
-                  <a:t>Si  </a:t>
-                </a:r>
                 <a:r>
                   <a:rPr lang="es-AR" dirty="0">
                     <a:solidFill>
                       <a:srgbClr val="00B050"/>
                     </a:solidFill>
                   </a:rPr>
-                  <a:t>a </a:t>
-                </a:r>
-                <a:r>
-                  <a:rPr lang="es-AR" dirty="0" smtClean="0">
-                    <a:solidFill>
-                      <a:srgbClr val="00B050"/>
-                    </a:solidFill>
-                  </a:rPr>
-                  <a:t>&gt; </a:t>
+                  <a:t>Si  a &gt; </a:t>
                 </a:r>
                 <a14:m>
                   <m:oMath xmlns:m="http://schemas.openxmlformats.org/officeDocument/2006/math">
@@ -18360,15 +18149,7 @@
                       <a:srgbClr val="00B050"/>
                     </a:solidFill>
                   </a:rPr>
-                  <a:t>  entonces el algoritmo es O</a:t>
-                </a:r>
-                <a:r>
-                  <a:rPr lang="es-AR" dirty="0" smtClean="0">
-                    <a:solidFill>
-                      <a:srgbClr val="00B050"/>
-                    </a:solidFill>
-                  </a:rPr>
-                  <a:t>(</a:t>
+                  <a:t>  entonces el algoritmo es O(</a:t>
                 </a:r>
                 <a14:m>
                   <m:oMath xmlns:m="http://schemas.openxmlformats.org/officeDocument/2006/math">
@@ -18465,24 +18246,19 @@
                   </m:oMath>
                 </a14:m>
                 <a:r>
-                  <a:rPr lang="es-AR" dirty="0" smtClean="0">
+                  <a:rPr lang="es-AR" dirty="0">
                     <a:solidFill>
                       <a:srgbClr val="00B050"/>
                     </a:solidFill>
                   </a:rPr>
                   <a:t>)</a:t>
                 </a:r>
-                <a:endParaRPr lang="es-AR" dirty="0">
-                  <a:solidFill>
-                    <a:srgbClr val="00B050"/>
-                  </a:solidFill>
-                </a:endParaRPr>
               </a:p>
               <a:p>
                 <a:endParaRPr lang="es-AR" dirty="0"/>
               </a:p>
               <a:p>
-                <a:endParaRPr lang="es-AR" dirty="0" smtClean="0"/>
+                <a:endParaRPr lang="es-AR" dirty="0"/>
               </a:p>
               <a:p>
                 <a:pPr marL="0" indent="0">
@@ -18578,13 +18354,6 @@
       </p:transition>
     </mc:Fallback>
   </mc:AlternateContent>
-  <p:timing>
-    <p:tnLst>
-      <p:par>
-        <p:cTn id="1" dur="indefinite" restart="never" nodeType="tmRoot"/>
-      </p:par>
-    </p:tnLst>
-  </p:timing>
 </p:sld>
 </file>
 
@@ -18643,7 +18412,7 @@
               <a:buNone/>
             </a:pPr>
             <a:r>
-              <a:rPr lang="es-AR" dirty="0" smtClean="0"/>
+              <a:rPr lang="es-AR" dirty="0"/>
               <a:t>El Teorema Maestro es una herramienta muy útil para resolver recurrencias.</a:t>
             </a:r>
           </a:p>
@@ -18706,13 +18475,6 @@
       </p:transition>
     </mc:Fallback>
   </mc:AlternateContent>
-  <p:timing>
-    <p:tnLst>
-      <p:par>
-        <p:cTn id="1" dur="indefinite" restart="never" nodeType="tmRoot"/>
-      </p:par>
-    </p:tnLst>
-  </p:timing>
 </p:sld>
 </file>
 
@@ -18773,7 +18535,7 @@
               <a:buNone/>
             </a:pPr>
             <a:r>
-              <a:rPr lang="es-AR" dirty="0" smtClean="0"/>
+              <a:rPr lang="es-AR" dirty="0"/>
               <a:t>Ejemplo 1: ¿Se podrá aplicar a Fibonacci?</a:t>
             </a:r>
           </a:p>
@@ -18821,11 +18583,7 @@
             </a:r>
             <a:r>
               <a:rPr lang="es-AR" dirty="0"/>
-              <a:t>(N-2) 	si N &gt;= </a:t>
-            </a:r>
-            <a:r>
-              <a:rPr lang="es-AR" dirty="0" smtClean="0"/>
-              <a:t>1</a:t>
+              <a:t>(N-2) 	si N &gt;= 1</a:t>
             </a:r>
           </a:p>
           <a:p>
@@ -18844,7 +18602,7 @@
             <a:pPr marL="0" indent="0">
               <a:buNone/>
             </a:pPr>
-            <a:endParaRPr lang="es-AR" dirty="0" smtClean="0"/>
+            <a:endParaRPr lang="es-AR" dirty="0"/>
           </a:p>
           <a:p>
             <a:pPr marL="0" indent="0">
@@ -18857,11 +18615,11 @@
               <a:buNone/>
             </a:pPr>
             <a:r>
-              <a:rPr lang="es-AR" dirty="0" err="1" smtClean="0"/>
+              <a:rPr lang="es-AR" dirty="0" err="1"/>
               <a:t>Rta</a:t>
             </a:r>
             <a:r>
-              <a:rPr lang="es-AR" dirty="0" smtClean="0"/>
+              <a:rPr lang="es-AR" dirty="0"/>
               <a:t>. Times(N) = Times(N-1) + Times(N-2) + 4</a:t>
             </a:r>
           </a:p>
@@ -18992,10 +18750,9 @@
           <a:p>
             <a:pPr algn="ctr"/>
             <a:r>
-              <a:rPr lang="es-AR" dirty="0" smtClean="0"/>
+              <a:rPr lang="es-AR" dirty="0"/>
               <a:t>O(1)</a:t>
             </a:r>
-            <a:endParaRPr lang="es-AR" dirty="0"/>
           </a:p>
         </p:txBody>
       </p:sp>
@@ -19021,13 +18778,6 @@
       </p:transition>
     </mc:Fallback>
   </mc:AlternateContent>
-  <p:timing>
-    <p:tnLst>
-      <p:par>
-        <p:cTn id="1" dur="indefinite" restart="never" nodeType="tmRoot"/>
-      </p:par>
-    </p:tnLst>
-  </p:timing>
 </p:sld>
 </file>
 
@@ -19088,7 +18838,7 @@
               <a:buNone/>
             </a:pPr>
             <a:r>
-              <a:rPr lang="es-AR" dirty="0" smtClean="0"/>
+              <a:rPr lang="es-AR" dirty="0"/>
               <a:t>Times(N)= Times(N-1) + Times(N-2) + 4</a:t>
             </a:r>
           </a:p>
@@ -19096,14 +18846,14 @@
             <a:pPr marL="0" indent="0">
               <a:buNone/>
             </a:pPr>
-            <a:endParaRPr lang="es-AR" dirty="0" smtClean="0"/>
+            <a:endParaRPr lang="es-AR" dirty="0"/>
           </a:p>
           <a:p>
             <a:pPr marL="0" indent="0">
               <a:buNone/>
             </a:pPr>
             <a:r>
-              <a:rPr lang="es-AR" dirty="0" smtClean="0"/>
+              <a:rPr lang="es-AR" dirty="0"/>
               <a:t>¿Cuáles son las constantes a, b, c, y d? ¿Qué caso aplica? ¿Cuál es la complejidad O grande?</a:t>
             </a:r>
           </a:p>
@@ -19111,7 +18861,7 @@
             <a:pPr marL="0" indent="0">
               <a:buNone/>
             </a:pPr>
-            <a:endParaRPr lang="es-AR" dirty="0" smtClean="0">
+            <a:endParaRPr lang="es-AR" dirty="0">
               <a:solidFill>
                 <a:srgbClr val="C00000"/>
               </a:solidFill>
@@ -19122,7 +18872,7 @@
               <a:buNone/>
             </a:pPr>
             <a:r>
-              <a:rPr lang="es-AR" dirty="0" smtClean="0">
+              <a:rPr lang="es-AR" dirty="0">
                 <a:solidFill>
                   <a:srgbClr val="C00000"/>
                 </a:solidFill>
@@ -19130,10 +18880,9 @@
               <a:t>No.</a:t>
             </a:r>
             <a:r>
-              <a:rPr lang="es-AR" dirty="0" smtClean="0"/>
+              <a:rPr lang="es-AR" dirty="0"/>
               <a:t> No hay  b&gt;= 1 que divida N/b. Tenemos que buscar otra forma de calcular su complejidad temporal</a:t>
             </a:r>
-            <a:endParaRPr lang="es-AR" dirty="0"/>
           </a:p>
         </p:txBody>
       </p:sp>
@@ -19195,10 +18944,9 @@
           <a:p>
             <a:pPr algn="ctr"/>
             <a:r>
-              <a:rPr lang="es-AR" dirty="0" smtClean="0"/>
+              <a:rPr lang="es-AR" dirty="0"/>
               <a:t>???</a:t>
             </a:r>
-            <a:endParaRPr lang="es-AR" dirty="0"/>
           </a:p>
         </p:txBody>
       </p:sp>
@@ -19242,10 +18990,9 @@
           <a:p>
             <a:pPr algn="ctr"/>
             <a:r>
-              <a:rPr lang="es-AR" dirty="0" smtClean="0"/>
+              <a:rPr lang="es-AR" dirty="0"/>
               <a:t>O(1)</a:t>
             </a:r>
-            <a:endParaRPr lang="es-AR" dirty="0"/>
           </a:p>
         </p:txBody>
       </p:sp>
@@ -19473,15 +19220,15 @@
           <a:p>
             <a:pPr algn="just"/>
             <a:r>
-              <a:rPr lang="es-AR" dirty="0" smtClean="0"/>
+              <a:rPr lang="es-AR" dirty="0"/>
               <a:t>En general, la </a:t>
             </a:r>
             <a:r>
-              <a:rPr lang="es-AR" b="1" dirty="0" smtClean="0"/>
+              <a:rPr lang="es-AR" b="1" dirty="0"/>
               <a:t>Técnica Divide y Triunfarás </a:t>
             </a:r>
             <a:r>
-              <a:rPr lang="es-AR" dirty="0" smtClean="0"/>
+              <a:rPr lang="es-AR" dirty="0"/>
               <a:t>procede de la siguiente forma:</a:t>
             </a:r>
           </a:p>
@@ -19491,23 +19238,23 @@
               <a:buChar char="•"/>
             </a:pPr>
             <a:r>
-              <a:rPr lang="es-AR" dirty="0" smtClean="0"/>
+              <a:rPr lang="es-AR" dirty="0"/>
               <a:t>Divide el problema en </a:t>
             </a:r>
             <a:r>
-              <a:rPr lang="es-AR" dirty="0" err="1" smtClean="0"/>
+              <a:rPr lang="es-AR" dirty="0" err="1"/>
               <a:t>subproblemas</a:t>
             </a:r>
             <a:r>
-              <a:rPr lang="es-AR" dirty="0" smtClean="0"/>
+              <a:rPr lang="es-AR" dirty="0"/>
               <a:t> de un </a:t>
             </a:r>
             <a:r>
-              <a:rPr lang="es-AR" b="1" dirty="0" smtClean="0"/>
+              <a:rPr lang="es-AR" b="1" dirty="0"/>
               <a:t>mismo tamaño</a:t>
             </a:r>
             <a:r>
-              <a:rPr lang="es-AR" dirty="0" smtClean="0"/>
+              <a:rPr lang="es-AR" dirty="0"/>
               <a:t>.</a:t>
             </a:r>
           </a:p>
@@ -19517,15 +19264,15 @@
               <a:buChar char="•"/>
             </a:pPr>
             <a:r>
-              <a:rPr lang="es-AR" dirty="0" smtClean="0"/>
+              <a:rPr lang="es-AR" dirty="0"/>
               <a:t>Resuelve cada </a:t>
             </a:r>
             <a:r>
-              <a:rPr lang="es-AR" dirty="0" err="1" smtClean="0"/>
+              <a:rPr lang="es-AR" dirty="0" err="1"/>
               <a:t>subproblema</a:t>
             </a:r>
             <a:r>
-              <a:rPr lang="es-AR" dirty="0" smtClean="0"/>
+              <a:rPr lang="es-AR" dirty="0"/>
               <a:t> en forma independiente, por recursión</a:t>
             </a:r>
           </a:p>
@@ -19535,7 +19282,7 @@
               <a:buChar char="•"/>
             </a:pPr>
             <a:r>
-              <a:rPr lang="es-AR" dirty="0" smtClean="0"/>
+              <a:rPr lang="es-AR" dirty="0"/>
               <a:t>Combina los resultados parciales para dar solución final.</a:t>
             </a:r>
           </a:p>
@@ -19551,20 +19298,20 @@
               <a:buFont typeface="Arial" panose="020B0604020202020204" pitchFamily="34" charset="0"/>
               <a:buChar char="•"/>
             </a:pPr>
-            <a:endParaRPr lang="es-AR" dirty="0" smtClean="0"/>
+            <a:endParaRPr lang="es-AR" dirty="0"/>
           </a:p>
           <a:p>
             <a:pPr algn="just"/>
             <a:r>
-              <a:rPr lang="es-AR" dirty="0" smtClean="0"/>
+              <a:rPr lang="es-AR" dirty="0"/>
               <a:t>Cuando esto ocurre, puede aplicarse el </a:t>
             </a:r>
             <a:r>
-              <a:rPr lang="es-AR" b="1" dirty="0" smtClean="0"/>
+              <a:rPr lang="es-AR" b="1" dirty="0"/>
               <a:t>Teorema Maestro</a:t>
             </a:r>
             <a:r>
-              <a:rPr lang="es-AR" dirty="0" smtClean="0"/>
+              <a:rPr lang="es-AR" dirty="0"/>
               <a:t>.</a:t>
             </a:r>
           </a:p>
@@ -19573,7 +19320,7 @@
               <a:buFont typeface="Arial" panose="020B0604020202020204" pitchFamily="34" charset="0"/>
               <a:buChar char="•"/>
             </a:pPr>
-            <a:endParaRPr lang="es-AR" dirty="0" smtClean="0"/>
+            <a:endParaRPr lang="es-AR" dirty="0"/>
           </a:p>
           <a:p>
             <a:pPr marL="285750" indent="-285750" algn="just">
@@ -19606,13 +19353,6 @@
       </p:transition>
     </mc:Fallback>
   </mc:AlternateContent>
-  <p:timing>
-    <p:tnLst>
-      <p:par>
-        <p:cTn id="1" dur="indefinite" restart="never" nodeType="tmRoot"/>
-      </p:par>
-    </p:tnLst>
-  </p:timing>
 </p:sld>
 </file>
 
@@ -19673,15 +19413,15 @@
               <a:buNone/>
             </a:pPr>
             <a:r>
-              <a:rPr lang="es-AR" dirty="0" smtClean="0"/>
+              <a:rPr lang="es-AR" dirty="0"/>
               <a:t>Ejemplo 2: ¿Se podrá aplicar a </a:t>
             </a:r>
             <a:r>
-              <a:rPr lang="es-AR" b="1" dirty="0" smtClean="0"/>
+              <a:rPr lang="es-AR" b="1" dirty="0"/>
               <a:t>búsqueda binaria</a:t>
             </a:r>
             <a:r>
-              <a:rPr lang="es-AR" dirty="0" smtClean="0"/>
+              <a:rPr lang="es-AR" dirty="0"/>
               <a:t> en arreglo ordenado?</a:t>
             </a:r>
           </a:p>
@@ -19690,20 +19430,8 @@
               <a:buNone/>
             </a:pPr>
             <a:r>
-              <a:rPr lang="es-AR" dirty="0" smtClean="0"/>
-              <a:t>Podríamos comenzar garantizando que todo llega bien al algoritmo de búsqueda binaria, pero el cálculo lo tenemos que aplicar al algoritmo recurrente</a:t>
-            </a:r>
-            <a:r>
               <a:rPr lang="es-AR" dirty="0"/>
-              <a:t>	</a:t>
-            </a:r>
-            <a:r>
-              <a:rPr lang="es-AR" dirty="0" smtClean="0"/>
-              <a:t> (no acá):</a:t>
-            </a:r>
-            <a:r>
-              <a:rPr lang="es-AR" dirty="0"/>
-              <a:t>	</a:t>
+              <a:t>Podríamos comenzar garantizando que todo llega bien al algoritmo de búsqueda binaria, pero el cálculo lo tenemos que aplicar al algoritmo recurrente	 (no acá):	</a:t>
             </a:r>
           </a:p>
         </p:txBody>
@@ -19777,13 +19505,6 @@
       </p:transition>
     </mc:Fallback>
   </mc:AlternateContent>
-  <p:timing>
-    <p:tnLst>
-      <p:par>
-        <p:cTn id="1" dur="indefinite" restart="never" nodeType="tmRoot"/>
-      </p:par>
-    </p:tnLst>
-  </p:timing>
 </p:sld>
 </file>
 
@@ -19995,16 +19716,12 @@
               <a:buNone/>
             </a:pPr>
             <a:r>
-              <a:rPr lang="en-US" dirty="0" err="1" smtClean="0"/>
+              <a:rPr lang="en-US" dirty="0" err="1"/>
               <a:t>Índice</a:t>
             </a:r>
             <a:r>
-              <a:rPr lang="en-US" dirty="0" smtClean="0"/>
-              <a:t> </a:t>
-            </a:r>
-            <a:r>
               <a:rPr lang="en-US" dirty="0"/>
-              <a:t>(</a:t>
+              <a:t> (</a:t>
             </a:r>
             <a:r>
               <a:rPr lang="en-US" dirty="0" err="1"/>
@@ -20111,13 +19828,6 @@
       </p:transition>
     </mc:Fallback>
   </mc:AlternateContent>
-  <p:timing>
-    <p:tnLst>
-      <p:par>
-        <p:cTn id="1" dur="indefinite" restart="never" nodeType="tmRoot"/>
-      </p:par>
-    </p:tnLst>
-  </p:timing>
 </p:sld>
 </file>
 
@@ -20178,7 +19888,7 @@
               <a:buNone/>
             </a:pPr>
             <a:r>
-              <a:rPr lang="es-AR" sz="2400" dirty="0" smtClean="0"/>
+              <a:rPr lang="es-AR" sz="2400" dirty="0"/>
               <a:t>La parte recurrente podría programarse así:</a:t>
             </a:r>
           </a:p>
@@ -20192,7 +19902,7 @@
             <a:pPr marL="0" indent="0">
               <a:buNone/>
             </a:pPr>
-            <a:endParaRPr lang="es-AR" dirty="0" smtClean="0"/>
+            <a:endParaRPr lang="es-AR" dirty="0"/>
           </a:p>
           <a:p>
             <a:pPr marL="0" indent="0">
@@ -20204,7 +19914,7 @@
             <a:pPr marL="0" indent="0">
               <a:buNone/>
             </a:pPr>
-            <a:endParaRPr lang="es-AR" dirty="0" smtClean="0"/>
+            <a:endParaRPr lang="es-AR" dirty="0"/>
           </a:p>
           <a:p>
             <a:pPr marL="0" indent="0">
@@ -20216,32 +19926,32 @@
             <a:pPr marL="0" indent="0">
               <a:buNone/>
             </a:pPr>
-            <a:endParaRPr lang="es-AR" dirty="0" smtClean="0"/>
+            <a:endParaRPr lang="es-AR" dirty="0"/>
           </a:p>
           <a:p>
             <a:pPr marL="0" indent="0">
               <a:buNone/>
             </a:pPr>
-            <a:endParaRPr lang="es-AR" dirty="0" smtClean="0"/>
+            <a:endParaRPr lang="es-AR" dirty="0"/>
           </a:p>
           <a:p>
             <a:pPr marL="0" indent="0">
               <a:buNone/>
             </a:pPr>
-            <a:endParaRPr lang="es-AR" dirty="0" smtClean="0"/>
+            <a:endParaRPr lang="es-AR" dirty="0"/>
           </a:p>
           <a:p>
             <a:pPr marL="0" indent="0">
               <a:buNone/>
             </a:pPr>
-            <a:endParaRPr lang="es-AR" sz="2200" dirty="0" smtClean="0"/>
+            <a:endParaRPr lang="es-AR" sz="2200" dirty="0"/>
           </a:p>
           <a:p>
             <a:pPr marL="0" indent="0">
               <a:buNone/>
             </a:pPr>
             <a:r>
-              <a:rPr lang="es-AR" sz="2200" dirty="0" smtClean="0"/>
+              <a:rPr lang="es-AR" sz="2200" dirty="0"/>
               <a:t>O sea, Times(N)=  Times(N/2)   +  6</a:t>
             </a:r>
             <a:endParaRPr lang="es-AR" dirty="0"/>
@@ -20330,17 +20040,16 @@
           <a:p>
             <a:pPr algn="ctr"/>
             <a:r>
-              <a:rPr lang="es-AR" dirty="0" smtClean="0"/>
+              <a:rPr lang="es-AR" dirty="0"/>
               <a:t>2 recursiones excluyentes.</a:t>
             </a:r>
           </a:p>
           <a:p>
             <a:pPr algn="ctr"/>
             <a:r>
-              <a:rPr lang="es-AR" dirty="0" smtClean="0"/>
+              <a:rPr lang="es-AR" dirty="0"/>
               <a:t>El tamaño se divide a la mitad</a:t>
             </a:r>
-            <a:endParaRPr lang="es-AR" dirty="0"/>
           </a:p>
         </p:txBody>
       </p:sp>
@@ -20609,7 +20318,7 @@
             <a:pPr marL="0" indent="0">
               <a:buNone/>
             </a:pPr>
-            <a:endParaRPr lang="es-AR" dirty="0" smtClean="0"/>
+            <a:endParaRPr lang="es-AR" dirty="0"/>
           </a:p>
           <a:p>
             <a:pPr marL="0" indent="0">
@@ -20621,29 +20330,21 @@
             <a:pPr marL="0" indent="0">
               <a:buNone/>
             </a:pPr>
-            <a:endParaRPr lang="es-AR" dirty="0" smtClean="0"/>
+            <a:endParaRPr lang="es-AR" dirty="0"/>
           </a:p>
           <a:p>
             <a:pPr marL="0" indent="0">
               <a:buNone/>
             </a:pPr>
-            <a:endParaRPr lang="es-AR" dirty="0" smtClean="0"/>
+            <a:endParaRPr lang="es-AR" dirty="0"/>
           </a:p>
           <a:p>
             <a:pPr marL="0" indent="0">
               <a:buNone/>
             </a:pPr>
             <a:r>
-              <a:rPr lang="es-AR" sz="2200" dirty="0" smtClean="0"/>
-              <a:t>¿Cuáles </a:t>
-            </a:r>
-            <a:r>
               <a:rPr lang="es-AR" sz="2200" dirty="0"/>
-              <a:t>son las constantes a, b, c, y d? ¿Qué caso aplica? ¿Cuál es la complejidad O grande</a:t>
-            </a:r>
-            <a:r>
-              <a:rPr lang="es-AR" sz="2200" dirty="0" smtClean="0"/>
-              <a:t>?</a:t>
+              <a:t>¿Cuáles son las constantes a, b, c, y d? ¿Qué caso aplica? ¿Cuál es la complejidad O grande?</a:t>
             </a:r>
           </a:p>
           <a:p>
@@ -20651,11 +20352,11 @@
               <a:buNone/>
             </a:pPr>
             <a:r>
-              <a:rPr lang="es-AR" sz="2200" dirty="0" err="1" smtClean="0"/>
+              <a:rPr lang="es-AR" sz="2200" dirty="0" err="1"/>
               <a:t>Rta</a:t>
             </a:r>
             <a:r>
-              <a:rPr lang="es-AR" sz="2200" dirty="0" smtClean="0"/>
+              <a:rPr lang="es-AR" sz="2200" dirty="0"/>
               <a:t>: a= 1 (parte recursiva son invocaciones excluyentes), b= 2 (divido por la mitad),  c (no cuenta) y d = 0 (no depende de N afuera de la recursión)</a:t>
             </a:r>
             <a:endParaRPr lang="es-AR" dirty="0"/>
@@ -20791,10 +20492,9 @@
           <a:p>
             <a:pPr algn="ctr"/>
             <a:r>
-              <a:rPr lang="es-AR" dirty="0" smtClean="0"/>
+              <a:rPr lang="es-AR" dirty="0"/>
               <a:t>O(1)</a:t>
             </a:r>
-            <a:endParaRPr lang="es-AR" dirty="0"/>
           </a:p>
         </p:txBody>
       </p:sp>
@@ -20968,13 +20668,13 @@
                   <a:buNone/>
                 </a:pPr>
                 <a:r>
-                  <a:rPr lang="es-AR" dirty="0" smtClean="0"/>
+                  <a:rPr lang="es-AR" dirty="0"/>
                   <a:t>Entonces la complejidad O grande está dada por los siguientes 3 casos (c no cuenta):</a:t>
                 </a:r>
               </a:p>
               <a:p>
                 <a:r>
-                  <a:rPr lang="es-AR" dirty="0" smtClean="0"/>
+                  <a:rPr lang="es-AR" dirty="0"/>
                   <a:t>Si  a &lt; </a:t>
                 </a:r>
                 <a14:m>
@@ -21007,7 +20707,7 @@
                   </m:oMath>
                 </a14:m>
                 <a:r>
-                  <a:rPr lang="es-AR" dirty="0" smtClean="0"/>
+                  <a:rPr lang="es-AR" dirty="0"/>
                   <a:t>  entonces el algoritmo es O(</a:t>
                 </a:r>
                 <a14:m>
@@ -21043,22 +20743,14 @@
                   </m:oMath>
                 </a14:m>
                 <a:r>
-                  <a:rPr lang="es-AR" dirty="0" smtClean="0"/>
+                  <a:rPr lang="es-AR" dirty="0"/>
                   <a:t>)</a:t>
                 </a:r>
               </a:p>
               <a:p>
                 <a:r>
-                  <a:rPr lang="es-AR" dirty="0" smtClean="0"/>
-                  <a:t>Si  </a:t>
-                </a:r>
-                <a:r>
                   <a:rPr lang="es-AR" dirty="0"/>
-                  <a:t>a </a:t>
-                </a:r>
-                <a:r>
-                  <a:rPr lang="es-AR" dirty="0" smtClean="0"/>
-                  <a:t>= </a:t>
+                  <a:t>Si  a = </a:t>
                 </a:r>
                 <a14:m>
                   <m:oMath xmlns:m="http://schemas.openxmlformats.org/officeDocument/2006/math">
@@ -21126,23 +20818,14 @@
                   </m:oMath>
                 </a14:m>
                 <a:r>
-                  <a:rPr lang="es-AR" dirty="0" smtClean="0"/>
+                  <a:rPr lang="es-AR" dirty="0"/>
                   <a:t> *  log N)</a:t>
                 </a:r>
-                <a:endParaRPr lang="es-AR" dirty="0"/>
               </a:p>
               <a:p>
                 <a:r>
-                  <a:rPr lang="es-AR" dirty="0" smtClean="0"/>
-                  <a:t>Si  </a:t>
-                </a:r>
-                <a:r>
                   <a:rPr lang="es-AR" dirty="0"/>
-                  <a:t>a </a:t>
-                </a:r>
-                <a:r>
-                  <a:rPr lang="es-AR" dirty="0" smtClean="0"/>
-                  <a:t>&gt; </a:t>
+                  <a:t>Si  a &gt; </a:t>
                 </a:r>
                 <a14:m>
                   <m:oMath xmlns:m="http://schemas.openxmlformats.org/officeDocument/2006/math">
@@ -21175,11 +20858,7 @@
                 </a14:m>
                 <a:r>
                   <a:rPr lang="es-AR" dirty="0"/>
-                  <a:t>  entonces el algoritmo es O</a:t>
-                </a:r>
-                <a:r>
-                  <a:rPr lang="es-AR" dirty="0" smtClean="0"/>
-                  <a:t>(</a:t>
+                  <a:t>  entonces el algoritmo es O(</a:t>
                 </a:r>
                 <a14:m>
                   <m:oMath xmlns:m="http://schemas.openxmlformats.org/officeDocument/2006/math">
@@ -21255,7 +20934,7 @@
                   </m:oMath>
                 </a14:m>
                 <a:r>
-                  <a:rPr lang="es-AR" dirty="0" smtClean="0"/>
+                  <a:rPr lang="es-AR" dirty="0"/>
                   <a:t>)</a:t>
                 </a:r>
               </a:p>
@@ -21267,7 +20946,7 @@
                   <a:buNone/>
                 </a:pPr>
                 <a:r>
-                  <a:rPr lang="es-AR" dirty="0" smtClean="0"/>
+                  <a:rPr lang="es-AR" dirty="0"/>
                   <a:t>En búsqueda binaria (a=1, b=2, d=0), ¿Cuál de ellos aplica? ¿Cuál es la complejidad O grande?</a:t>
                 </a:r>
               </a:p>
@@ -21276,16 +20955,12 @@
                   <a:buNone/>
                 </a:pPr>
                 <a:r>
-                  <a:rPr lang="es-AR" dirty="0" err="1" smtClean="0"/>
+                  <a:rPr lang="es-AR" dirty="0" err="1"/>
                   <a:t>Rta</a:t>
                 </a:r>
                 <a:r>
-                  <a:rPr lang="es-AR" dirty="0" smtClean="0"/>
-                  <a:t>: caso 2, o sea </a:t>
-                </a:r>
-                <a:r>
                   <a:rPr lang="es-AR" dirty="0"/>
-                  <a:t>O(</a:t>
+                  <a:t>: caso 2, o sea O(</a:t>
                 </a:r>
                 <a14:m>
                   <m:oMath xmlns:m="http://schemas.openxmlformats.org/officeDocument/2006/math">
@@ -21321,19 +20996,7 @@
                 </a14:m>
                 <a:r>
                   <a:rPr lang="es-AR" dirty="0"/>
-                  <a:t> *  log N</a:t>
-                </a:r>
-                <a:r>
-                  <a:rPr lang="es-AR" dirty="0" smtClean="0"/>
-                  <a:t>) o sea, </a:t>
-                </a:r>
-                <a:r>
-                  <a:rPr lang="es-AR" dirty="0" smtClean="0">
-                    <a:solidFill>
-                      <a:srgbClr val="00B050"/>
-                    </a:solidFill>
-                  </a:rPr>
-                  <a:t>O(log </a:t>
+                  <a:t> *  log N) o sea, </a:t>
                 </a:r>
                 <a:r>
                   <a:rPr lang="es-AR" dirty="0">
@@ -21341,7 +21004,7 @@
                       <a:srgbClr val="00B050"/>
                     </a:solidFill>
                   </a:rPr>
-                  <a:t>N)</a:t>
+                  <a:t>O(log N)</a:t>
                 </a:r>
               </a:p>
               <a:p>
@@ -21354,7 +21017,7 @@
                 <a:endParaRPr lang="es-AR" dirty="0"/>
               </a:p>
               <a:p>
-                <a:endParaRPr lang="es-AR" dirty="0" smtClean="0"/>
+                <a:endParaRPr lang="es-AR" dirty="0"/>
               </a:p>
               <a:p>
                 <a:pPr marL="0" indent="0">
@@ -21632,18 +21295,17 @@
               <a:buNone/>
             </a:pPr>
             <a:r>
-              <a:rPr lang="es-AR" dirty="0" smtClean="0"/>
+              <a:rPr lang="es-AR" dirty="0"/>
               <a:t>Hay otra alternativa al Master </a:t>
             </a:r>
             <a:r>
-              <a:rPr lang="es-AR" dirty="0" err="1" smtClean="0"/>
+              <a:rPr lang="es-AR" dirty="0" err="1"/>
               <a:t>Theorem</a:t>
             </a:r>
             <a:r>
-              <a:rPr lang="es-AR" dirty="0" smtClean="0"/>
+              <a:rPr lang="es-AR" dirty="0"/>
               <a:t>: el Algoritmo de Expansión recursiva. </a:t>
             </a:r>
-            <a:endParaRPr lang="es-AR" dirty="0"/>
           </a:p>
         </p:txBody>
       </p:sp>
@@ -21692,13 +21354,6 @@
       </p:transition>
     </mc:Fallback>
   </mc:AlternateContent>
-  <p:timing>
-    <p:tnLst>
-      <p:par>
-        <p:cTn id="1" dur="indefinite" restart="never" nodeType="tmRoot"/>
-      </p:par>
-    </p:tnLst>
-  </p:timing>
 </p:sld>
 </file>
 
@@ -21745,7 +21400,7 @@
               <a:buNone/>
             </a:pPr>
             <a:r>
-              <a:rPr lang="es-AR" dirty="0" smtClean="0"/>
+              <a:rPr lang="es-AR" dirty="0"/>
               <a:t>Otra forma de encontrar la complejidad del algoritmo recursivo para búsqueda binaria:</a:t>
             </a:r>
           </a:p>
@@ -21754,7 +21409,7 @@
               <a:buNone/>
             </a:pPr>
             <a:r>
-              <a:rPr lang="es-AR" dirty="0" smtClean="0"/>
+              <a:rPr lang="es-AR" dirty="0"/>
               <a:t>	</a:t>
             </a:r>
           </a:p>
@@ -21763,10 +21418,9 @@
               <a:buNone/>
             </a:pPr>
             <a:r>
-              <a:rPr lang="es-AR" dirty="0" smtClean="0"/>
+              <a:rPr lang="es-AR" dirty="0"/>
               <a:t>	</a:t>
             </a:r>
-            <a:endParaRPr lang="es-AR" dirty="0"/>
           </a:p>
         </p:txBody>
       </p:sp>
@@ -21796,16 +21450,12 @@
           <a:lstStyle/>
           <a:p>
             <a:r>
-              <a:rPr lang="es-AR" dirty="0" smtClean="0"/>
-              <a:t>Times(N)</a:t>
-            </a:r>
-            <a:r>
               <a:rPr lang="es-AR" dirty="0"/>
-              <a:t>	</a:t>
-            </a:r>
-          </a:p>
-          <a:p>
-            <a:endParaRPr lang="es-AR" dirty="0" err="1" smtClean="0"/>
+              <a:t>Times(N)	</a:t>
+            </a:r>
+          </a:p>
+          <a:p>
+            <a:endParaRPr lang="es-AR" dirty="0" err="1"/>
           </a:p>
         </p:txBody>
       </p:sp>
@@ -21873,13 +21523,6 @@
       </p:transition>
     </mc:Fallback>
   </mc:AlternateContent>
-  <p:timing>
-    <p:tnLst>
-      <p:par>
-        <p:cTn id="1" dur="indefinite" restart="never" nodeType="tmRoot"/>
-      </p:par>
-    </p:tnLst>
-  </p:timing>
 </p:sld>
 </file>
 
@@ -21945,7 +21588,7 @@
               <a:buNone/>
             </a:pPr>
             <a:r>
-              <a:rPr lang="es-AR" dirty="0" smtClean="0"/>
+              <a:rPr lang="es-AR" dirty="0"/>
               <a:t>Otra forma de encontrar la complejidad del algoritmo recursivo para búsqueda binaria:</a:t>
             </a:r>
           </a:p>
@@ -21954,10 +21597,9 @@
               <a:buNone/>
             </a:pPr>
             <a:r>
-              <a:rPr lang="es-AR" dirty="0" smtClean="0"/>
+              <a:rPr lang="es-AR" dirty="0"/>
               <a:t>	</a:t>
             </a:r>
-            <a:endParaRPr lang="es-AR" dirty="0"/>
           </a:p>
         </p:txBody>
       </p:sp>
@@ -22116,7 +21758,7 @@
                 </a:r>
               </a:p>
               <a:p>
-                <a:endParaRPr lang="es-AR" dirty="0" err="1" smtClean="0"/>
+                <a:endParaRPr lang="es-AR" dirty="0" err="1"/>
               </a:p>
             </p:txBody>
           </p:sp>
@@ -22147,21 +21789,12 @@
             <a:lstStyle/>
             <a:p>
               <a:r>
-                <a:rPr lang="es-AR" dirty="0" smtClean="0"/>
-                <a:t>Times(N)</a:t>
+                <a:rPr lang="es-AR" dirty="0"/>
+                <a:t>Times(N)	+ 6</a:t>
               </a:r>
-              <a:r>
-                <a:rPr lang="es-AR" dirty="0"/>
-                <a:t>	</a:t>
-              </a:r>
-              <a:r>
-                <a:rPr lang="es-AR" dirty="0" smtClean="0"/>
-                <a:t>+ 6</a:t>
-              </a:r>
-              <a:endParaRPr lang="es-AR" dirty="0"/>
             </a:p>
             <a:p>
-              <a:endParaRPr lang="es-AR" dirty="0" err="1" smtClean="0"/>
+              <a:endParaRPr lang="es-AR" dirty="0" err="1"/>
             </a:p>
           </p:txBody>
         </p:sp>
@@ -23083,13 +22716,6 @@
       </p:transition>
     </mc:Fallback>
   </mc:AlternateContent>
-  <p:timing>
-    <p:tnLst>
-      <p:par>
-        <p:cTn id="1" dur="indefinite" restart="never" nodeType="tmRoot"/>
-      </p:par>
-    </p:tnLst>
-  </p:timing>
 </p:sld>
 </file>
 
@@ -23136,7 +22762,7 @@
               <a:buNone/>
             </a:pPr>
             <a:r>
-              <a:rPr lang="es-AR" dirty="0" smtClean="0"/>
+              <a:rPr lang="es-AR" dirty="0"/>
               <a:t>Otra forma de encontrar la complejidad del algoritmo recursivo para búsqueda binaria:</a:t>
             </a:r>
           </a:p>
@@ -23145,7 +22771,7 @@
               <a:buNone/>
             </a:pPr>
             <a:r>
-              <a:rPr lang="es-AR" dirty="0" smtClean="0"/>
+              <a:rPr lang="es-AR" dirty="0"/>
               <a:t>	</a:t>
             </a:r>
           </a:p>
@@ -23154,10 +22780,9 @@
               <a:buNone/>
             </a:pPr>
             <a:r>
-              <a:rPr lang="es-AR" dirty="0" smtClean="0"/>
+              <a:rPr lang="es-AR" dirty="0"/>
               <a:t>	</a:t>
             </a:r>
-            <a:endParaRPr lang="es-AR" dirty="0"/>
           </a:p>
         </p:txBody>
       </p:sp>
@@ -23331,19 +22956,11 @@
               <a:p>
                 <a:r>
                   <a:rPr lang="es-AR" dirty="0"/>
-                  <a:t>Times(N/2</a:t>
-                </a:r>
-                <a:r>
-                  <a:rPr lang="es-AR" dirty="0" smtClean="0"/>
-                  <a:t>)            + 6</a:t>
-                </a:r>
-                <a:r>
-                  <a:rPr lang="es-AR" dirty="0"/>
-                  <a:t>	</a:t>
+                  <a:t>Times(N/2)            + 6	</a:t>
                 </a:r>
               </a:p>
               <a:p>
-                <a:endParaRPr lang="es-AR" dirty="0" err="1" smtClean="0"/>
+                <a:endParaRPr lang="es-AR" dirty="0" err="1"/>
               </a:p>
             </p:txBody>
           </p:sp>
@@ -23374,21 +22991,12 @@
             <a:lstStyle/>
             <a:p>
               <a:r>
-                <a:rPr lang="es-AR" dirty="0" smtClean="0"/>
-                <a:t>Times(N)</a:t>
+                <a:rPr lang="es-AR" dirty="0"/>
+                <a:t>Times(N)	+ 6</a:t>
               </a:r>
-              <a:r>
-                <a:rPr lang="es-AR" dirty="0"/>
-                <a:t>	</a:t>
-              </a:r>
-              <a:r>
-                <a:rPr lang="es-AR" dirty="0" smtClean="0"/>
-                <a:t>+ 6</a:t>
-              </a:r>
-              <a:endParaRPr lang="es-AR" dirty="0"/>
             </a:p>
             <a:p>
-              <a:endParaRPr lang="es-AR" dirty="0" err="1" smtClean="0"/>
+              <a:endParaRPr lang="es-AR" dirty="0" err="1"/>
             </a:p>
           </p:txBody>
         </p:sp>
@@ -23457,16 +23065,12 @@
           <a:lstStyle/>
           <a:p>
             <a:r>
-              <a:rPr lang="es-AR" dirty="0" smtClean="0"/>
-              <a:t>Times(N/4)</a:t>
-            </a:r>
-            <a:r>
               <a:rPr lang="es-AR" dirty="0"/>
-              <a:t>	</a:t>
-            </a:r>
-          </a:p>
-          <a:p>
-            <a:endParaRPr lang="es-AR" dirty="0" err="1" smtClean="0"/>
+              <a:t>Times(N/4)	</a:t>
+            </a:r>
+          </a:p>
+          <a:p>
+            <a:endParaRPr lang="es-AR" dirty="0" err="1"/>
           </a:p>
         </p:txBody>
       </p:sp>
@@ -24422,13 +24026,6 @@
       </p:transition>
     </mc:Fallback>
   </mc:AlternateContent>
-  <p:timing>
-    <p:tnLst>
-      <p:par>
-        <p:cTn id="1" dur="indefinite" restart="never" nodeType="tmRoot"/>
-      </p:par>
-    </p:tnLst>
-  </p:timing>
 </p:sld>
 </file>
 
@@ -24475,7 +24072,7 @@
               <a:buNone/>
             </a:pPr>
             <a:r>
-              <a:rPr lang="es-AR" dirty="0" smtClean="0"/>
+              <a:rPr lang="es-AR" dirty="0"/>
               <a:t>Otra forma de encontrar la complejidad del algoritmo recursivo para búsqueda binaria:</a:t>
             </a:r>
           </a:p>
@@ -24484,7 +24081,7 @@
               <a:buNone/>
             </a:pPr>
             <a:r>
-              <a:rPr lang="es-AR" dirty="0" smtClean="0"/>
+              <a:rPr lang="es-AR" dirty="0"/>
               <a:t>	</a:t>
             </a:r>
           </a:p>
@@ -24493,10 +24090,9 @@
               <a:buNone/>
             </a:pPr>
             <a:r>
-              <a:rPr lang="es-AR" dirty="0" smtClean="0"/>
+              <a:rPr lang="es-AR" dirty="0"/>
               <a:t>	</a:t>
             </a:r>
-            <a:endParaRPr lang="es-AR" dirty="0"/>
           </a:p>
         </p:txBody>
       </p:sp>
@@ -24670,19 +24266,11 @@
               <a:p>
                 <a:r>
                   <a:rPr lang="es-AR" dirty="0"/>
-                  <a:t>Times(N/2</a:t>
-                </a:r>
-                <a:r>
-                  <a:rPr lang="es-AR" dirty="0" smtClean="0"/>
-                  <a:t>)            + 6</a:t>
-                </a:r>
-                <a:r>
-                  <a:rPr lang="es-AR" dirty="0"/>
-                  <a:t>	</a:t>
+                  <a:t>Times(N/2)            + 6	</a:t>
                 </a:r>
               </a:p>
               <a:p>
-                <a:endParaRPr lang="es-AR" dirty="0" err="1" smtClean="0"/>
+                <a:endParaRPr lang="es-AR" dirty="0" err="1"/>
               </a:p>
             </p:txBody>
           </p:sp>
@@ -24713,21 +24301,12 @@
             <a:lstStyle/>
             <a:p>
               <a:r>
-                <a:rPr lang="es-AR" dirty="0" smtClean="0"/>
-                <a:t>Times(N)</a:t>
+                <a:rPr lang="es-AR" dirty="0"/>
+                <a:t>Times(N)	+ 6</a:t>
               </a:r>
-              <a:r>
-                <a:rPr lang="es-AR" dirty="0"/>
-                <a:t>	</a:t>
-              </a:r>
-              <a:r>
-                <a:rPr lang="es-AR" dirty="0" smtClean="0"/>
-                <a:t>+ 6</a:t>
-              </a:r>
-              <a:endParaRPr lang="es-AR" dirty="0"/>
             </a:p>
             <a:p>
-              <a:endParaRPr lang="es-AR" dirty="0" err="1" smtClean="0"/>
+              <a:endParaRPr lang="es-AR" dirty="0" err="1"/>
             </a:p>
           </p:txBody>
         </p:sp>
@@ -24796,16 +24375,12 @@
           <a:lstStyle/>
           <a:p>
             <a:r>
-              <a:rPr lang="es-AR" dirty="0" smtClean="0"/>
-              <a:t>Times(N/4)            +  6</a:t>
-            </a:r>
-            <a:r>
               <a:rPr lang="es-AR" dirty="0"/>
-              <a:t>	</a:t>
-            </a:r>
-          </a:p>
-          <a:p>
-            <a:endParaRPr lang="es-AR" dirty="0" err="1" smtClean="0"/>
+              <a:t>Times(N/4)            +  6	</a:t>
+            </a:r>
+          </a:p>
+          <a:p>
+            <a:endParaRPr lang="es-AR" dirty="0" err="1"/>
           </a:p>
         </p:txBody>
       </p:sp>
@@ -25803,16 +25378,12 @@
           <a:lstStyle/>
           <a:p>
             <a:r>
-              <a:rPr lang="es-AR" dirty="0" smtClean="0"/>
-              <a:t>Times(N/8)</a:t>
-            </a:r>
-            <a:r>
               <a:rPr lang="es-AR" dirty="0"/>
-              <a:t>	</a:t>
-            </a:r>
-          </a:p>
-          <a:p>
-            <a:endParaRPr lang="es-AR" dirty="0" err="1" smtClean="0"/>
+              <a:t>Times(N/8)	</a:t>
+            </a:r>
+          </a:p>
+          <a:p>
+            <a:endParaRPr lang="es-AR" dirty="0" err="1"/>
           </a:p>
         </p:txBody>
       </p:sp>
@@ -25873,13 +25444,6 @@
       </p:transition>
     </mc:Fallback>
   </mc:AlternateContent>
-  <p:timing>
-    <p:tnLst>
-      <p:par>
-        <p:cTn id="1" dur="indefinite" restart="never" nodeType="tmRoot"/>
-      </p:par>
-    </p:tnLst>
-  </p:timing>
 </p:sld>
 </file>
 
@@ -25926,7 +25490,7 @@
               <a:buNone/>
             </a:pPr>
             <a:r>
-              <a:rPr lang="es-AR" dirty="0" smtClean="0"/>
+              <a:rPr lang="es-AR" dirty="0"/>
               <a:t>Otra forma de encontrar la complejidad del algoritmo recursivo para búsqueda binaria:</a:t>
             </a:r>
           </a:p>
@@ -25935,7 +25499,7 @@
               <a:buNone/>
             </a:pPr>
             <a:r>
-              <a:rPr lang="es-AR" dirty="0" smtClean="0"/>
+              <a:rPr lang="es-AR" dirty="0"/>
               <a:t>	</a:t>
             </a:r>
           </a:p>
@@ -25944,10 +25508,9 @@
               <a:buNone/>
             </a:pPr>
             <a:r>
-              <a:rPr lang="es-AR" dirty="0" smtClean="0"/>
+              <a:rPr lang="es-AR" dirty="0"/>
               <a:t>	</a:t>
             </a:r>
-            <a:endParaRPr lang="es-AR" dirty="0"/>
           </a:p>
         </p:txBody>
       </p:sp>
@@ -26121,19 +25684,11 @@
               <a:p>
                 <a:r>
                   <a:rPr lang="es-AR" dirty="0"/>
-                  <a:t>Times(N/2</a:t>
-                </a:r>
-                <a:r>
-                  <a:rPr lang="es-AR" dirty="0" smtClean="0"/>
-                  <a:t>)            + 6</a:t>
-                </a:r>
-                <a:r>
-                  <a:rPr lang="es-AR" dirty="0"/>
-                  <a:t>	</a:t>
+                  <a:t>Times(N/2)            + 6	</a:t>
                 </a:r>
               </a:p>
               <a:p>
-                <a:endParaRPr lang="es-AR" dirty="0" err="1" smtClean="0"/>
+                <a:endParaRPr lang="es-AR" dirty="0" err="1"/>
               </a:p>
             </p:txBody>
           </p:sp>
@@ -26164,21 +25719,12 @@
             <a:lstStyle/>
             <a:p>
               <a:r>
-                <a:rPr lang="es-AR" dirty="0" smtClean="0"/>
-                <a:t>Times(N)</a:t>
+                <a:rPr lang="es-AR" dirty="0"/>
+                <a:t>Times(N)	+ 6</a:t>
               </a:r>
-              <a:r>
-                <a:rPr lang="es-AR" dirty="0"/>
-                <a:t>	</a:t>
-              </a:r>
-              <a:r>
-                <a:rPr lang="es-AR" dirty="0" smtClean="0"/>
-                <a:t>+ 6</a:t>
-              </a:r>
-              <a:endParaRPr lang="es-AR" dirty="0"/>
             </a:p>
             <a:p>
-              <a:endParaRPr lang="es-AR" dirty="0" err="1" smtClean="0"/>
+              <a:endParaRPr lang="es-AR" dirty="0" err="1"/>
             </a:p>
           </p:txBody>
         </p:sp>
@@ -26247,16 +25793,12 @@
           <a:lstStyle/>
           <a:p>
             <a:r>
-              <a:rPr lang="es-AR" dirty="0" smtClean="0"/>
-              <a:t>Times(N/4)            +  6</a:t>
-            </a:r>
-            <a:r>
               <a:rPr lang="es-AR" dirty="0"/>
-              <a:t>	</a:t>
-            </a:r>
-          </a:p>
-          <a:p>
-            <a:endParaRPr lang="es-AR" dirty="0" err="1" smtClean="0"/>
+              <a:t>Times(N/4)            +  6	</a:t>
+            </a:r>
+          </a:p>
+          <a:p>
+            <a:endParaRPr lang="es-AR" dirty="0" err="1"/>
           </a:p>
         </p:txBody>
       </p:sp>
@@ -27254,22 +26796,18 @@
           <a:lstStyle/>
           <a:p>
             <a:r>
-              <a:rPr lang="es-AR" dirty="0" smtClean="0"/>
+              <a:rPr lang="es-AR" dirty="0"/>
               <a:t>Times(N/8)            + 6</a:t>
             </a:r>
           </a:p>
           <a:p>
             <a:r>
-              <a:rPr lang="es-AR" dirty="0" smtClean="0"/>
-              <a:t>………</a:t>
-            </a:r>
-            <a:r>
               <a:rPr lang="es-AR" dirty="0"/>
-              <a:t>	</a:t>
-            </a:r>
-          </a:p>
-          <a:p>
-            <a:endParaRPr lang="es-AR" dirty="0" err="1" smtClean="0"/>
+              <a:t>………	</a:t>
+            </a:r>
+          </a:p>
+          <a:p>
+            <a:endParaRPr lang="es-AR" dirty="0" err="1"/>
           </a:p>
         </p:txBody>
       </p:sp>
@@ -27365,13 +26903,6 @@
       </p:transition>
     </mc:Fallback>
   </mc:AlternateContent>
-  <p:timing>
-    <p:tnLst>
-      <p:par>
-        <p:cTn id="1" dur="indefinite" restart="never" nodeType="tmRoot"/>
-      </p:par>
-    </p:tnLst>
-  </p:timing>
 </p:sld>
 </file>
 
@@ -27418,7 +26949,7 @@
               <a:buNone/>
             </a:pPr>
             <a:r>
-              <a:rPr lang="es-AR" dirty="0" smtClean="0"/>
+              <a:rPr lang="es-AR" dirty="0"/>
               <a:t>Otra forma de encontrar la complejidad del algoritmo recursivo para búsqueda binaria:</a:t>
             </a:r>
           </a:p>
@@ -27427,7 +26958,7 @@
               <a:buNone/>
             </a:pPr>
             <a:r>
-              <a:rPr lang="es-AR" dirty="0" smtClean="0"/>
+              <a:rPr lang="es-AR" dirty="0"/>
               <a:t>	</a:t>
             </a:r>
           </a:p>
@@ -27436,10 +26967,9 @@
               <a:buNone/>
             </a:pPr>
             <a:r>
-              <a:rPr lang="es-AR" dirty="0" smtClean="0"/>
+              <a:rPr lang="es-AR" dirty="0"/>
               <a:t>	</a:t>
             </a:r>
-            <a:endParaRPr lang="es-AR" dirty="0"/>
           </a:p>
         </p:txBody>
       </p:sp>
@@ -27613,19 +27143,11 @@
               <a:p>
                 <a:r>
                   <a:rPr lang="es-AR" dirty="0"/>
-                  <a:t>Times(N/2</a:t>
-                </a:r>
-                <a:r>
-                  <a:rPr lang="es-AR" dirty="0" smtClean="0"/>
-                  <a:t>)            + 6</a:t>
-                </a:r>
-                <a:r>
-                  <a:rPr lang="es-AR" dirty="0"/>
-                  <a:t>	</a:t>
+                  <a:t>Times(N/2)            + 6	</a:t>
                 </a:r>
               </a:p>
               <a:p>
-                <a:endParaRPr lang="es-AR" dirty="0" err="1" smtClean="0"/>
+                <a:endParaRPr lang="es-AR" dirty="0" err="1"/>
               </a:p>
             </p:txBody>
           </p:sp>
@@ -27656,21 +27178,12 @@
             <a:lstStyle/>
             <a:p>
               <a:r>
-                <a:rPr lang="es-AR" dirty="0" smtClean="0"/>
-                <a:t>Times(N)</a:t>
+                <a:rPr lang="es-AR" dirty="0"/>
+                <a:t>Times(N)	+ 6</a:t>
               </a:r>
-              <a:r>
-                <a:rPr lang="es-AR" dirty="0"/>
-                <a:t>	</a:t>
-              </a:r>
-              <a:r>
-                <a:rPr lang="es-AR" dirty="0" smtClean="0"/>
-                <a:t>+ 6</a:t>
-              </a:r>
-              <a:endParaRPr lang="es-AR" dirty="0"/>
             </a:p>
             <a:p>
-              <a:endParaRPr lang="es-AR" dirty="0" err="1" smtClean="0"/>
+              <a:endParaRPr lang="es-AR" dirty="0" err="1"/>
             </a:p>
           </p:txBody>
         </p:sp>
@@ -27739,16 +27252,12 @@
           <a:lstStyle/>
           <a:p>
             <a:r>
-              <a:rPr lang="es-AR" dirty="0" smtClean="0"/>
-              <a:t>Times(N/4)            +  6</a:t>
-            </a:r>
-            <a:r>
               <a:rPr lang="es-AR" dirty="0"/>
-              <a:t>	</a:t>
-            </a:r>
-          </a:p>
-          <a:p>
-            <a:endParaRPr lang="es-AR" dirty="0" err="1" smtClean="0"/>
+              <a:t>Times(N/4)            +  6	</a:t>
+            </a:r>
+          </a:p>
+          <a:p>
+            <a:endParaRPr lang="es-AR" dirty="0" err="1"/>
           </a:p>
         </p:txBody>
       </p:sp>
@@ -27851,7 +27360,7 @@
           <a:lstStyle/>
           <a:p>
             <a:r>
-              <a:rPr lang="es-AR" dirty="0" smtClean="0"/>
+              <a:rPr lang="es-AR" dirty="0"/>
               <a:t>Times(N/8)            + 6</a:t>
             </a:r>
           </a:p>
@@ -27862,7 +27371,7 @@
             </a:r>
           </a:p>
           <a:p>
-            <a:endParaRPr lang="es-AR" dirty="0" err="1" smtClean="0"/>
+            <a:endParaRPr lang="es-AR" dirty="0" err="1"/>
           </a:p>
         </p:txBody>
       </p:sp>
@@ -27962,16 +27471,12 @@
           <a:lstStyle/>
           <a:p>
             <a:r>
-              <a:rPr lang="es-AR" dirty="0" smtClean="0"/>
-              <a:t>Times(1)</a:t>
-            </a:r>
-            <a:r>
               <a:rPr lang="es-AR" dirty="0"/>
-              <a:t>	</a:t>
-            </a:r>
-          </a:p>
-          <a:p>
-            <a:endParaRPr lang="es-AR" dirty="0" err="1" smtClean="0"/>
+              <a:t>Times(1)	</a:t>
+            </a:r>
+          </a:p>
+          <a:p>
+            <a:endParaRPr lang="es-AR" dirty="0" err="1"/>
           </a:p>
         </p:txBody>
       </p:sp>
@@ -28039,13 +27544,12 @@
           <a:lstStyle/>
           <a:p>
             <a:r>
-              <a:rPr lang="es-AR" dirty="0" smtClean="0"/>
+              <a:rPr lang="es-AR" dirty="0"/>
               <a:t>………</a:t>
             </a:r>
-            <a:endParaRPr lang="es-AR" dirty="0"/>
-          </a:p>
-          <a:p>
-            <a:endParaRPr lang="es-AR" dirty="0" err="1" smtClean="0"/>
+          </a:p>
+          <a:p>
+            <a:endParaRPr lang="es-AR" dirty="0" err="1"/>
           </a:p>
         </p:txBody>
       </p:sp>
@@ -28115,7 +27619,7 @@
           <a:lstStyle/>
           <a:p>
             <a:r>
-              <a:rPr lang="es-AR" dirty="0" smtClean="0"/>
+              <a:rPr lang="es-AR" dirty="0"/>
               <a:t>Cuántas veces?</a:t>
             </a:r>
           </a:p>
@@ -28143,13 +27647,6 @@
       </p:transition>
     </mc:Fallback>
   </mc:AlternateContent>
-  <p:timing>
-    <p:tnLst>
-      <p:par>
-        <p:cTn id="1" dur="indefinite" restart="never" nodeType="tmRoot"/>
-      </p:par>
-    </p:tnLst>
-  </p:timing>
 </p:sld>
 </file>
 
@@ -28343,13 +27840,6 @@
       </p:transition>
     </mc:Fallback>
   </mc:AlternateContent>
-  <p:timing>
-    <p:tnLst>
-      <p:par>
-        <p:cTn id="1" dur="indefinite" restart="never" nodeType="tmRoot"/>
-      </p:par>
-    </p:tnLst>
-  </p:timing>
 </p:sld>
 </file>
 
@@ -28396,7 +27886,7 @@
               <a:buNone/>
             </a:pPr>
             <a:r>
-              <a:rPr lang="es-AR" dirty="0" smtClean="0"/>
+              <a:rPr lang="es-AR" dirty="0"/>
               <a:t>Otra forma de encontrar la complejidad del algoritmo recursivo para búsqueda binaria:</a:t>
             </a:r>
           </a:p>
@@ -28405,7 +27895,7 @@
               <a:buNone/>
             </a:pPr>
             <a:r>
-              <a:rPr lang="es-AR" dirty="0" smtClean="0"/>
+              <a:rPr lang="es-AR" dirty="0"/>
               <a:t>	</a:t>
             </a:r>
           </a:p>
@@ -28414,10 +27904,9 @@
               <a:buNone/>
             </a:pPr>
             <a:r>
-              <a:rPr lang="es-AR" dirty="0" smtClean="0"/>
+              <a:rPr lang="es-AR" dirty="0"/>
               <a:t>	</a:t>
             </a:r>
-            <a:endParaRPr lang="es-AR" dirty="0"/>
           </a:p>
         </p:txBody>
       </p:sp>
@@ -28591,19 +28080,11 @@
               <a:p>
                 <a:r>
                   <a:rPr lang="es-AR" dirty="0"/>
-                  <a:t>Times(N/2</a:t>
-                </a:r>
-                <a:r>
-                  <a:rPr lang="es-AR" dirty="0" smtClean="0"/>
-                  <a:t>)            + 6</a:t>
-                </a:r>
-                <a:r>
-                  <a:rPr lang="es-AR" dirty="0"/>
-                  <a:t>	</a:t>
+                  <a:t>Times(N/2)            + 6	</a:t>
                 </a:r>
               </a:p>
               <a:p>
-                <a:endParaRPr lang="es-AR" dirty="0" err="1" smtClean="0"/>
+                <a:endParaRPr lang="es-AR" dirty="0" err="1"/>
               </a:p>
             </p:txBody>
           </p:sp>
@@ -28634,21 +28115,12 @@
             <a:lstStyle/>
             <a:p>
               <a:r>
-                <a:rPr lang="es-AR" dirty="0" smtClean="0"/>
-                <a:t>Times(N)</a:t>
+                <a:rPr lang="es-AR" dirty="0"/>
+                <a:t>Times(N)	+ 6</a:t>
               </a:r>
-              <a:r>
-                <a:rPr lang="es-AR" dirty="0"/>
-                <a:t>	</a:t>
-              </a:r>
-              <a:r>
-                <a:rPr lang="es-AR" dirty="0" smtClean="0"/>
-                <a:t>+ 6</a:t>
-              </a:r>
-              <a:endParaRPr lang="es-AR" dirty="0"/>
             </a:p>
             <a:p>
-              <a:endParaRPr lang="es-AR" dirty="0" err="1" smtClean="0"/>
+              <a:endParaRPr lang="es-AR" dirty="0" err="1"/>
             </a:p>
           </p:txBody>
         </p:sp>
@@ -28717,16 +28189,12 @@
           <a:lstStyle/>
           <a:p>
             <a:r>
-              <a:rPr lang="es-AR" dirty="0" smtClean="0"/>
-              <a:t>Times(N/4)            +  6</a:t>
-            </a:r>
-            <a:r>
               <a:rPr lang="es-AR" dirty="0"/>
-              <a:t>	</a:t>
-            </a:r>
-          </a:p>
-          <a:p>
-            <a:endParaRPr lang="es-AR" dirty="0" err="1" smtClean="0"/>
+              <a:t>Times(N/4)            +  6	</a:t>
+            </a:r>
+          </a:p>
+          <a:p>
+            <a:endParaRPr lang="es-AR" dirty="0" err="1"/>
           </a:p>
         </p:txBody>
       </p:sp>
@@ -28829,7 +28297,7 @@
           <a:lstStyle/>
           <a:p>
             <a:r>
-              <a:rPr lang="es-AR" dirty="0" smtClean="0"/>
+              <a:rPr lang="es-AR" dirty="0"/>
               <a:t>Times(N/8)            + 6</a:t>
             </a:r>
           </a:p>
@@ -28840,7 +28308,7 @@
             </a:r>
           </a:p>
           <a:p>
-            <a:endParaRPr lang="es-AR" dirty="0" err="1" smtClean="0"/>
+            <a:endParaRPr lang="es-AR" dirty="0" err="1"/>
           </a:p>
         </p:txBody>
       </p:sp>
@@ -28940,16 +28408,12 @@
           <a:lstStyle/>
           <a:p>
             <a:r>
-              <a:rPr lang="es-AR" dirty="0" smtClean="0"/>
-              <a:t>Times(1)</a:t>
-            </a:r>
-            <a:r>
               <a:rPr lang="es-AR" dirty="0"/>
-              <a:t>	</a:t>
-            </a:r>
-          </a:p>
-          <a:p>
-            <a:endParaRPr lang="es-AR" dirty="0" err="1" smtClean="0"/>
+              <a:t>Times(1)	</a:t>
+            </a:r>
+          </a:p>
+          <a:p>
+            <a:endParaRPr lang="es-AR" dirty="0" err="1"/>
           </a:p>
         </p:txBody>
       </p:sp>
@@ -29017,13 +28481,12 @@
           <a:lstStyle/>
           <a:p>
             <a:r>
-              <a:rPr lang="es-AR" dirty="0" smtClean="0"/>
+              <a:rPr lang="es-AR" dirty="0"/>
               <a:t>………</a:t>
             </a:r>
-            <a:endParaRPr lang="es-AR" dirty="0"/>
-          </a:p>
-          <a:p>
-            <a:endParaRPr lang="es-AR" dirty="0" err="1" smtClean="0"/>
+          </a:p>
+          <a:p>
+            <a:endParaRPr lang="es-AR" dirty="0" err="1"/>
           </a:p>
         </p:txBody>
       </p:sp>
@@ -29093,7 +28556,7 @@
           <a:lstStyle/>
           <a:p>
             <a:r>
-              <a:rPr lang="es-AR" dirty="0" smtClean="0"/>
+              <a:rPr lang="es-AR" dirty="0"/>
               <a:t>Cuántas veces?</a:t>
             </a:r>
           </a:p>
@@ -29129,27 +28592,18 @@
               <a:lstStyle/>
               <a:p>
                 <a:r>
-                  <a:rPr lang="es-AR" dirty="0" smtClean="0"/>
-                  <a:t>Rta:</a:t>
+                  <a:rPr lang="es-AR" dirty="0"/>
+                  <a:t>Rta: </a:t>
+                </a:r>
+              </a:p>
+              <a:p>
+                <a:r>
+                  <a:rPr lang="es-AR" dirty="0" err="1"/>
+                  <a:t>Step</a:t>
                 </a:r>
                 <a:r>
                   <a:rPr lang="es-AR" dirty="0"/>
-                  <a:t> </a:t>
-                </a:r>
-                <a:endParaRPr lang="es-AR" dirty="0" smtClean="0"/>
-              </a:p>
-              <a:p>
-                <a:r>
-                  <a:rPr lang="es-AR" dirty="0" err="1" smtClean="0"/>
-                  <a:t>Step</a:t>
-                </a:r>
-                <a:r>
-                  <a:rPr lang="es-AR" dirty="0" smtClean="0"/>
-                  <a:t> 0: </a:t>
-                </a:r>
-                <a:r>
-                  <a:rPr lang="es-AR" dirty="0"/>
-                  <a:t>Times(</a:t>
+                  <a:t> 0: Times(</a:t>
                 </a:r>
                 <a14:m>
                   <m:oMath xmlns:m="http://schemas.openxmlformats.org/officeDocument/2006/math">
@@ -29203,23 +28657,18 @@
                   <a:rPr lang="es-AR" dirty="0"/>
                   <a:t>) </a:t>
                 </a:r>
-                <a:endParaRPr lang="es-AR" dirty="0" smtClean="0"/>
               </a:p>
               <a:p>
-                <a:endParaRPr lang="es-AR" dirty="0" smtClean="0"/>
+                <a:endParaRPr lang="es-AR" dirty="0"/>
               </a:p>
               <a:p>
                 <a:r>
-                  <a:rPr lang="es-AR" dirty="0" err="1" smtClean="0"/>
+                  <a:rPr lang="es-AR" dirty="0" err="1"/>
                   <a:t>Step</a:t>
                 </a:r>
                 <a:r>
-                  <a:rPr lang="es-AR" dirty="0" smtClean="0"/>
-                  <a:t> 1: </a:t>
-                </a:r>
-                <a:r>
                   <a:rPr lang="es-AR" dirty="0"/>
-                  <a:t>Times(</a:t>
+                  <a:t> 1: Times(</a:t>
                 </a:r>
                 <a14:m>
                   <m:oMath xmlns:m="http://schemas.openxmlformats.org/officeDocument/2006/math">
@@ -29270,25 +28719,21 @@
                   </m:oMath>
                 </a14:m>
                 <a:r>
-                  <a:rPr lang="es-AR" dirty="0" smtClean="0"/>
+                  <a:rPr lang="es-AR" dirty="0"/>
                   <a:t>)</a:t>
                 </a:r>
               </a:p>
               <a:p>
-                <a:endParaRPr lang="es-AR" dirty="0" smtClean="0"/>
+                <a:endParaRPr lang="es-AR" dirty="0"/>
               </a:p>
               <a:p>
                 <a:r>
-                  <a:rPr lang="es-AR" dirty="0" err="1" smtClean="0"/>
+                  <a:rPr lang="es-AR" dirty="0" err="1"/>
                   <a:t>Step</a:t>
                 </a:r>
                 <a:r>
-                  <a:rPr lang="es-AR" dirty="0" smtClean="0"/>
-                  <a:t> 2: Times</a:t>
-                </a:r>
-                <a:r>
                   <a:rPr lang="es-AR" dirty="0"/>
-                  <a:t>(</a:t>
+                  <a:t> 2: Times(</a:t>
                 </a:r>
                 <a14:m>
                   <m:oMath xmlns:m="http://schemas.openxmlformats.org/officeDocument/2006/math">
@@ -29344,20 +28789,16 @@
                 </a:r>
               </a:p>
               <a:p>
-                <a:endParaRPr lang="es-AR" dirty="0" smtClean="0"/>
+                <a:endParaRPr lang="es-AR" dirty="0"/>
               </a:p>
               <a:p>
                 <a:r>
-                  <a:rPr lang="es-AR" dirty="0" err="1" smtClean="0"/>
+                  <a:rPr lang="es-AR" dirty="0" err="1"/>
                   <a:t>Step</a:t>
                 </a:r>
                 <a:r>
-                  <a:rPr lang="es-AR" dirty="0" smtClean="0"/>
-                  <a:t> 3: </a:t>
-                </a:r>
-                <a:r>
                   <a:rPr lang="es-AR" dirty="0"/>
-                  <a:t>Times(</a:t>
+                  <a:t> 3: Times(</a:t>
                 </a:r>
                 <a14:m>
                   <m:oMath xmlns:m="http://schemas.openxmlformats.org/officeDocument/2006/math">
@@ -29413,30 +28854,26 @@
                 </a:r>
               </a:p>
               <a:p>
-                <a:endParaRPr lang="es-AR" dirty="0" smtClean="0"/>
+                <a:endParaRPr lang="es-AR" dirty="0"/>
               </a:p>
               <a:p>
-                <a:endParaRPr lang="es-AR" dirty="0" smtClean="0"/>
+                <a:endParaRPr lang="es-AR" dirty="0"/>
               </a:p>
               <a:p>
                 <a:endParaRPr lang="es-AR" dirty="0"/>
               </a:p>
               <a:p>
                 <a:r>
-                  <a:rPr lang="es-AR" dirty="0" smtClean="0"/>
+                  <a:rPr lang="es-AR" dirty="0"/>
                   <a:t>Ultimo </a:t>
                 </a:r>
                 <a:r>
-                  <a:rPr lang="es-AR" dirty="0" err="1" smtClean="0"/>
+                  <a:rPr lang="es-AR" dirty="0" err="1"/>
                   <a:t>step</a:t>
                 </a:r>
                 <a:r>
-                  <a:rPr lang="es-AR" dirty="0" smtClean="0"/>
-                  <a:t> s: </a:t>
-                </a:r>
-                <a:r>
                   <a:rPr lang="es-AR" dirty="0"/>
-                  <a:t>Times(</a:t>
+                  <a:t> s: Times(</a:t>
                 </a:r>
                 <a14:m>
                   <m:oMath xmlns:m="http://schemas.openxmlformats.org/officeDocument/2006/math">
@@ -29487,13 +28924,12 @@
                   </m:oMath>
                 </a14:m>
                 <a:r>
-                  <a:rPr lang="es-AR" dirty="0" smtClean="0"/>
+                  <a:rPr lang="es-AR" dirty="0"/>
                   <a:t>) y eso es  Times(1)</a:t>
                 </a:r>
-                <a:endParaRPr lang="es-AR" dirty="0"/>
               </a:p>
               <a:p>
-                <a:endParaRPr lang="es-AR" dirty="0" smtClean="0"/>
+                <a:endParaRPr lang="es-AR" dirty="0"/>
               </a:p>
             </p:txBody>
           </p:sp>
@@ -29742,7 +29178,7 @@
               <a:lstStyle/>
               <a:p>
                 <a:r>
-                  <a:rPr lang="es-AR" dirty="0" smtClean="0"/>
+                  <a:rPr lang="es-AR" dirty="0"/>
                   <a:t>Entonces, como </a:t>
                 </a:r>
                 <a14:m>
@@ -29794,13 +29230,13 @@
                   </m:oMath>
                 </a14:m>
                 <a:r>
-                  <a:rPr lang="es-AR" dirty="0" smtClean="0"/>
+                  <a:rPr lang="es-AR" dirty="0"/>
                   <a:t>= 1  </a:t>
                 </a:r>
               </a:p>
               <a:p>
                 <a:r>
-                  <a:rPr lang="es-AR" dirty="0" smtClean="0"/>
+                  <a:rPr lang="es-AR" dirty="0"/>
                   <a:t>Entonces ,  N = </a:t>
                 </a:r>
                 <a14:m>
@@ -29832,7 +29268,7 @@
                     </m:sSup>
                   </m:oMath>
                 </a14:m>
-                <a:endParaRPr lang="es-AR" dirty="0" smtClean="0"/>
+                <a:endParaRPr lang="es-AR" dirty="0"/>
               </a:p>
               <a:p>
                 <a:endParaRPr lang="es-AR" dirty="0">
@@ -29843,7 +29279,7 @@
               </a:p>
               <a:p>
                 <a:r>
-                  <a:rPr lang="es-AR" dirty="0" smtClean="0">
+                  <a:rPr lang="es-AR" dirty="0">
                     <a:solidFill>
                       <a:schemeClr val="accent1"/>
                     </a:solidFill>
@@ -29851,7 +29287,7 @@
                   <a:t>La cantidad de </a:t>
                 </a:r>
                 <a:r>
-                  <a:rPr lang="es-AR" dirty="0" err="1" smtClean="0">
+                  <a:rPr lang="es-AR" dirty="0" err="1">
                     <a:solidFill>
                       <a:schemeClr val="accent1"/>
                     </a:solidFill>
@@ -29859,7 +29295,7 @@
                   <a:t>steps</a:t>
                 </a:r>
                 <a:r>
-                  <a:rPr lang="es-AR" dirty="0" smtClean="0">
+                  <a:rPr lang="es-AR" dirty="0">
                     <a:solidFill>
                       <a:schemeClr val="accent1"/>
                     </a:solidFill>
@@ -29940,14 +29376,14 @@
                     </m:oMath>
                   </m:oMathPara>
                 </a14:m>
-                <a:endParaRPr lang="es-AR" dirty="0" smtClean="0"/>
+                <a:endParaRPr lang="es-AR" dirty="0"/>
               </a:p>
               <a:p>
-                <a:endParaRPr lang="es-AR" dirty="0" smtClean="0"/>
+                <a:endParaRPr lang="es-AR" dirty="0"/>
               </a:p>
               <a:p>
                 <a:r>
-                  <a:rPr lang="es-AR" dirty="0" smtClean="0"/>
+                  <a:rPr lang="es-AR" dirty="0"/>
                   <a:t>Times(N) =</a:t>
                 </a:r>
                 <a14:m>
@@ -30038,41 +29474,36 @@
                     </m:nary>
                   </m:oMath>
                 </a14:m>
-                <a:endParaRPr lang="es-AR" sz="1600" i="1" dirty="0" smtClean="0">
+                <a:endParaRPr lang="es-AR" sz="1600" i="1" dirty="0">
                   <a:latin typeface="Cambria Math" panose="02040503050406030204" pitchFamily="18" charset="0"/>
                 </a:endParaRPr>
               </a:p>
               <a:p>
-                <a:endParaRPr lang="es-AR" dirty="0" smtClean="0"/>
+                <a:endParaRPr lang="es-AR" dirty="0"/>
               </a:p>
               <a:p>
                 <a:r>
-                  <a:rPr lang="es-AR" dirty="0" smtClean="0"/>
+                  <a:rPr lang="es-AR" dirty="0"/>
                   <a:t>Times(N)= 6 * log</a:t>
                 </a:r>
                 <a:r>
-                  <a:rPr lang="es-AR" sz="1600" dirty="0" smtClean="0"/>
+                  <a:rPr lang="es-AR" sz="1600" dirty="0"/>
                   <a:t>2</a:t>
                 </a:r>
                 <a:r>
-                  <a:rPr lang="es-AR" dirty="0" smtClean="0"/>
-                  <a:t> </a:t>
+                  <a:rPr lang="es-AR" dirty="0"/>
+                  <a:t> N</a:t>
                 </a:r>
-                <a:r>
-                  <a:rPr lang="es-AR" dirty="0"/>
-                  <a:t>N</a:t>
-                </a:r>
-                <a:endParaRPr lang="es-AR" dirty="0" smtClean="0"/>
               </a:p>
               <a:p>
                 <a:r>
-                  <a:rPr lang="es-AR" dirty="0" smtClean="0"/>
+                  <a:rPr lang="es-AR" dirty="0"/>
                   <a:t>..</a:t>
                 </a:r>
               </a:p>
               <a:p>
                 <a:r>
-                  <a:rPr lang="es-AR" dirty="0" smtClean="0">
+                  <a:rPr lang="es-AR" dirty="0">
                     <a:solidFill>
                       <a:schemeClr val="accent1"/>
                     </a:solidFill>
@@ -30080,7 +29511,7 @@
                   <a:t>El algoritmo es O(log</a:t>
                 </a:r>
                 <a:r>
-                  <a:rPr lang="es-AR" sz="1600" dirty="0" smtClean="0">
+                  <a:rPr lang="es-AR" sz="1600" dirty="0">
                     <a:solidFill>
                       <a:schemeClr val="accent1"/>
                     </a:solidFill>
@@ -30088,7 +29519,7 @@
                   <a:t>2</a:t>
                 </a:r>
                 <a:r>
-                  <a:rPr lang="es-AR" dirty="0" smtClean="0">
+                  <a:rPr lang="es-AR" dirty="0">
                     <a:solidFill>
                       <a:schemeClr val="accent1"/>
                     </a:solidFill>
@@ -30165,13 +29596,6 @@
       </p:transition>
     </mc:Fallback>
   </mc:AlternateContent>
-  <p:timing>
-    <p:tnLst>
-      <p:par>
-        <p:cTn id="1" dur="indefinite" restart="never" nodeType="tmRoot"/>
-      </p:par>
-    </p:tnLst>
-  </p:timing>
 </p:sld>
 </file>
 
@@ -30232,7 +29656,7 @@
               <a:buNone/>
             </a:pPr>
             <a:r>
-              <a:rPr lang="es-AR" dirty="0" smtClean="0"/>
+              <a:rPr lang="es-AR" dirty="0"/>
               <a:t>Ahora bien, ese cálculo lo hemos realizado partiendo de Times(N).</a:t>
             </a:r>
           </a:p>
@@ -30240,14 +29664,14 @@
             <a:pPr marL="0" indent="0">
               <a:buNone/>
             </a:pPr>
-            <a:endParaRPr lang="es-AR" dirty="0" smtClean="0"/>
+            <a:endParaRPr lang="es-AR" dirty="0"/>
           </a:p>
           <a:p>
             <a:pPr marL="0" indent="0">
               <a:buNone/>
             </a:pPr>
             <a:r>
-              <a:rPr lang="es-AR" dirty="0" smtClean="0"/>
+              <a:rPr lang="es-AR" dirty="0"/>
               <a:t>O sea, que lo importante es saber calcular Times(N) a partir de código.</a:t>
             </a:r>
           </a:p>
@@ -30255,32 +29679,31 @@
             <a:pPr marL="0" indent="0">
               <a:buNone/>
             </a:pPr>
-            <a:endParaRPr lang="es-AR" dirty="0" smtClean="0"/>
+            <a:endParaRPr lang="es-AR" dirty="0"/>
           </a:p>
           <a:p>
             <a:pPr marL="0" indent="0">
               <a:buNone/>
             </a:pPr>
             <a:r>
-              <a:rPr lang="es-AR" b="1" dirty="0" smtClean="0"/>
+              <a:rPr lang="es-AR" b="1" dirty="0"/>
               <a:t>Para el calculo de Times(N):</a:t>
             </a:r>
-            <a:endParaRPr lang="es-AR" b="1" dirty="0"/>
           </a:p>
           <a:p>
             <a:pPr marL="0" indent="0" algn="just">
               <a:buNone/>
             </a:pPr>
             <a:r>
-              <a:rPr lang="es-AR" dirty="0" smtClean="0"/>
+              <a:rPr lang="es-AR" dirty="0"/>
               <a:t>Cuando el código es </a:t>
             </a:r>
             <a:r>
-              <a:rPr lang="es-AR" b="1" dirty="0" smtClean="0"/>
+              <a:rPr lang="es-AR" b="1" dirty="0"/>
               <a:t>no-recursivo</a:t>
             </a:r>
             <a:r>
-              <a:rPr lang="es-AR" dirty="0" smtClean="0"/>
+              <a:rPr lang="es-AR" dirty="0"/>
               <a:t> miramos las invocaciones, ciclos  (paralelos vs anidados), etc.</a:t>
             </a:r>
           </a:p>
@@ -30289,18 +29712,17 @@
               <a:buNone/>
             </a:pPr>
             <a:r>
-              <a:rPr lang="es-AR" dirty="0" smtClean="0"/>
+              <a:rPr lang="es-AR" dirty="0"/>
               <a:t>Si el código es </a:t>
             </a:r>
             <a:r>
-              <a:rPr lang="es-AR" b="1" dirty="0" smtClean="0"/>
+              <a:rPr lang="es-AR" b="1" dirty="0"/>
               <a:t>recursivo</a:t>
             </a:r>
             <a:r>
-              <a:rPr lang="es-AR" dirty="0" smtClean="0"/>
+              <a:rPr lang="es-AR" dirty="0"/>
               <a:t> hay que considerar la cantidad de invocaciones realizadas también.</a:t>
             </a:r>
-            <a:endParaRPr lang="es-AR" dirty="0"/>
           </a:p>
         </p:txBody>
       </p:sp>
@@ -30349,13 +29771,6 @@
       </p:transition>
     </mc:Fallback>
   </mc:AlternateContent>
-  <p:timing>
-    <p:tnLst>
-      <p:par>
-        <p:cTn id="1" dur="indefinite" restart="never" nodeType="tmRoot"/>
-      </p:par>
-    </p:tnLst>
-  </p:timing>
 </p:sld>
 </file>
 
@@ -30414,27 +29829,27 @@
               <a:buNone/>
             </a:pPr>
             <a:r>
-              <a:rPr lang="es-AR" dirty="0" smtClean="0"/>
+              <a:rPr lang="es-AR" dirty="0"/>
               <a:t>Ejemplo de un código no recursivo </a:t>
             </a:r>
             <a:r>
-              <a:rPr lang="es-AR" sz="2000" dirty="0" smtClean="0"/>
+              <a:rPr lang="es-AR" sz="2000" dirty="0"/>
               <a:t>(</a:t>
             </a:r>
             <a:r>
-              <a:rPr lang="es-AR" sz="2000" dirty="0" err="1" smtClean="0"/>
+              <a:rPr lang="es-AR" sz="2000" dirty="0" err="1"/>
               <a:t>aca</a:t>
             </a:r>
             <a:r>
-              <a:rPr lang="es-AR" sz="2000" dirty="0" smtClean="0"/>
+              <a:rPr lang="es-AR" sz="2000" dirty="0"/>
               <a:t> a N lo llamé </a:t>
             </a:r>
             <a:r>
-              <a:rPr lang="es-AR" sz="2000" dirty="0" err="1" smtClean="0"/>
+              <a:rPr lang="es-AR" sz="2000" dirty="0" err="1"/>
               <a:t>dim</a:t>
             </a:r>
             <a:r>
-              <a:rPr lang="es-AR" sz="2000" dirty="0" smtClean="0"/>
+              <a:rPr lang="es-AR" sz="2000" dirty="0"/>
               <a:t>)</a:t>
             </a:r>
           </a:p>
@@ -30523,15 +29938,15 @@
               <a:lstStyle/>
               <a:p>
                 <a:r>
-                  <a:rPr lang="es-AR" dirty="0" smtClean="0"/>
+                  <a:rPr lang="es-AR" dirty="0"/>
                   <a:t>Times(</a:t>
                 </a:r>
                 <a:r>
-                  <a:rPr lang="es-AR" dirty="0" err="1" smtClean="0"/>
+                  <a:rPr lang="es-AR" dirty="0" err="1"/>
                   <a:t>dim</a:t>
                 </a:r>
                 <a:r>
-                  <a:rPr lang="es-AR" dirty="0" smtClean="0"/>
+                  <a:rPr lang="es-AR" dirty="0"/>
                   <a:t>) = </a:t>
                 </a:r>
                 <a14:m>
@@ -30660,7 +30075,7 @@
                     </m:nary>
                   </m:oMath>
                 </a14:m>
-                <a:endParaRPr lang="es-AR" dirty="0" err="1" smtClean="0"/>
+                <a:endParaRPr lang="es-AR" dirty="0" err="1"/>
               </a:p>
             </p:txBody>
           </p:sp>
@@ -30739,15 +30154,15 @@
               <a:lstStyle/>
               <a:p>
                 <a:r>
-                  <a:rPr lang="es-AR" dirty="0" smtClean="0"/>
+                  <a:rPr lang="es-AR" dirty="0"/>
                   <a:t>Times(</a:t>
                 </a:r>
                 <a:r>
-                  <a:rPr lang="es-AR" dirty="0" err="1" smtClean="0"/>
+                  <a:rPr lang="es-AR" dirty="0" err="1"/>
                   <a:t>dim</a:t>
                 </a:r>
                 <a:r>
-                  <a:rPr lang="es-AR" dirty="0" smtClean="0"/>
+                  <a:rPr lang="es-AR" dirty="0"/>
                   <a:t>) = </a:t>
                 </a:r>
                 <a14:m>
@@ -30861,7 +30276,7 @@
                     </m:nary>
                   </m:oMath>
                 </a14:m>
-                <a:endParaRPr lang="es-AR" dirty="0" err="1" smtClean="0"/>
+                <a:endParaRPr lang="es-AR" dirty="0" err="1"/>
               </a:p>
             </p:txBody>
           </p:sp>
@@ -30940,15 +30355,15 @@
               <a:lstStyle/>
               <a:p>
                 <a:r>
-                  <a:rPr lang="es-AR" dirty="0" smtClean="0"/>
+                  <a:rPr lang="es-AR" dirty="0"/>
                   <a:t>Times(</a:t>
                 </a:r>
                 <a:r>
-                  <a:rPr lang="es-AR" dirty="0" err="1" smtClean="0"/>
+                  <a:rPr lang="es-AR" dirty="0" err="1"/>
                   <a:t>dim</a:t>
                 </a:r>
                 <a:r>
-                  <a:rPr lang="es-AR" dirty="0" smtClean="0"/>
+                  <a:rPr lang="es-AR" dirty="0"/>
                   <a:t>) = </a:t>
                 </a:r>
                 <a14:m>
@@ -31051,7 +30466,7 @@
                     </m:nary>
                   </m:oMath>
                 </a14:m>
-                <a:endParaRPr lang="es-AR" dirty="0" err="1" smtClean="0"/>
+                <a:endParaRPr lang="es-AR" dirty="0" err="1"/>
               </a:p>
             </p:txBody>
           </p:sp>
@@ -31354,15 +30769,15 @@
               <a:lstStyle/>
               <a:p>
                 <a:r>
-                  <a:rPr lang="es-AR" dirty="0" smtClean="0"/>
+                  <a:rPr lang="es-AR" dirty="0"/>
                   <a:t>Times(</a:t>
                 </a:r>
                 <a:r>
-                  <a:rPr lang="es-AR" dirty="0" err="1" smtClean="0"/>
+                  <a:rPr lang="es-AR" dirty="0" err="1"/>
                   <a:t>dim</a:t>
                 </a:r>
                 <a:r>
-                  <a:rPr lang="es-AR" dirty="0" smtClean="0"/>
+                  <a:rPr lang="es-AR" dirty="0"/>
                   <a:t>) = </a:t>
                 </a:r>
                 <a14:m>
@@ -31465,7 +30880,7 @@
                     </m:nary>
                   </m:oMath>
                 </a14:m>
-                <a:endParaRPr lang="es-AR" dirty="0" err="1" smtClean="0"/>
+                <a:endParaRPr lang="es-AR" dirty="0" err="1"/>
               </a:p>
             </p:txBody>
           </p:sp>
@@ -31514,8 +30929,8 @@
           </p:sp>
         </mc:Fallback>
       </mc:AlternateContent>
-      <mc:AlternateContent xmlns:mc="http://schemas.openxmlformats.org/markup-compatibility/2006" xmlns:a14="http://schemas.microsoft.com/office/drawing/2010/main">
-        <mc:Choice Requires="a14">
+      <mc:AlternateContent xmlns:mc="http://schemas.openxmlformats.org/markup-compatibility/2006">
+        <mc:Choice xmlns:a14="http://schemas.microsoft.com/office/drawing/2010/main" Requires="a14">
           <p:sp>
             <p:nvSpPr>
               <p:cNvPr id="9" name="CuadroTexto 8"/>
@@ -31524,7 +30939,7 @@
             </p:nvSpPr>
             <p:spPr>
               <a:xfrm>
-                <a:off x="457200" y="4043032"/>
+                <a:off x="457200" y="4493652"/>
                 <a:ext cx="4898136" cy="386068"/>
               </a:xfrm>
               <a:prstGeom prst="rect">
@@ -31538,21 +30953,21 @@
               </a:ln>
             </p:spPr>
             <p:txBody>
-              <a:bodyPr wrap="none" rtlCol="0">
+              <a:bodyPr wrap="square" rtlCol="0">
                 <a:spAutoFit/>
               </a:bodyPr>
               <a:lstStyle/>
               <a:p>
                 <a:r>
-                  <a:rPr lang="es-AR" dirty="0" smtClean="0"/>
+                  <a:rPr lang="es-AR" dirty="0"/>
                   <a:t>Times(</a:t>
                 </a:r>
                 <a:r>
-                  <a:rPr lang="es-AR" dirty="0" err="1" smtClean="0"/>
+                  <a:rPr lang="es-AR" dirty="0" err="1"/>
                   <a:t>dim</a:t>
                 </a:r>
                 <a:r>
-                  <a:rPr lang="es-AR" dirty="0" smtClean="0"/>
+                  <a:rPr lang="es-AR" dirty="0"/>
                   <a:t>) = (5</a:t>
                 </a:r>
                 <a14:m>
@@ -31650,12 +31065,12 @@
                     </m:nary>
                   </m:oMath>
                 </a14:m>
-                <a:endParaRPr lang="es-AR" dirty="0" err="1" smtClean="0"/>
+                <a:endParaRPr lang="es-AR" dirty="0" err="1"/>
               </a:p>
             </p:txBody>
           </p:sp>
         </mc:Choice>
-        <mc:Fallback xmlns="">
+        <mc:Fallback>
           <p:sp>
             <p:nvSpPr>
               <p:cNvPr id="9" name="CuadroTexto 8"/>
@@ -31666,7 +31081,7 @@
             </p:nvSpPr>
             <p:spPr>
               <a:xfrm>
-                <a:off x="457200" y="4043032"/>
+                <a:off x="457200" y="4493652"/>
                 <a:ext cx="4898136" cy="386068"/>
               </a:xfrm>
               <a:prstGeom prst="rect">
@@ -31675,7 +31090,7 @@
               <a:blipFill>
                 <a:blip r:embed="rId3"/>
                 <a:stretch>
-                  <a:fillRect l="-868" t="-104545" b="-168182"/>
+                  <a:fillRect l="-773" t="-100000" b="-153125"/>
                 </a:stretch>
               </a:blipFill>
               <a:ln>
@@ -31689,7 +31104,7 @@
               <a:lstStyle/>
               <a:p>
                 <a:r>
-                  <a:rPr lang="es-AR">
+                  <a:rPr lang="en-AR">
                     <a:noFill/>
                   </a:rPr>
                   <a:t> </a:t>
@@ -31729,15 +31144,15 @@
               <a:lstStyle/>
               <a:p>
                 <a:r>
-                  <a:rPr lang="es-AR" dirty="0" smtClean="0"/>
+                  <a:rPr lang="es-AR" dirty="0"/>
                   <a:t>Times(</a:t>
                 </a:r>
                 <a:r>
-                  <a:rPr lang="es-AR" dirty="0" err="1" smtClean="0"/>
+                  <a:rPr lang="es-AR" dirty="0" err="1"/>
                   <a:t>dim</a:t>
                 </a:r>
                 <a:r>
-                  <a:rPr lang="es-AR" dirty="0" smtClean="0"/>
+                  <a:rPr lang="es-AR" dirty="0"/>
                   <a:t>) = </a:t>
                 </a:r>
                 <a14:m>
@@ -31851,7 +31266,7 @@
                     </m:nary>
                   </m:oMath>
                 </a14:m>
-                <a:endParaRPr lang="es-AR" dirty="0" err="1" smtClean="0"/>
+                <a:endParaRPr lang="es-AR" dirty="0" err="1"/>
               </a:p>
             </p:txBody>
           </p:sp>
@@ -31930,15 +31345,15 @@
               <a:lstStyle/>
               <a:p>
                 <a:r>
-                  <a:rPr lang="es-AR" dirty="0" smtClean="0"/>
+                  <a:rPr lang="es-AR" dirty="0"/>
                   <a:t>Times(</a:t>
                 </a:r>
                 <a:r>
-                  <a:rPr lang="es-AR" dirty="0" err="1" smtClean="0"/>
+                  <a:rPr lang="es-AR" dirty="0" err="1"/>
                   <a:t>dim</a:t>
                 </a:r>
                 <a:r>
-                  <a:rPr lang="es-AR" dirty="0" smtClean="0"/>
+                  <a:rPr lang="es-AR" dirty="0"/>
                   <a:t>) = </a:t>
                 </a:r>
                 <a14:m>
@@ -32090,7 +31505,7 @@
                     </m:nary>
                   </m:oMath>
                 </a14:m>
-                <a:endParaRPr lang="es-AR" dirty="0" err="1" smtClean="0"/>
+                <a:endParaRPr lang="es-AR" dirty="0" err="1"/>
               </a:p>
             </p:txBody>
           </p:sp>
@@ -32139,8 +31554,8 @@
           </p:sp>
         </mc:Fallback>
       </mc:AlternateContent>
-      <mc:AlternateContent xmlns:mc="http://schemas.openxmlformats.org/markup-compatibility/2006" xmlns:a14="http://schemas.microsoft.com/office/drawing/2010/main">
-        <mc:Choice Requires="a14">
+      <mc:AlternateContent xmlns:mc="http://schemas.openxmlformats.org/markup-compatibility/2006">
+        <mc:Choice xmlns:a14="http://schemas.microsoft.com/office/drawing/2010/main" Requires="a14">
           <p:sp>
             <p:nvSpPr>
               <p:cNvPr id="13" name="CuadroTexto 12"/>
@@ -32149,7 +31564,7 @@
             </p:nvSpPr>
             <p:spPr>
               <a:xfrm>
-                <a:off x="457200" y="4789716"/>
+                <a:off x="457200" y="5240336"/>
                 <a:ext cx="5609036" cy="503471"/>
               </a:xfrm>
               <a:prstGeom prst="rect">
@@ -32169,15 +31584,15 @@
               <a:lstStyle/>
               <a:p>
                 <a:r>
-                  <a:rPr lang="es-AR" dirty="0" smtClean="0"/>
+                  <a:rPr lang="es-AR" dirty="0"/>
                   <a:t>Times(</a:t>
                 </a:r>
                 <a:r>
-                  <a:rPr lang="es-AR" dirty="0" err="1" smtClean="0"/>
+                  <a:rPr lang="es-AR" dirty="0" err="1"/>
                   <a:t>dim</a:t>
                 </a:r>
                 <a:r>
-                  <a:rPr lang="es-AR" dirty="0" smtClean="0"/>
+                  <a:rPr lang="es-AR" dirty="0"/>
                   <a:t>) = (5</a:t>
                 </a:r>
                 <a14:m>
@@ -32221,7 +31636,7 @@
                   </m:oMath>
                 </a14:m>
                 <a:r>
-                  <a:rPr lang="es-AR" dirty="0" smtClean="0"/>
+                  <a:rPr lang="es-AR" dirty="0"/>
                   <a:t>  </a:t>
                 </a:r>
                 <a14:m>
@@ -32288,12 +31703,12 @@
                     </m:f>
                   </m:oMath>
                 </a14:m>
-                <a:endParaRPr lang="es-AR" dirty="0" err="1" smtClean="0"/>
+                <a:endParaRPr lang="es-AR" dirty="0" err="1"/>
               </a:p>
             </p:txBody>
           </p:sp>
         </mc:Choice>
-        <mc:Fallback xmlns="">
+        <mc:Fallback>
           <p:sp>
             <p:nvSpPr>
               <p:cNvPr id="13" name="CuadroTexto 12"/>
@@ -32304,7 +31719,7 @@
             </p:nvSpPr>
             <p:spPr>
               <a:xfrm>
-                <a:off x="457200" y="4789716"/>
+                <a:off x="457200" y="5240336"/>
                 <a:ext cx="5609036" cy="503471"/>
               </a:xfrm>
               <a:prstGeom prst="rect">
@@ -32313,7 +31728,7 @@
               <a:blipFill>
                 <a:blip r:embed="rId6"/>
                 <a:stretch>
-                  <a:fillRect l="-759" b="-7143"/>
+                  <a:fillRect l="-676" b="-7317"/>
                 </a:stretch>
               </a:blipFill>
               <a:ln>
@@ -32327,7 +31742,7 @@
               <a:lstStyle/>
               <a:p>
                 <a:r>
-                  <a:rPr lang="es-AR">
+                  <a:rPr lang="en-AR">
                     <a:noFill/>
                   </a:rPr>
                   <a:t> </a:t>
@@ -32337,8 +31752,8 @@
           </p:sp>
         </mc:Fallback>
       </mc:AlternateContent>
-      <mc:AlternateContent xmlns:mc="http://schemas.openxmlformats.org/markup-compatibility/2006" xmlns:a14="http://schemas.microsoft.com/office/drawing/2010/main">
-        <mc:Choice Requires="a14">
+      <mc:AlternateContent xmlns:mc="http://schemas.openxmlformats.org/markup-compatibility/2006">
+        <mc:Choice xmlns:a14="http://schemas.microsoft.com/office/drawing/2010/main" Requires="a14">
           <p:sp>
             <p:nvSpPr>
               <p:cNvPr id="15" name="CuadroTexto 14"/>
@@ -32347,7 +31762,7 @@
             </p:nvSpPr>
             <p:spPr>
               <a:xfrm>
-                <a:off x="4558937" y="5959392"/>
+                <a:off x="1387773" y="5987020"/>
                 <a:ext cx="4127863" cy="369332"/>
               </a:xfrm>
               <a:prstGeom prst="rect">
@@ -32367,7 +31782,7 @@
               <a:lstStyle/>
               <a:p>
                 <a:r>
-                  <a:rPr lang="es-AR" dirty="0" smtClean="0">
+                  <a:rPr lang="es-AR" dirty="0">
                     <a:solidFill>
                       <a:schemeClr val="accent1"/>
                     </a:solidFill>
@@ -32413,7 +31828,7 @@
                   </m:oMath>
                 </a14:m>
                 <a:r>
-                  <a:rPr lang="es-AR" dirty="0" smtClean="0">
+                  <a:rPr lang="es-AR" dirty="0">
                     <a:solidFill>
                       <a:schemeClr val="accent1"/>
                     </a:solidFill>
@@ -32424,7 +31839,7 @@
             </p:txBody>
           </p:sp>
         </mc:Choice>
-        <mc:Fallback xmlns="">
+        <mc:Fallback>
           <p:sp>
             <p:nvSpPr>
               <p:cNvPr id="15" name="CuadroTexto 14"/>
@@ -32435,16 +31850,16 @@
             </p:nvSpPr>
             <p:spPr>
               <a:xfrm>
-                <a:off x="4558937" y="5959392"/>
+                <a:off x="1387773" y="5987020"/>
                 <a:ext cx="4127863" cy="369332"/>
               </a:xfrm>
               <a:prstGeom prst="rect">
                 <a:avLst/>
               </a:prstGeom>
               <a:blipFill>
-                <a:blip r:embed="rId8"/>
+                <a:blip r:embed="rId7"/>
                 <a:stretch>
-                  <a:fillRect l="-1178" t="-8065" b="-24194"/>
+                  <a:fillRect l="-917" t="-3125" b="-21875"/>
                 </a:stretch>
               </a:blipFill>
               <a:ln>
@@ -32458,7 +31873,7 @@
               <a:lstStyle/>
               <a:p>
                 <a:r>
-                  <a:rPr lang="es-AR">
+                  <a:rPr lang="en-AR">
                     <a:noFill/>
                   </a:rPr>
                   <a:t> </a:t>
@@ -32477,14 +31892,14 @@
           <p:nvPr/>
         </p:nvPicPr>
         <p:blipFill>
-          <a:blip r:embed="rId9"/>
+          <a:blip r:embed="rId8"/>
           <a:stretch>
             <a:fillRect/>
           </a:stretch>
         </p:blipFill>
         <p:spPr>
           <a:xfrm>
-            <a:off x="6845209" y="3869353"/>
+            <a:off x="1982829" y="3760227"/>
             <a:ext cx="1619250" cy="733425"/>
           </a:xfrm>
           <a:prstGeom prst="rect">
@@ -32876,7 +32291,7 @@
               <a:buNone/>
             </a:pPr>
             <a:r>
-              <a:rPr lang="es-AR" dirty="0" smtClean="0"/>
+              <a:rPr lang="es-AR" dirty="0"/>
               <a:t>Ejercicio</a:t>
             </a:r>
           </a:p>
@@ -32885,7 +32300,7 @@
               <a:buNone/>
             </a:pPr>
             <a:r>
-              <a:rPr lang="es-AR" dirty="0" smtClean="0"/>
+              <a:rPr lang="es-AR" dirty="0"/>
               <a:t>Sea el siguiente código</a:t>
             </a:r>
           </a:p>
@@ -32899,7 +32314,7 @@
             <a:pPr marL="0" indent="0">
               <a:buNone/>
             </a:pPr>
-            <a:endParaRPr lang="es-AR" dirty="0" smtClean="0"/>
+            <a:endParaRPr lang="es-AR" dirty="0"/>
           </a:p>
           <a:p>
             <a:pPr marL="0" indent="0">
@@ -32978,36 +32393,15 @@
           <a:lstStyle/>
           <a:p>
             <a:r>
-              <a:rPr lang="es-AR" dirty="0" smtClean="0"/>
-              <a:t>Times(N</a:t>
-            </a:r>
-            <a:r>
               <a:rPr lang="es-AR" dirty="0"/>
-              <a:t>) </a:t>
-            </a:r>
-            <a:r>
-              <a:rPr lang="es-AR" dirty="0" smtClean="0"/>
-              <a:t>=	 2 </a:t>
-            </a:r>
+              <a:t>Times(N) =	 2 * Times(N/3) + 4       si N &gt;= 4</a:t>
+            </a:r>
+          </a:p>
+          <a:p>
             <a:r>
               <a:rPr lang="es-AR" dirty="0"/>
-              <a:t>* </a:t>
-            </a:r>
-            <a:r>
-              <a:rPr lang="es-AR" dirty="0" smtClean="0"/>
-              <a:t>Times(N/3) + 4       si N &gt;= 4</a:t>
-            </a:r>
-          </a:p>
-          <a:p>
-            <a:r>
-              <a:rPr lang="es-AR" dirty="0"/>
-              <a:t> </a:t>
-            </a:r>
-            <a:r>
-              <a:rPr lang="es-AR" dirty="0" smtClean="0"/>
-              <a:t>                    	 1   		           si  N &lt; 4</a:t>
-            </a:r>
-            <a:endParaRPr lang="es-AR" dirty="0"/>
+              <a:t>                     	 1   		           si  N &lt; 4</a:t>
+            </a:r>
           </a:p>
         </p:txBody>
       </p:sp>
@@ -33051,10 +32445,9 @@
           <a:p>
             <a:pPr algn="ctr"/>
             <a:r>
-              <a:rPr lang="es-AR" dirty="0" smtClean="0"/>
+              <a:rPr lang="es-AR" dirty="0"/>
               <a:t>O(1)</a:t>
             </a:r>
-            <a:endParaRPr lang="es-AR" dirty="0"/>
           </a:p>
         </p:txBody>
       </p:sp>
@@ -33104,7 +32497,7 @@
         </p:nvSpPr>
         <p:spPr>
           <a:xfrm>
-            <a:off x="2078081" y="4397765"/>
+            <a:off x="9452915" y="2903253"/>
             <a:ext cx="4779919" cy="2120601"/>
           </a:xfrm>
           <a:prstGeom prst="rect">
@@ -33303,13 +32696,7 @@
                 <a:pPr marL="0" indent="0">
                   <a:buNone/>
                 </a:pPr>
-                <a:endParaRPr lang="es-AR" dirty="0" smtClean="0"/>
-              </a:p>
-              <a:p>
-                <a:pPr marL="0" indent="0">
-                  <a:buNone/>
-                </a:pPr>
-                <a:endParaRPr lang="es-AR" dirty="0" smtClean="0"/>
+                <a:endParaRPr lang="es-AR" dirty="0"/>
               </a:p>
               <a:p>
                 <a:pPr marL="0" indent="0">
@@ -33321,14 +32708,20 @@
                 <a:pPr marL="0" indent="0">
                   <a:buNone/>
                 </a:pPr>
-                <a:endParaRPr lang="es-AR" dirty="0" smtClean="0"/>
+                <a:endParaRPr lang="es-AR" dirty="0"/>
+              </a:p>
+              <a:p>
+                <a:pPr marL="0" indent="0">
+                  <a:buNone/>
+                </a:pPr>
+                <a:endParaRPr lang="es-AR" dirty="0"/>
               </a:p>
               <a:p>
                 <a:pPr marL="0" indent="0" algn="just">
                   <a:buNone/>
                 </a:pPr>
                 <a:r>
-                  <a:rPr lang="es-AR" dirty="0" smtClean="0"/>
+                  <a:rPr lang="es-AR" dirty="0"/>
                   <a:t>Cuál es la O grande? Puedo aplicar el Teorema Maestro?</a:t>
                 </a:r>
               </a:p>
@@ -33337,11 +32730,11 @@
                   <a:buNone/>
                 </a:pPr>
                 <a:r>
-                  <a:rPr lang="es-AR" dirty="0" err="1" smtClean="0"/>
+                  <a:rPr lang="es-AR" dirty="0" err="1"/>
                   <a:t>Rta</a:t>
                 </a:r>
                 <a:r>
-                  <a:rPr lang="es-AR" dirty="0" smtClean="0"/>
+                  <a:rPr lang="es-AR" dirty="0"/>
                   <a:t>: Sí. a=2, b=3, c=4 y d=0</a:t>
                 </a:r>
               </a:p>
@@ -33350,16 +32743,8 @@
                   <a:buNone/>
                 </a:pPr>
                 <a:r>
-                  <a:rPr lang="es-AR" dirty="0" smtClean="0"/>
+                  <a:rPr lang="es-AR" dirty="0"/>
                   <a:t>Como </a:t>
-                </a:r>
-                <a:r>
-                  <a:rPr lang="es-AR" dirty="0" smtClean="0">
-                    <a:solidFill>
-                      <a:srgbClr val="00B050"/>
-                    </a:solidFill>
-                  </a:rPr>
-                  <a:t> </a:t>
                 </a:r>
                 <a:r>
                   <a:rPr lang="es-AR" dirty="0">
@@ -33367,15 +32752,7 @@
                       <a:srgbClr val="00B050"/>
                     </a:solidFill>
                   </a:rPr>
-                  <a:t>a </a:t>
-                </a:r>
-                <a:r>
-                  <a:rPr lang="es-AR" dirty="0" smtClean="0">
-                    <a:solidFill>
-                      <a:srgbClr val="00B050"/>
-                    </a:solidFill>
-                  </a:rPr>
-                  <a:t>&gt; </a:t>
+                  <a:t> a &gt; </a:t>
                 </a:r>
                 <a14:m>
                   <m:oMath xmlns:m="http://schemas.openxmlformats.org/officeDocument/2006/math">
@@ -33426,11 +32803,7 @@
                 </a14:m>
                 <a:r>
                   <a:rPr lang="es-AR" dirty="0"/>
-                  <a:t> </a:t>
-                </a:r>
-                <a:r>
-                  <a:rPr lang="es-AR" dirty="0" smtClean="0"/>
-                  <a:t>es caso 3 tenemos que </a:t>
+                  <a:t> es caso 3 tenemos que </a:t>
                 </a:r>
                 <a:r>
                   <a:rPr lang="es-AR" dirty="0">
@@ -33535,20 +32908,12 @@
                   </m:oMath>
                 </a14:m>
                 <a:r>
-                  <a:rPr lang="es-AR" dirty="0" smtClean="0">
-                    <a:solidFill>
-                      <a:srgbClr val="00B050"/>
-                    </a:solidFill>
-                  </a:rPr>
-                  <a:t>) o sea  </a:t>
-                </a:r>
-                <a:r>
                   <a:rPr lang="es-AR" dirty="0">
                     <a:solidFill>
                       <a:srgbClr val="00B050"/>
                     </a:solidFill>
                   </a:rPr>
-                  <a:t>O(</a:t>
+                  <a:t>) o sea  O(</a:t>
                 </a:r>
                 <a14:m>
                   <m:oMath xmlns:m="http://schemas.openxmlformats.org/officeDocument/2006/math">
@@ -33650,31 +33015,7 @@
                       <a:srgbClr val="00B050"/>
                     </a:solidFill>
                   </a:rPr>
-                  <a:t>) </a:t>
-                </a:r>
-                <a:r>
-                  <a:rPr lang="es-AR" dirty="0" smtClean="0">
-                    <a:solidFill>
-                      <a:srgbClr val="00B050"/>
-                    </a:solidFill>
-                  </a:rPr>
-                  <a:t>= </a:t>
-                </a:r>
-                <a:r>
-                  <a:rPr lang="es-AR" dirty="0">
-                    <a:solidFill>
-                      <a:srgbClr val="00B050"/>
-                    </a:solidFill>
-                  </a:rPr>
-                  <a:t> O</a:t>
-                </a:r>
-                <a:r>
-                  <a:rPr lang="es-AR" dirty="0" smtClean="0">
-                    <a:solidFill>
-                      <a:srgbClr val="00B050"/>
-                    </a:solidFill>
-                  </a:rPr>
-                  <a:t>(</a:t>
+                  <a:t>) =  O(</a:t>
                 </a:r>
                 <a14:m>
                   <m:oMath xmlns:m="http://schemas.openxmlformats.org/officeDocument/2006/math">
@@ -33718,24 +33059,19 @@
                   </m:oMath>
                 </a14:m>
                 <a:r>
-                  <a:rPr lang="es-AR" dirty="0" smtClean="0">
+                  <a:rPr lang="es-AR" dirty="0">
                     <a:solidFill>
                       <a:srgbClr val="00B050"/>
                     </a:solidFill>
                   </a:rPr>
                   <a:t>)</a:t>
                 </a:r>
-                <a:endParaRPr lang="es-AR" dirty="0">
-                  <a:solidFill>
-                    <a:srgbClr val="00B050"/>
-                  </a:solidFill>
-                </a:endParaRPr>
               </a:p>
               <a:p>
                 <a:pPr marL="0" indent="0">
                   <a:buNone/>
                 </a:pPr>
-                <a:endParaRPr lang="es-AR" dirty="0" smtClean="0"/>
+                <a:endParaRPr lang="es-AR" dirty="0"/>
               </a:p>
               <a:p>
                 <a:pPr marL="0" indent="0">
@@ -33825,36 +33161,15 @@
           <a:lstStyle/>
           <a:p>
             <a:r>
-              <a:rPr lang="es-AR" dirty="0" smtClean="0"/>
-              <a:t>Times(N</a:t>
-            </a:r>
-            <a:r>
               <a:rPr lang="es-AR" dirty="0"/>
-              <a:t>) </a:t>
-            </a:r>
-            <a:r>
-              <a:rPr lang="es-AR" dirty="0" smtClean="0"/>
-              <a:t>=	 2 </a:t>
-            </a:r>
+              <a:t>Times(N) =	 2 * Times(N/3) + 4          si N &gt;= 4</a:t>
+            </a:r>
+          </a:p>
+          <a:p>
             <a:r>
               <a:rPr lang="es-AR" dirty="0"/>
-              <a:t>* </a:t>
-            </a:r>
-            <a:r>
-              <a:rPr lang="es-AR" dirty="0" smtClean="0"/>
-              <a:t>Times(N/3) + 4          si N &gt;= 4</a:t>
-            </a:r>
-          </a:p>
-          <a:p>
-            <a:r>
-              <a:rPr lang="es-AR" dirty="0"/>
-              <a:t> </a:t>
-            </a:r>
-            <a:r>
-              <a:rPr lang="es-AR" dirty="0" smtClean="0"/>
-              <a:t>                    	 1   		           si  N &lt; 4</a:t>
-            </a:r>
-            <a:endParaRPr lang="es-AR" dirty="0"/>
+              <a:t>                     	 1   		           si  N &lt; 4</a:t>
+            </a:r>
           </a:p>
         </p:txBody>
       </p:sp>
@@ -33898,10 +33213,9 @@
           <a:p>
             <a:pPr algn="ctr"/>
             <a:r>
-              <a:rPr lang="es-AR" dirty="0" smtClean="0"/>
+              <a:rPr lang="es-AR" dirty="0"/>
               <a:t>O(1)</a:t>
             </a:r>
-            <a:endParaRPr lang="es-AR" dirty="0"/>
           </a:p>
         </p:txBody>
       </p:sp>
@@ -33951,7 +33265,7 @@
         </p:nvSpPr>
         <p:spPr>
           <a:xfrm>
-            <a:off x="223156" y="4778497"/>
+            <a:off x="771253" y="6858000"/>
             <a:ext cx="8463644" cy="1577855"/>
           </a:xfrm>
           <a:prstGeom prst="rect">
@@ -34111,79 +33425,6 @@
       </p:grpSpPr>
       <p:sp>
         <p:nvSpPr>
-          <p:cNvPr id="2" name="Título 1"/>
-          <p:cNvSpPr>
-            <a:spLocks noGrp="1"/>
-          </p:cNvSpPr>
-          <p:nvPr>
-            <p:ph type="title"/>
-          </p:nvPr>
-        </p:nvSpPr>
-        <p:spPr/>
-        <p:txBody>
-          <a:bodyPr/>
-          <a:lstStyle/>
-          <a:p>
-            <a:endParaRPr lang="es-AR"/>
-          </a:p>
-        </p:txBody>
-      </p:sp>
-      <p:sp>
-        <p:nvSpPr>
-          <p:cNvPr id="3" name="Marcador de contenido 2"/>
-          <p:cNvSpPr>
-            <a:spLocks noGrp="1"/>
-          </p:cNvSpPr>
-          <p:nvPr>
-            <p:ph idx="1"/>
-          </p:nvPr>
-        </p:nvSpPr>
-        <p:spPr/>
-        <p:txBody>
-          <a:bodyPr>
-            <a:normAutofit/>
-          </a:bodyPr>
-          <a:lstStyle/>
-          <a:p>
-            <a:pPr marL="0" indent="0">
-              <a:buNone/>
-            </a:pPr>
-            <a:r>
-              <a:rPr lang="es-AR" dirty="0" smtClean="0"/>
-              <a:t>Ejercicio (variante)</a:t>
-            </a:r>
-          </a:p>
-          <a:p>
-            <a:pPr marL="0" indent="0">
-              <a:buNone/>
-            </a:pPr>
-            <a:r>
-              <a:rPr lang="es-AR" dirty="0" smtClean="0"/>
-              <a:t>Sea el siguiente código</a:t>
-            </a:r>
-          </a:p>
-          <a:p>
-            <a:pPr marL="0" indent="0">
-              <a:buNone/>
-            </a:pPr>
-            <a:endParaRPr lang="es-AR" dirty="0"/>
-          </a:p>
-          <a:p>
-            <a:pPr marL="0" indent="0">
-              <a:buNone/>
-            </a:pPr>
-            <a:endParaRPr lang="es-AR" dirty="0" smtClean="0"/>
-          </a:p>
-          <a:p>
-            <a:pPr marL="0" indent="0">
-              <a:buNone/>
-            </a:pPr>
-            <a:endParaRPr lang="es-AR" dirty="0"/>
-          </a:p>
-        </p:txBody>
-      </p:sp>
-      <p:sp>
-        <p:nvSpPr>
           <p:cNvPr id="4" name="Marcador de número de diapositiva 3"/>
           <p:cNvSpPr>
             <a:spLocks noGrp="1"/>
@@ -34207,68 +33448,13 @@
       </p:sp>
       <p:sp>
         <p:nvSpPr>
-          <p:cNvPr id="8" name="Rectángulo 7"/>
-          <p:cNvSpPr/>
-          <p:nvPr/>
-        </p:nvSpPr>
-        <p:spPr>
-          <a:xfrm>
-            <a:off x="692330" y="5272591"/>
-            <a:ext cx="6400799" cy="646331"/>
-          </a:xfrm>
-          <a:prstGeom prst="rect">
-            <a:avLst/>
-          </a:prstGeom>
-        </p:spPr>
-        <p:txBody>
-          <a:bodyPr wrap="square">
-            <a:spAutoFit/>
-          </a:bodyPr>
-          <a:lstStyle/>
-          <a:p>
-            <a:r>
-              <a:rPr lang="es-AR" dirty="0" smtClean="0"/>
-              <a:t>Times(N</a:t>
-            </a:r>
-            <a:r>
-              <a:rPr lang="es-AR" dirty="0"/>
-              <a:t>) </a:t>
-            </a:r>
-            <a:r>
-              <a:rPr lang="es-AR" dirty="0" smtClean="0"/>
-              <a:t>=	 2 </a:t>
-            </a:r>
-            <a:r>
-              <a:rPr lang="es-AR" dirty="0"/>
-              <a:t>* </a:t>
-            </a:r>
-            <a:r>
-              <a:rPr lang="es-AR" dirty="0" smtClean="0"/>
-              <a:t>Times(N/3) + O(N)            si N &gt;= 4</a:t>
-            </a:r>
-          </a:p>
-          <a:p>
-            <a:r>
-              <a:rPr lang="es-AR" dirty="0"/>
-              <a:t> </a:t>
-            </a:r>
-            <a:r>
-              <a:rPr lang="es-AR" dirty="0" smtClean="0"/>
-              <a:t>                    	 1   		               si  N &lt; 4</a:t>
-            </a:r>
-            <a:endParaRPr lang="es-AR" dirty="0"/>
-          </a:p>
-        </p:txBody>
-      </p:sp>
-      <p:sp>
-        <p:nvSpPr>
           <p:cNvPr id="12" name="Abrir llave 11"/>
           <p:cNvSpPr/>
           <p:nvPr/>
         </p:nvSpPr>
         <p:spPr>
           <a:xfrm>
-            <a:off x="2078081" y="5212514"/>
+            <a:off x="4576827" y="710088"/>
             <a:ext cx="209006" cy="706408"/>
           </a:xfrm>
           <a:prstGeom prst="leftBrace">
@@ -34314,204 +33500,25 @@
         </p:blipFill>
         <p:spPr>
           <a:xfrm>
-            <a:off x="457199" y="2901368"/>
-            <a:ext cx="2933700" cy="2266950"/>
+            <a:off x="0" y="0"/>
+            <a:ext cx="3384371" cy="2615196"/>
           </a:xfrm>
           <a:prstGeom prst="rect">
             <a:avLst/>
           </a:prstGeom>
         </p:spPr>
       </p:pic>
-      <p:sp>
-        <p:nvSpPr>
-          <p:cNvPr id="9" name="Rectángulo 8"/>
-          <p:cNvSpPr/>
-          <p:nvPr/>
-        </p:nvSpPr>
-        <p:spPr>
-          <a:xfrm>
-            <a:off x="2182584" y="4782140"/>
-            <a:ext cx="4779919" cy="2120601"/>
-          </a:xfrm>
-          <a:prstGeom prst="rect">
-            <a:avLst/>
-          </a:prstGeom>
-        </p:spPr>
-        <p:style>
-          <a:lnRef idx="1">
-            <a:schemeClr val="accent3"/>
-          </a:lnRef>
-          <a:fillRef idx="2">
-            <a:schemeClr val="accent3"/>
-          </a:fillRef>
-          <a:effectRef idx="1">
-            <a:schemeClr val="accent3"/>
-          </a:effectRef>
-          <a:fontRef idx="minor">
-            <a:schemeClr val="dk1"/>
-          </a:fontRef>
-        </p:style>
-        <p:txBody>
-          <a:bodyPr rtlCol="0" anchor="ctr"/>
-          <a:lstStyle/>
-          <a:p>
-            <a:pPr algn="ctr"/>
-            <a:endParaRPr lang="es-AR"/>
-          </a:p>
-        </p:txBody>
-      </p:sp>
-    </p:spTree>
-    <p:extLst>
-      <p:ext uri="{BB962C8B-B14F-4D97-AF65-F5344CB8AC3E}">
-        <p14:creationId xmlns:p14="http://schemas.microsoft.com/office/powerpoint/2010/main" val="2629411660"/>
-      </p:ext>
-    </p:extLst>
-  </p:cSld>
-  <p:clrMapOvr>
-    <a:masterClrMapping/>
-  </p:clrMapOvr>
-  <mc:AlternateContent xmlns:mc="http://schemas.openxmlformats.org/markup-compatibility/2006" xmlns:p14="http://schemas.microsoft.com/office/powerpoint/2010/main">
-    <mc:Choice Requires="p14">
-      <p:transition spd="med" p14:dur="700">
-        <p:fade/>
-      </p:transition>
-    </mc:Choice>
-    <mc:Fallback xmlns="">
-      <p:transition spd="med">
-        <p:fade/>
-      </p:transition>
-    </mc:Fallback>
-  </mc:AlternateContent>
-  <p:timing>
-    <p:tnLst>
-      <p:par>
-        <p:cTn id="1" dur="indefinite" restart="never" nodeType="tmRoot">
-          <p:childTnLst>
-            <p:seq concurrent="1" nextAc="seek">
-              <p:cTn id="2" dur="indefinite" nodeType="mainSeq">
-                <p:childTnLst>
-                  <p:par>
-                    <p:cTn id="3" fill="hold">
-                      <p:stCondLst>
-                        <p:cond delay="indefinite"/>
-                      </p:stCondLst>
-                      <p:childTnLst>
-                        <p:par>
-                          <p:cTn id="4" fill="hold">
-                            <p:stCondLst>
-                              <p:cond delay="0"/>
-                            </p:stCondLst>
-                            <p:childTnLst>
-                              <p:par>
-                                <p:cTn id="5" presetID="22" presetClass="exit" presetSubtype="4" fill="hold" grpId="0" nodeType="clickEffect">
-                                  <p:stCondLst>
-                                    <p:cond delay="0"/>
-                                  </p:stCondLst>
-                                  <p:childTnLst>
-                                    <p:animEffect transition="out" filter="wipe(down)">
-                                      <p:cBhvr>
-                                        <p:cTn id="6" dur="500"/>
-                                        <p:tgtEl>
-                                          <p:spTgt spid="9"/>
-                                        </p:tgtEl>
-                                      </p:cBhvr>
-                                    </p:animEffect>
-                                    <p:set>
-                                      <p:cBhvr>
-                                        <p:cTn id="7" dur="1" fill="hold">
-                                          <p:stCondLst>
-                                            <p:cond delay="499"/>
-                                          </p:stCondLst>
-                                        </p:cTn>
-                                        <p:tgtEl>
-                                          <p:spTgt spid="9"/>
-                                        </p:tgtEl>
-                                        <p:attrNameLst>
-                                          <p:attrName>style.visibility</p:attrName>
-                                        </p:attrNameLst>
-                                      </p:cBhvr>
-                                      <p:to>
-                                        <p:strVal val="hidden"/>
-                                      </p:to>
-                                    </p:set>
-                                  </p:childTnLst>
-                                </p:cTn>
-                              </p:par>
-                            </p:childTnLst>
-                          </p:cTn>
-                        </p:par>
-                      </p:childTnLst>
-                    </p:cTn>
-                  </p:par>
-                </p:childTnLst>
-              </p:cTn>
-              <p:prevCondLst>
-                <p:cond evt="onPrev" delay="0">
-                  <p:tgtEl>
-                    <p:sldTgt/>
-                  </p:tgtEl>
-                </p:cond>
-              </p:prevCondLst>
-              <p:nextCondLst>
-                <p:cond evt="onNext" delay="0">
-                  <p:tgtEl>
-                    <p:sldTgt/>
-                  </p:tgtEl>
-                </p:cond>
-              </p:nextCondLst>
-            </p:seq>
-          </p:childTnLst>
-        </p:cTn>
-      </p:par>
-    </p:tnLst>
-    <p:bldLst>
-      <p:bldP spid="9" grpId="0" animBg="1"/>
-    </p:bldLst>
-  </p:timing>
-</p:sld>
-</file>
-
-<file path=ppt/slides/slide48.xml><?xml version="1.0" encoding="utf-8"?>
-<p:sld xmlns:a="http://schemas.openxmlformats.org/drawingml/2006/main" xmlns:r="http://schemas.openxmlformats.org/officeDocument/2006/relationships" xmlns:p="http://schemas.openxmlformats.org/presentationml/2006/main">
-  <p:cSld>
-    <p:spTree>
-      <p:nvGrpSpPr>
-        <p:cNvPr id="1" name=""/>
-        <p:cNvGrpSpPr/>
-        <p:nvPr/>
-      </p:nvGrpSpPr>
-      <p:grpSpPr>
-        <a:xfrm>
-          <a:off x="0" y="0"/>
-          <a:ext cx="0" cy="0"/>
-          <a:chOff x="0" y="0"/>
-          <a:chExt cx="0" cy="0"/>
-        </a:xfrm>
-      </p:grpSpPr>
-      <p:sp>
-        <p:nvSpPr>
-          <p:cNvPr id="2" name="Título 1"/>
-          <p:cNvSpPr>
-            <a:spLocks noGrp="1"/>
-          </p:cNvSpPr>
-          <p:nvPr>
-            <p:ph type="title"/>
-          </p:nvPr>
-        </p:nvSpPr>
-        <p:spPr/>
-        <p:txBody>
-          <a:bodyPr/>
-          <a:lstStyle/>
-          <a:p>
-            <a:endParaRPr lang="es-AR"/>
-          </a:p>
-        </p:txBody>
-      </p:sp>
-      <mc:AlternateContent xmlns:mc="http://schemas.openxmlformats.org/markup-compatibility/2006" xmlns:a14="http://schemas.microsoft.com/office/drawing/2010/main">
-        <mc:Choice Requires="a14">
+      <mc:AlternateContent xmlns:mc="http://schemas.openxmlformats.org/markup-compatibility/2006">
+        <mc:Choice xmlns:a14="http://schemas.microsoft.com/office/drawing/2010/main" Requires="a14">
           <p:sp>
             <p:nvSpPr>
-              <p:cNvPr id="3" name="Marcador de contenido 2"/>
+              <p:cNvPr id="10" name="Marcador de contenido 2">
+                <a:extLst>
+                  <a:ext uri="{FF2B5EF4-FFF2-40B4-BE49-F238E27FC236}">
+                    <a16:creationId xmlns:a16="http://schemas.microsoft.com/office/drawing/2014/main" id="{81715457-7006-D215-D8B3-3D45D5301AA8}"/>
+                  </a:ext>
+                </a:extLst>
+              </p:cNvPr>
               <p:cNvSpPr>
                 <a:spLocks noGrp="1"/>
               </p:cNvSpPr>
@@ -34519,42 +33526,23 @@
                 <p:ph idx="1"/>
               </p:nvPr>
             </p:nvSpPr>
-            <p:spPr/>
+            <p:spPr>
+              <a:xfrm>
+                <a:off x="457200" y="2468880"/>
+                <a:ext cx="8229600" cy="4389120"/>
+              </a:xfrm>
+            </p:spPr>
             <p:txBody>
               <a:bodyPr>
                 <a:normAutofit/>
               </a:bodyPr>
               <a:lstStyle/>
               <a:p>
-                <a:pPr marL="0" indent="0">
-                  <a:buNone/>
-                </a:pPr>
-                <a:endParaRPr lang="es-AR" dirty="0" smtClean="0"/>
-              </a:p>
-              <a:p>
-                <a:pPr marL="0" indent="0">
-                  <a:buNone/>
-                </a:pPr>
-                <a:endParaRPr lang="es-AR" dirty="0" smtClean="0"/>
-              </a:p>
-              <a:p>
-                <a:pPr marL="0" indent="0">
-                  <a:buNone/>
-                </a:pPr>
-                <a:endParaRPr lang="es-AR" dirty="0"/>
-              </a:p>
-              <a:p>
-                <a:pPr marL="0" indent="0">
-                  <a:buNone/>
-                </a:pPr>
-                <a:endParaRPr lang="es-AR" dirty="0" smtClean="0"/>
-              </a:p>
-              <a:p>
                 <a:pPr marL="0" indent="0" algn="just">
                   <a:buNone/>
                 </a:pPr>
                 <a:r>
-                  <a:rPr lang="es-AR" dirty="0" smtClean="0"/>
+                  <a:rPr lang="es-AR" dirty="0"/>
                   <a:t>Cuál es la O grande? Puedo aplicar el Teorema Maestro?</a:t>
                 </a:r>
               </a:p>
@@ -34563,11 +33551,11 @@
                   <a:buNone/>
                 </a:pPr>
                 <a:r>
-                  <a:rPr lang="es-AR" dirty="0" err="1" smtClean="0"/>
+                  <a:rPr lang="es-AR" dirty="0" err="1"/>
                   <a:t>Rta</a:t>
                 </a:r>
                 <a:r>
-                  <a:rPr lang="es-AR" dirty="0" smtClean="0"/>
+                  <a:rPr lang="es-AR" dirty="0"/>
                   <a:t>: Sí. a=2, b=3 y d=1</a:t>
                 </a:r>
               </a:p>
@@ -34576,16 +33564,8 @@
                   <a:buNone/>
                 </a:pPr>
                 <a:r>
-                  <a:rPr lang="es-AR" dirty="0" smtClean="0"/>
+                  <a:rPr lang="es-AR" dirty="0"/>
                   <a:t>Como </a:t>
-                </a:r>
-                <a:r>
-                  <a:rPr lang="es-AR" dirty="0" smtClean="0">
-                    <a:solidFill>
-                      <a:srgbClr val="00B050"/>
-                    </a:solidFill>
-                  </a:rPr>
-                  <a:t> </a:t>
                 </a:r>
                 <a:r>
                   <a:rPr lang="es-AR" dirty="0">
@@ -34593,15 +33573,7 @@
                       <a:srgbClr val="00B050"/>
                     </a:solidFill>
                   </a:rPr>
-                  <a:t>a </a:t>
-                </a:r>
-                <a:r>
-                  <a:rPr lang="es-AR" dirty="0" smtClean="0">
-                    <a:solidFill>
-                      <a:srgbClr val="00B050"/>
-                    </a:solidFill>
-                  </a:rPr>
-                  <a:t>&lt; </a:t>
+                  <a:t> a &lt; </a:t>
                 </a:r>
                 <a14:m>
                   <m:oMath xmlns:m="http://schemas.openxmlformats.org/officeDocument/2006/math">
@@ -34652,11 +33624,7 @@
                 </a14:m>
                 <a:r>
                   <a:rPr lang="es-AR" dirty="0"/>
-                  <a:t> </a:t>
-                </a:r>
-                <a:r>
-                  <a:rPr lang="es-AR" dirty="0" smtClean="0"/>
-                  <a:t>es caso 1 tenemos que </a:t>
+                  <a:t> es caso 1 tenemos que </a:t>
                 </a:r>
                 <a:r>
                   <a:rPr lang="es-AR" dirty="0">
@@ -34713,27 +33681,357 @@
                       <a:srgbClr val="00B050"/>
                     </a:solidFill>
                   </a:rPr>
-                  <a:t>)</a:t>
+                  <a:t>) o sea  O(N)</a:t>
                 </a:r>
-                <a:r>
-                  <a:rPr lang="es-AR" dirty="0" smtClean="0">
-                    <a:solidFill>
-                      <a:srgbClr val="00B050"/>
-                    </a:solidFill>
-                  </a:rPr>
-                  <a:t> o sea  O(N)</a:t>
-                </a:r>
-                <a:endParaRPr lang="es-AR" dirty="0">
-                  <a:solidFill>
-                    <a:srgbClr val="00B050"/>
-                  </a:solidFill>
-                </a:endParaRPr>
               </a:p>
               <a:p>
                 <a:pPr marL="0" indent="0">
                   <a:buNone/>
                 </a:pPr>
-                <a:endParaRPr lang="es-AR" dirty="0" smtClean="0"/>
+                <a:endParaRPr lang="es-AR" dirty="0"/>
+              </a:p>
+              <a:p>
+                <a:pPr marL="0" indent="0">
+                  <a:buNone/>
+                </a:pPr>
+                <a:endParaRPr lang="es-AR" dirty="0"/>
+              </a:p>
+            </p:txBody>
+          </p:sp>
+        </mc:Choice>
+        <mc:Fallback>
+          <p:sp>
+            <p:nvSpPr>
+              <p:cNvPr id="10" name="Marcador de contenido 2">
+                <a:extLst>
+                  <a:ext uri="{FF2B5EF4-FFF2-40B4-BE49-F238E27FC236}">
+                    <a16:creationId xmlns:a16="http://schemas.microsoft.com/office/drawing/2014/main" id="{81715457-7006-D215-D8B3-3D45D5301AA8}"/>
+                  </a:ext>
+                </a:extLst>
+              </p:cNvPr>
+              <p:cNvSpPr>
+                <a:spLocks noGrp="1" noRot="1" noChangeAspect="1" noMove="1" noResize="1" noEditPoints="1" noAdjustHandles="1" noChangeArrowheads="1" noChangeShapeType="1" noTextEdit="1"/>
+              </p:cNvSpPr>
+              <p:nvPr>
+                <p:ph idx="1"/>
+              </p:nvPr>
+            </p:nvSpPr>
+            <p:spPr>
+              <a:xfrm>
+                <a:off x="457200" y="2468880"/>
+                <a:ext cx="8229600" cy="4389120"/>
+              </a:xfrm>
+              <a:blipFill>
+                <a:blip r:embed="rId3"/>
+                <a:stretch>
+                  <a:fillRect l="-1389" t="-1156" r="-1389"/>
+                </a:stretch>
+              </a:blipFill>
+            </p:spPr>
+            <p:txBody>
+              <a:bodyPr/>
+              <a:lstStyle/>
+              <a:p>
+                <a:r>
+                  <a:rPr lang="en-AR">
+                    <a:noFill/>
+                  </a:rPr>
+                  <a:t> </a:t>
+                </a:r>
+              </a:p>
+            </p:txBody>
+          </p:sp>
+        </mc:Fallback>
+      </mc:AlternateContent>
+      <p:sp>
+        <p:nvSpPr>
+          <p:cNvPr id="8" name="Rectángulo 7"/>
+          <p:cNvSpPr/>
+          <p:nvPr/>
+        </p:nvSpPr>
+        <p:spPr>
+          <a:xfrm>
+            <a:off x="3296382" y="850398"/>
+            <a:ext cx="6400799" cy="646331"/>
+          </a:xfrm>
+          <a:prstGeom prst="rect">
+            <a:avLst/>
+          </a:prstGeom>
+        </p:spPr>
+        <p:txBody>
+          <a:bodyPr wrap="square">
+            <a:spAutoFit/>
+          </a:bodyPr>
+          <a:lstStyle/>
+          <a:p>
+            <a:r>
+              <a:rPr lang="es-AR" dirty="0"/>
+              <a:t>Times(N) =    2 * Times(N/3) + O(N)            si N &gt;= 4</a:t>
+            </a:r>
+          </a:p>
+          <a:p>
+            <a:r>
+              <a:rPr lang="es-AR" dirty="0"/>
+              <a:t>                        1   		               si  N &lt; 4</a:t>
+            </a:r>
+          </a:p>
+        </p:txBody>
+      </p:sp>
+    </p:spTree>
+    <p:extLst>
+      <p:ext uri="{BB962C8B-B14F-4D97-AF65-F5344CB8AC3E}">
+        <p14:creationId xmlns:p14="http://schemas.microsoft.com/office/powerpoint/2010/main" val="2629411660"/>
+      </p:ext>
+    </p:extLst>
+  </p:cSld>
+  <p:clrMapOvr>
+    <a:masterClrMapping/>
+  </p:clrMapOvr>
+  <mc:AlternateContent xmlns:mc="http://schemas.openxmlformats.org/markup-compatibility/2006" xmlns:p14="http://schemas.microsoft.com/office/powerpoint/2010/main">
+    <mc:Choice Requires="p14">
+      <p:transition spd="med" p14:dur="700">
+        <p:fade/>
+      </p:transition>
+    </mc:Choice>
+    <mc:Fallback xmlns="">
+      <p:transition spd="med">
+        <p:fade/>
+      </p:transition>
+    </mc:Fallback>
+  </mc:AlternateContent>
+</p:sld>
+</file>
+
+<file path=ppt/slides/slide48.xml><?xml version="1.0" encoding="utf-8"?>
+<p:sld xmlns:a="http://schemas.openxmlformats.org/drawingml/2006/main" xmlns:r="http://schemas.openxmlformats.org/officeDocument/2006/relationships" xmlns:p="http://schemas.openxmlformats.org/presentationml/2006/main">
+  <p:cSld>
+    <p:spTree>
+      <p:nvGrpSpPr>
+        <p:cNvPr id="1" name=""/>
+        <p:cNvGrpSpPr/>
+        <p:nvPr/>
+      </p:nvGrpSpPr>
+      <p:grpSpPr>
+        <a:xfrm>
+          <a:off x="0" y="0"/>
+          <a:ext cx="0" cy="0"/>
+          <a:chOff x="0" y="0"/>
+          <a:chExt cx="0" cy="0"/>
+        </a:xfrm>
+      </p:grpSpPr>
+      <p:sp>
+        <p:nvSpPr>
+          <p:cNvPr id="2" name="Título 1"/>
+          <p:cNvSpPr>
+            <a:spLocks noGrp="1"/>
+          </p:cNvSpPr>
+          <p:nvPr>
+            <p:ph type="title"/>
+          </p:nvPr>
+        </p:nvSpPr>
+        <p:spPr/>
+        <p:txBody>
+          <a:bodyPr/>
+          <a:lstStyle/>
+          <a:p>
+            <a:endParaRPr lang="es-AR"/>
+          </a:p>
+        </p:txBody>
+      </p:sp>
+      <mc:AlternateContent xmlns:mc="http://schemas.openxmlformats.org/markup-compatibility/2006" xmlns:a14="http://schemas.microsoft.com/office/drawing/2010/main">
+        <mc:Choice Requires="a14">
+          <p:sp>
+            <p:nvSpPr>
+              <p:cNvPr id="3" name="Marcador de contenido 2"/>
+              <p:cNvSpPr>
+                <a:spLocks noGrp="1"/>
+              </p:cNvSpPr>
+              <p:nvPr>
+                <p:ph idx="1"/>
+              </p:nvPr>
+            </p:nvSpPr>
+            <p:spPr/>
+            <p:txBody>
+              <a:bodyPr>
+                <a:normAutofit/>
+              </a:bodyPr>
+              <a:lstStyle/>
+              <a:p>
+                <a:pPr marL="0" indent="0">
+                  <a:buNone/>
+                </a:pPr>
+                <a:endParaRPr lang="es-AR" dirty="0"/>
+              </a:p>
+              <a:p>
+                <a:pPr marL="0" indent="0">
+                  <a:buNone/>
+                </a:pPr>
+                <a:endParaRPr lang="es-AR" dirty="0"/>
+              </a:p>
+              <a:p>
+                <a:pPr marL="0" indent="0">
+                  <a:buNone/>
+                </a:pPr>
+                <a:endParaRPr lang="es-AR" dirty="0"/>
+              </a:p>
+              <a:p>
+                <a:pPr marL="0" indent="0">
+                  <a:buNone/>
+                </a:pPr>
+                <a:endParaRPr lang="es-AR" dirty="0"/>
+              </a:p>
+              <a:p>
+                <a:pPr marL="0" indent="0" algn="just">
+                  <a:buNone/>
+                </a:pPr>
+                <a:r>
+                  <a:rPr lang="es-AR" dirty="0"/>
+                  <a:t>Cuál es la O grande? Puedo aplicar el Teorema Maestro?</a:t>
+                </a:r>
+              </a:p>
+              <a:p>
+                <a:pPr marL="0" indent="0">
+                  <a:buNone/>
+                </a:pPr>
+                <a:r>
+                  <a:rPr lang="es-AR" dirty="0" err="1"/>
+                  <a:t>Rta</a:t>
+                </a:r>
+                <a:r>
+                  <a:rPr lang="es-AR" dirty="0"/>
+                  <a:t>: Sí. a=2, b=3 y d=1</a:t>
+                </a:r>
+              </a:p>
+              <a:p>
+                <a:pPr marL="0" indent="0">
+                  <a:buNone/>
+                </a:pPr>
+                <a:r>
+                  <a:rPr lang="es-AR" dirty="0"/>
+                  <a:t>Como </a:t>
+                </a:r>
+                <a:r>
+                  <a:rPr lang="es-AR" dirty="0">
+                    <a:solidFill>
+                      <a:srgbClr val="00B050"/>
+                    </a:solidFill>
+                  </a:rPr>
+                  <a:t> a &lt; </a:t>
+                </a:r>
+                <a14:m>
+                  <m:oMath xmlns:m="http://schemas.openxmlformats.org/officeDocument/2006/math">
+                    <m:sSup>
+                      <m:sSupPr>
+                        <m:ctrlPr>
+                          <a:rPr lang="es-AR" i="1">
+                            <a:solidFill>
+                              <a:srgbClr val="00B050"/>
+                            </a:solidFill>
+                            <a:latin typeface="Cambria Math" panose="02040503050406030204" pitchFamily="18" charset="0"/>
+                          </a:rPr>
+                        </m:ctrlPr>
+                      </m:sSupPr>
+                      <m:e>
+                        <m:r>
+                          <a:rPr lang="es-AR" i="1">
+                            <a:solidFill>
+                              <a:srgbClr val="00B050"/>
+                            </a:solidFill>
+                            <a:latin typeface="Cambria Math" panose="02040503050406030204" pitchFamily="18" charset="0"/>
+                          </a:rPr>
+                          <m:t>𝑏</m:t>
+                        </m:r>
+                      </m:e>
+                      <m:sup>
+                        <m:r>
+                          <a:rPr lang="es-AR" i="1">
+                            <a:solidFill>
+                              <a:srgbClr val="00B050"/>
+                            </a:solidFill>
+                            <a:latin typeface="Cambria Math" panose="02040503050406030204" pitchFamily="18" charset="0"/>
+                          </a:rPr>
+                          <m:t>𝑑</m:t>
+                        </m:r>
+                        <m:r>
+                          <a:rPr lang="es-AR" b="0" i="1" smtClean="0">
+                            <a:solidFill>
+                              <a:srgbClr val="00B050"/>
+                            </a:solidFill>
+                            <a:latin typeface="Cambria Math" panose="02040503050406030204" pitchFamily="18" charset="0"/>
+                          </a:rPr>
+                          <m:t>  </m:t>
+                        </m:r>
+                      </m:sup>
+                    </m:sSup>
+                  </m:oMath>
+                </a14:m>
+                <a:r>
+                  <a:rPr lang="es-AR" dirty="0"/>
+                  <a:t> es caso 1 tenemos que </a:t>
+                </a:r>
+                <a:r>
+                  <a:rPr lang="es-AR" dirty="0">
+                    <a:solidFill>
+                      <a:srgbClr val="00B050"/>
+                    </a:solidFill>
+                  </a:rPr>
+                  <a:t>O(</a:t>
+                </a:r>
+                <a14:m>
+                  <m:oMath xmlns:m="http://schemas.openxmlformats.org/officeDocument/2006/math">
+                    <m:sSup>
+                      <m:sSupPr>
+                        <m:ctrlPr>
+                          <a:rPr lang="es-AR" i="1">
+                            <a:solidFill>
+                              <a:srgbClr val="00B050"/>
+                            </a:solidFill>
+                            <a:latin typeface="Cambria Math" panose="02040503050406030204" pitchFamily="18" charset="0"/>
+                          </a:rPr>
+                        </m:ctrlPr>
+                      </m:sSupPr>
+                      <m:e>
+                        <m:r>
+                          <m:rPr>
+                            <m:sty m:val="p"/>
+                          </m:rPr>
+                          <a:rPr lang="es-AR" i="1">
+                            <a:solidFill>
+                              <a:srgbClr val="00B050"/>
+                            </a:solidFill>
+                            <a:latin typeface="Cambria Math" panose="02040503050406030204" pitchFamily="18" charset="0"/>
+                          </a:rPr>
+                          <m:t>N</m:t>
+                        </m:r>
+                      </m:e>
+                      <m:sup>
+                        <m:r>
+                          <a:rPr lang="es-AR" i="1">
+                            <a:solidFill>
+                              <a:srgbClr val="00B050"/>
+                            </a:solidFill>
+                            <a:latin typeface="Cambria Math" panose="02040503050406030204" pitchFamily="18" charset="0"/>
+                          </a:rPr>
+                          <m:t>𝑑</m:t>
+                        </m:r>
+                      </m:sup>
+                    </m:sSup>
+                  </m:oMath>
+                </a14:m>
+                <a:r>
+                  <a:rPr lang="es-AR" dirty="0">
+                    <a:solidFill>
+                      <a:srgbClr val="00B050"/>
+                    </a:solidFill>
+                  </a:rPr>
+                  <a:t>) o sea  O(N)</a:t>
+                </a:r>
+              </a:p>
+              <a:p>
+                <a:pPr marL="0" indent="0">
+                  <a:buNone/>
+                </a:pPr>
+                <a:endParaRPr lang="es-AR" dirty="0"/>
               </a:p>
               <a:p>
                 <a:pPr marL="0" indent="0">
@@ -34823,36 +34121,15 @@
           <a:lstStyle/>
           <a:p>
             <a:r>
-              <a:rPr lang="es-AR" dirty="0" smtClean="0"/>
-              <a:t>Times(N</a:t>
-            </a:r>
-            <a:r>
               <a:rPr lang="es-AR" dirty="0"/>
-              <a:t>) </a:t>
-            </a:r>
-            <a:r>
-              <a:rPr lang="es-AR" dirty="0" smtClean="0"/>
-              <a:t>=	 2 </a:t>
-            </a:r>
+              <a:t>Times(N) =	 2 * Times(N/3) + O(N)          si N &gt;= 4</a:t>
+            </a:r>
+          </a:p>
+          <a:p>
             <a:r>
               <a:rPr lang="es-AR" dirty="0"/>
-              <a:t>* </a:t>
-            </a:r>
-            <a:r>
-              <a:rPr lang="es-AR" dirty="0" smtClean="0"/>
-              <a:t>Times(N/3) + O(N)          si N &gt;= 4</a:t>
-            </a:r>
-          </a:p>
-          <a:p>
-            <a:r>
-              <a:rPr lang="es-AR" dirty="0"/>
-              <a:t> </a:t>
-            </a:r>
-            <a:r>
-              <a:rPr lang="es-AR" dirty="0" smtClean="0"/>
-              <a:t>                    	 1   		           si  N &lt; 4</a:t>
-            </a:r>
-            <a:endParaRPr lang="es-AR" dirty="0"/>
+              <a:t>                     	 1   		           si  N &lt; 4</a:t>
+            </a:r>
           </a:p>
         </p:txBody>
       </p:sp>
@@ -34902,7 +34179,7 @@
         </p:nvSpPr>
         <p:spPr>
           <a:xfrm>
-            <a:off x="457200" y="4746745"/>
+            <a:off x="1955120" y="6438749"/>
             <a:ext cx="8463644" cy="1577855"/>
           </a:xfrm>
           <a:prstGeom prst="rect">
@@ -35098,7 +34375,7 @@
               <a:buNone/>
             </a:pPr>
             <a:r>
-              <a:rPr lang="es-AR" dirty="0" smtClean="0"/>
+              <a:rPr lang="es-AR" dirty="0"/>
               <a:t>Resumiendo</a:t>
             </a:r>
           </a:p>
@@ -35107,7 +34384,7 @@
               <a:buNone/>
             </a:pPr>
             <a:r>
-              <a:rPr lang="es-AR" dirty="0" smtClean="0"/>
+              <a:rPr lang="es-AR" dirty="0"/>
               <a:t>Existen diferentes formas de calcular complejidad. </a:t>
             </a:r>
           </a:p>
@@ -35116,11 +34393,11 @@
               <a:buNone/>
             </a:pPr>
             <a:r>
-              <a:rPr lang="es-AR" dirty="0" smtClean="0"/>
+              <a:rPr lang="es-AR" dirty="0"/>
               <a:t>Hay que </a:t>
             </a:r>
             <a:r>
-              <a:rPr lang="es-AR" smtClean="0"/>
+              <a:rPr lang="es-AR"/>
               <a:t>calcular correctamente Times(N).</a:t>
             </a:r>
           </a:p>
@@ -35128,35 +34405,35 @@
             <a:pPr marL="0" indent="0" algn="just">
               <a:buNone/>
             </a:pPr>
-            <a:endParaRPr lang="es-AR" smtClean="0"/>
+            <a:endParaRPr lang="es-AR"/>
           </a:p>
           <a:p>
             <a:pPr marL="0" indent="0" algn="just">
               <a:buNone/>
             </a:pPr>
             <a:r>
-              <a:rPr lang="es-AR" dirty="0" smtClean="0"/>
+              <a:rPr lang="es-AR" dirty="0"/>
               <a:t>Para el caso concreto de las recurrentes:</a:t>
             </a:r>
           </a:p>
           <a:p>
             <a:pPr algn="just"/>
             <a:r>
-              <a:rPr lang="es-AR" dirty="0" smtClean="0"/>
+              <a:rPr lang="es-AR" dirty="0"/>
               <a:t>Si aplican las condiciones, podemos aplicar Teorema Maestro</a:t>
             </a:r>
           </a:p>
           <a:p>
             <a:pPr algn="just"/>
             <a:r>
-              <a:rPr lang="es-AR" dirty="0" smtClean="0"/>
+              <a:rPr lang="es-AR" dirty="0"/>
               <a:t>Se puede expandir el árbol de invocaciones.</a:t>
             </a:r>
           </a:p>
           <a:p>
             <a:pPr algn="just"/>
             <a:r>
-              <a:rPr lang="es-AR" dirty="0" smtClean="0"/>
+              <a:rPr lang="es-AR" dirty="0"/>
               <a:t>Etc.</a:t>
             </a:r>
           </a:p>
@@ -35164,17 +34441,17 @@
             <a:pPr marL="0" indent="0" algn="just">
               <a:buNone/>
             </a:pPr>
-            <a:endParaRPr lang="es-AR" dirty="0" smtClean="0"/>
+            <a:endParaRPr lang="es-AR" dirty="0"/>
           </a:p>
           <a:p>
             <a:pPr algn="just"/>
-            <a:endParaRPr lang="es-AR" dirty="0" smtClean="0"/>
+            <a:endParaRPr lang="es-AR" dirty="0"/>
           </a:p>
           <a:p>
             <a:pPr marL="0" indent="0" algn="just">
               <a:buNone/>
             </a:pPr>
-            <a:endParaRPr lang="es-AR" dirty="0" smtClean="0"/>
+            <a:endParaRPr lang="es-AR" dirty="0"/>
           </a:p>
           <a:p>
             <a:pPr marL="0" indent="0">
@@ -35229,13 +34506,6 @@
       </p:transition>
     </mc:Fallback>
   </mc:AlternateContent>
-  <p:timing>
-    <p:tnLst>
-      <p:par>
-        <p:cTn id="1" dur="indefinite" restart="never" nodeType="tmRoot"/>
-      </p:par>
-    </p:tnLst>
-  </p:timing>
 </p:sld>
 </file>
 
@@ -36382,13 +35652,6 @@
       </p:transition>
     </mc:Fallback>
   </mc:AlternateContent>
-  <p:timing>
-    <p:tnLst>
-      <p:par>
-        <p:cTn id="1" dur="indefinite" restart="never" nodeType="tmRoot"/>
-      </p:par>
-    </p:tnLst>
-  </p:timing>
 </p:sld>
 </file>
 
@@ -36598,14 +35861,14 @@
           <a:lstStyle/>
           <a:p>
             <a:r>
-              <a:rPr lang="en-US" b="1" dirty="0" err="1" smtClean="0"/>
+              <a:rPr lang="en-US" b="1" dirty="0" err="1"/>
               <a:t>una</a:t>
             </a:r>
             <a:endParaRPr lang="en-US" dirty="0"/>
           </a:p>
           <a:p>
             <a:r>
-              <a:rPr lang="en-US" b="1" dirty="0" err="1" smtClean="0"/>
+              <a:rPr lang="en-US" b="1" dirty="0" err="1"/>
               <a:t>técnica</a:t>
             </a:r>
             <a:endParaRPr lang="en-US" dirty="0"/>
@@ -36618,14 +35881,13 @@
           </a:p>
           <a:p>
             <a:r>
-              <a:rPr lang="en-US" b="1" dirty="0" smtClean="0"/>
+              <a:rPr lang="en-US" b="1" dirty="0"/>
               <a:t>EDA</a:t>
             </a:r>
             <a:r>
-              <a:rPr lang="en-US" dirty="0" smtClean="0"/>
+              <a:rPr lang="en-US" dirty="0"/>
               <a:t> </a:t>
             </a:r>
-            <a:endParaRPr lang="en-US" dirty="0"/>
           </a:p>
           <a:p>
             <a:pPr algn="ctr"/>
@@ -36692,12 +35954,8 @@
           </a:p>
           <a:p>
             <a:r>
-              <a:rPr lang="en-US" i="1" dirty="0" smtClean="0"/>
-              <a:t>&lt;doc1.txt</a:t>
-            </a:r>
-            <a:r>
               <a:rPr lang="en-US" i="1" dirty="0"/>
-              <a:t>, doc2.txt, doc3.txt</a:t>
+              <a:t>&lt;doc1.txt, doc2.txt, doc3.txt</a:t>
             </a:r>
             <a:r>
               <a:rPr lang="en-US" dirty="0"/>
@@ -36706,12 +35964,8 @@
           </a:p>
           <a:p>
             <a:r>
-              <a:rPr lang="en-US" i="1" dirty="0" smtClean="0"/>
-              <a:t>&lt;doc1.txt</a:t>
-            </a:r>
-            <a:r>
               <a:rPr lang="en-US" i="1" dirty="0"/>
-              <a:t>, doc2.txt</a:t>
+              <a:t>&lt;doc1.txt, doc2.txt</a:t>
             </a:r>
             <a:r>
               <a:rPr lang="en-US" dirty="0"/>
@@ -36726,7 +35980,7 @@
           </a:p>
           <a:p>
             <a:r>
-              <a:rPr lang="en-US" i="1" dirty="0" smtClean="0"/>
+              <a:rPr lang="en-US" i="1" dirty="0"/>
               <a:t>&lt;doc3.txt</a:t>
             </a:r>
             <a:r>
@@ -37792,13 +37046,6 @@
       </p:transition>
     </mc:Fallback>
   </mc:AlternateContent>
-  <p:timing>
-    <p:tnLst>
-      <p:par>
-        <p:cTn id="1" dur="indefinite" restart="never" nodeType="tmRoot"/>
-      </p:par>
-    </p:tnLst>
-  </p:timing>
 </p:sld>
 </file>
 
@@ -38327,18 +37574,13 @@
                 <a:defRPr/>
               </a:pPr>
               <a:r>
-                <a:rPr lang="en-US" sz="1400" b="1" dirty="0" smtClean="0">
+                <a:rPr lang="en-US" sz="1400" b="1" dirty="0">
                   <a:solidFill>
                     <a:srgbClr val="1EA907"/>
                   </a:solidFill>
                 </a:rPr>
                 <a:t>58622</a:t>
               </a:r>
-              <a:endParaRPr lang="en-US" sz="1400" b="1" dirty="0">
-                <a:solidFill>
-                  <a:srgbClr val="1EA907"/>
-                </a:solidFill>
-              </a:endParaRPr>
             </a:p>
             <a:p>
               <a:pPr>
@@ -39133,13 +38375,6 @@
       </p:transition>
     </mc:Fallback>
   </mc:AlternateContent>
-  <p:timing>
-    <p:tnLst>
-      <p:par>
-        <p:cTn id="1" dur="indefinite" restart="never" nodeType="tmRoot"/>
-      </p:par>
-    </p:tnLst>
-  </p:timing>
 </p:sld>
 </file>
 
@@ -39400,17 +38635,15 @@
           <a:lstStyle/>
           <a:p>
             <a:r>
-              <a:rPr lang="en-US" dirty="0" smtClean="0"/>
+              <a:rPr lang="en-US" dirty="0"/>
               <a:t>58622</a:t>
             </a:r>
-            <a:endParaRPr lang="en-US" dirty="0"/>
-          </a:p>
-          <a:p>
-            <a:r>
-              <a:rPr lang="en-US" dirty="0" smtClean="0"/>
+          </a:p>
+          <a:p>
+            <a:r>
+              <a:rPr lang="en-US" dirty="0"/>
               <a:t>58333</a:t>
             </a:r>
-            <a:endParaRPr lang="en-US" dirty="0"/>
           </a:p>
           <a:p>
             <a:r>
@@ -39420,10 +38653,9 @@
           </a:p>
           <a:p>
             <a:r>
-              <a:rPr lang="en-US" dirty="0" smtClean="0"/>
+              <a:rPr lang="en-US" dirty="0"/>
               <a:t>45382 </a:t>
             </a:r>
-            <a:endParaRPr lang="en-US" dirty="0"/>
           </a:p>
           <a:p>
             <a:endParaRPr lang="en-US" dirty="0"/>
@@ -39489,15 +38721,7 @@
           <a:p>
             <a:r>
               <a:rPr lang="en-US" dirty="0"/>
-              <a:t>&lt;</a:t>
-            </a:r>
-            <a:r>
-              <a:rPr lang="en-US" dirty="0" smtClean="0"/>
-              <a:t>58622, Ana </a:t>
-            </a:r>
-            <a:r>
-              <a:rPr lang="en-US" dirty="0"/>
-              <a:t>Garcia, 20, </a:t>
+              <a:t>&lt;58622, Ana Garcia, 20, </a:t>
             </a:r>
             <a:r>
               <a:rPr lang="en-US" dirty="0">
@@ -39513,15 +38737,7 @@
           <a:p>
             <a:r>
               <a:rPr lang="en-US" dirty="0"/>
-              <a:t>&lt;</a:t>
-            </a:r>
-            <a:r>
-              <a:rPr lang="en-US" dirty="0" smtClean="0"/>
-              <a:t>58333, Pablo </a:t>
-            </a:r>
-            <a:r>
-              <a:rPr lang="en-US" dirty="0"/>
-              <a:t>Conte, 19, </a:t>
+              <a:t>&lt;58333, Pablo Conte, 19, </a:t>
             </a:r>
             <a:r>
               <a:rPr lang="en-US" dirty="0">
@@ -39543,11 +38759,7 @@
           <a:p>
             <a:r>
               <a:rPr lang="en-US" dirty="0"/>
-              <a:t>&lt;</a:t>
-            </a:r>
-            <a:r>
-              <a:rPr lang="en-US" dirty="0" smtClean="0"/>
-              <a:t>45382, Leo </a:t>
+              <a:t>&lt;45382, Leo </a:t>
             </a:r>
             <a:r>
               <a:rPr lang="en-US" dirty="0" err="1"/>
@@ -39558,16 +38770,15 @@
               <a:t>, 20, </a:t>
             </a:r>
             <a:r>
-              <a:rPr lang="en-US" dirty="0" smtClean="0">
+              <a:rPr lang="en-US" dirty="0">
                 <a:hlinkClick r:id="rId4"/>
               </a:rPr>
               <a:t>lnilo@gmail.com</a:t>
             </a:r>
             <a:r>
-              <a:rPr lang="en-US" dirty="0" smtClean="0"/>
+              <a:rPr lang="en-US" dirty="0"/>
               <a:t>&gt;</a:t>
             </a:r>
-            <a:endParaRPr lang="en-US" dirty="0"/>
           </a:p>
           <a:p>
             <a:pPr algn="ctr"/>
@@ -39979,18 +39190,13 @@
                 <a:defRPr/>
               </a:pPr>
               <a:r>
-                <a:rPr lang="en-US" sz="1400" b="1" dirty="0" smtClean="0">
+                <a:rPr lang="en-US" sz="1400" b="1" dirty="0">
                   <a:solidFill>
                     <a:srgbClr val="1EA907"/>
                   </a:solidFill>
                 </a:rPr>
                 <a:t>58622</a:t>
               </a:r>
-              <a:endParaRPr lang="en-US" sz="1400" b="1" dirty="0">
-                <a:solidFill>
-                  <a:srgbClr val="1EA907"/>
-                </a:solidFill>
-              </a:endParaRPr>
             </a:p>
             <a:p>
               <a:pPr>
@@ -40785,13 +39991,6 @@
       </p:transition>
     </mc:Fallback>
   </mc:AlternateContent>
-  <p:timing>
-    <p:tnLst>
-      <p:par>
-        <p:cTn id="1" dur="indefinite" restart="never" nodeType="tmRoot"/>
-      </p:par>
-    </p:tnLst>
-  </p:timing>
 </p:sld>
 </file>
 
@@ -41316,18 +40515,13 @@
                 <a:defRPr/>
               </a:pPr>
               <a:r>
-                <a:rPr lang="en-US" sz="1400" b="1" dirty="0" smtClean="0">
+                <a:rPr lang="en-US" sz="1400" b="1" dirty="0">
                   <a:solidFill>
                     <a:srgbClr val="1EA907"/>
                   </a:solidFill>
                 </a:rPr>
                 <a:t>58622</a:t>
               </a:r>
-              <a:endParaRPr lang="en-US" sz="1400" b="1" dirty="0">
-                <a:solidFill>
-                  <a:srgbClr val="1EA907"/>
-                </a:solidFill>
-              </a:endParaRPr>
             </a:p>
             <a:p>
               <a:pPr>
@@ -42122,13 +41316,6 @@
       </p:transition>
     </mc:Fallback>
   </mc:AlternateContent>
-  <p:timing>
-    <p:tnLst>
-      <p:par>
-        <p:cTn id="1" dur="indefinite" restart="never" nodeType="tmRoot"/>
-      </p:par>
-    </p:tnLst>
-  </p:timing>
 </p:sld>
 </file>
 
